--- a/presentation/Presentation.pptx
+++ b/presentation/Presentation.pptx
@@ -1,34 +1,34 @@
 
 <file path=ppt/presentation.xml><?xml version="1.0" encoding="utf-8"?>
-<p:presentation xmlns:a="http://schemas.openxmlformats.org/drawingml/2006/main" xmlns:r="http://schemas.openxmlformats.org/officeDocument/2006/relationships" xmlns:mc="http://schemas.openxmlformats.org/markup-compatibility/2006" xmlns:mv="urn:schemas-microsoft-com:mac:vml" xmlns:p="http://schemas.openxmlformats.org/presentationml/2006/main" xmlns:c="http://schemas.openxmlformats.org/drawingml/2006/chart" xmlns:dgm="http://schemas.openxmlformats.org/drawingml/2006/diagram" xmlns:o="urn:schemas-microsoft-com:office:office" xmlns:v="urn:schemas-microsoft-com:vml" xmlns:pvml="urn:schemas-microsoft-com:office:powerpoint" xmlns:com="http://schemas.openxmlformats.org/drawingml/2006/compatibility" xmlns:p14="http://schemas.microsoft.com/office/powerpoint/2010/main" xmlns:p15="http://schemas.microsoft.com/office/powerpoint/2012/main" autoCompressPictures="0" embedTrueTypeFonts="1" strictFirstAndLastChars="0" saveSubsetFonts="1">
+<p:presentation xmlns:a="http://schemas.openxmlformats.org/drawingml/2006/main" xmlns:r="http://schemas.openxmlformats.org/officeDocument/2006/relationships" xmlns:p="http://schemas.openxmlformats.org/presentationml/2006/main" strictFirstAndLastChars="0" embedTrueTypeFonts="1" autoCompressPictures="0">
   <p:sldMasterIdLst>
-    <p:sldMasterId id="2147483659" r:id="rId5"/>
+    <p:sldMasterId id="2147483659" r:id="rId1"/>
   </p:sldMasterIdLst>
   <p:notesMasterIdLst>
-    <p:notesMasterId r:id="rId6"/>
+    <p:notesMasterId r:id="rId9"/>
   </p:notesMasterIdLst>
   <p:sldIdLst>
-    <p:sldId id="256" r:id="rId7"/>
-    <p:sldId id="257" r:id="rId8"/>
-    <p:sldId id="258" r:id="rId9"/>
-    <p:sldId id="259" r:id="rId10"/>
-    <p:sldId id="260" r:id="rId11"/>
-    <p:sldId id="261" r:id="rId12"/>
-    <p:sldId id="262" r:id="rId13"/>
+    <p:sldId id="256" r:id="rId2"/>
+    <p:sldId id="257" r:id="rId3"/>
+    <p:sldId id="258" r:id="rId4"/>
+    <p:sldId id="259" r:id="rId5"/>
+    <p:sldId id="260" r:id="rId6"/>
+    <p:sldId id="261" r:id="rId7"/>
+    <p:sldId id="262" r:id="rId8"/>
   </p:sldIdLst>
-  <p:sldSz cy="5143500" cx="9144000"/>
+  <p:sldSz cx="9144000" cy="5143500" type="screen16x9"/>
   <p:notesSz cx="6858000" cy="9144000"/>
   <p:embeddedFontLst>
     <p:embeddedFont>
-      <p:font typeface="Nunito"/>
-      <p:regular r:id="rId14"/>
-      <p:bold r:id="rId15"/>
-      <p:italic r:id="rId16"/>
-      <p:boldItalic r:id="rId17"/>
+      <p:font typeface="Nunito" pitchFamily="2" charset="77"/>
+      <p:regular r:id="rId10"/>
+      <p:bold r:id="rId11"/>
+      <p:italic r:id="rId12"/>
+      <p:boldItalic r:id="rId13"/>
     </p:embeddedFont>
   </p:embeddedFontLst>
   <p:defaultTextStyle>
-    <a:defPPr lvl="0" marR="0" rtl="0" algn="l">
+    <a:defPPr marR="0" lvl="0" algn="l" rtl="0">
       <a:lnSpc>
         <a:spcPct val="100000"/>
       </a:lnSpc>
@@ -39,7 +39,7 @@
         <a:spcPts val="0"/>
       </a:spcAft>
     </a:defPPr>
-    <a:lvl1pPr lvl="0" marR="0" rtl="0" algn="l">
+    <a:lvl1pPr marR="0" lvl="0" algn="l" rtl="0">
       <a:lnSpc>
         <a:spcPct val="100000"/>
       </a:lnSpc>
@@ -53,7 +53,7 @@
         <a:srgbClr val="000000"/>
       </a:buClr>
       <a:buFont typeface="Arial"/>
-      <a:defRPr b="0" i="0" sz="1400" u="none" cap="none" strike="noStrike">
+      <a:defRPr sz="1400" b="0" i="0" u="none" strike="noStrike" cap="none">
         <a:solidFill>
           <a:srgbClr val="000000"/>
         </a:solidFill>
@@ -63,7 +63,7 @@
         <a:sym typeface="Arial"/>
       </a:defRPr>
     </a:lvl1pPr>
-    <a:lvl2pPr lvl="1" marR="0" rtl="0" algn="l">
+    <a:lvl2pPr marR="0" lvl="1" algn="l" rtl="0">
       <a:lnSpc>
         <a:spcPct val="100000"/>
       </a:lnSpc>
@@ -77,7 +77,7 @@
         <a:srgbClr val="000000"/>
       </a:buClr>
       <a:buFont typeface="Arial"/>
-      <a:defRPr b="0" i="0" sz="1400" u="none" cap="none" strike="noStrike">
+      <a:defRPr sz="1400" b="0" i="0" u="none" strike="noStrike" cap="none">
         <a:solidFill>
           <a:srgbClr val="000000"/>
         </a:solidFill>
@@ -87,7 +87,7 @@
         <a:sym typeface="Arial"/>
       </a:defRPr>
     </a:lvl2pPr>
-    <a:lvl3pPr lvl="2" marR="0" rtl="0" algn="l">
+    <a:lvl3pPr marR="0" lvl="2" algn="l" rtl="0">
       <a:lnSpc>
         <a:spcPct val="100000"/>
       </a:lnSpc>
@@ -101,7 +101,7 @@
         <a:srgbClr val="000000"/>
       </a:buClr>
       <a:buFont typeface="Arial"/>
-      <a:defRPr b="0" i="0" sz="1400" u="none" cap="none" strike="noStrike">
+      <a:defRPr sz="1400" b="0" i="0" u="none" strike="noStrike" cap="none">
         <a:solidFill>
           <a:srgbClr val="000000"/>
         </a:solidFill>
@@ -111,7 +111,7 @@
         <a:sym typeface="Arial"/>
       </a:defRPr>
     </a:lvl3pPr>
-    <a:lvl4pPr lvl="3" marR="0" rtl="0" algn="l">
+    <a:lvl4pPr marR="0" lvl="3" algn="l" rtl="0">
       <a:lnSpc>
         <a:spcPct val="100000"/>
       </a:lnSpc>
@@ -125,7 +125,7 @@
         <a:srgbClr val="000000"/>
       </a:buClr>
       <a:buFont typeface="Arial"/>
-      <a:defRPr b="0" i="0" sz="1400" u="none" cap="none" strike="noStrike">
+      <a:defRPr sz="1400" b="0" i="0" u="none" strike="noStrike" cap="none">
         <a:solidFill>
           <a:srgbClr val="000000"/>
         </a:solidFill>
@@ -135,7 +135,7 @@
         <a:sym typeface="Arial"/>
       </a:defRPr>
     </a:lvl4pPr>
-    <a:lvl5pPr lvl="4" marR="0" rtl="0" algn="l">
+    <a:lvl5pPr marR="0" lvl="4" algn="l" rtl="0">
       <a:lnSpc>
         <a:spcPct val="100000"/>
       </a:lnSpc>
@@ -149,7 +149,7 @@
         <a:srgbClr val="000000"/>
       </a:buClr>
       <a:buFont typeface="Arial"/>
-      <a:defRPr b="0" i="0" sz="1400" u="none" cap="none" strike="noStrike">
+      <a:defRPr sz="1400" b="0" i="0" u="none" strike="noStrike" cap="none">
         <a:solidFill>
           <a:srgbClr val="000000"/>
         </a:solidFill>
@@ -159,7 +159,7 @@
         <a:sym typeface="Arial"/>
       </a:defRPr>
     </a:lvl5pPr>
-    <a:lvl6pPr lvl="5" marR="0" rtl="0" algn="l">
+    <a:lvl6pPr marR="0" lvl="5" algn="l" rtl="0">
       <a:lnSpc>
         <a:spcPct val="100000"/>
       </a:lnSpc>
@@ -173,7 +173,7 @@
         <a:srgbClr val="000000"/>
       </a:buClr>
       <a:buFont typeface="Arial"/>
-      <a:defRPr b="0" i="0" sz="1400" u="none" cap="none" strike="noStrike">
+      <a:defRPr sz="1400" b="0" i="0" u="none" strike="noStrike" cap="none">
         <a:solidFill>
           <a:srgbClr val="000000"/>
         </a:solidFill>
@@ -183,7 +183,7 @@
         <a:sym typeface="Arial"/>
       </a:defRPr>
     </a:lvl6pPr>
-    <a:lvl7pPr lvl="6" marR="0" rtl="0" algn="l">
+    <a:lvl7pPr marR="0" lvl="6" algn="l" rtl="0">
       <a:lnSpc>
         <a:spcPct val="100000"/>
       </a:lnSpc>
@@ -197,7 +197,7 @@
         <a:srgbClr val="000000"/>
       </a:buClr>
       <a:buFont typeface="Arial"/>
-      <a:defRPr b="0" i="0" sz="1400" u="none" cap="none" strike="noStrike">
+      <a:defRPr sz="1400" b="0" i="0" u="none" strike="noStrike" cap="none">
         <a:solidFill>
           <a:srgbClr val="000000"/>
         </a:solidFill>
@@ -207,7 +207,7 @@
         <a:sym typeface="Arial"/>
       </a:defRPr>
     </a:lvl7pPr>
-    <a:lvl8pPr lvl="7" marR="0" rtl="0" algn="l">
+    <a:lvl8pPr marR="0" lvl="7" algn="l" rtl="0">
       <a:lnSpc>
         <a:spcPct val="100000"/>
       </a:lnSpc>
@@ -221,7 +221,7 @@
         <a:srgbClr val="000000"/>
       </a:buClr>
       <a:buFont typeface="Arial"/>
-      <a:defRPr b="0" i="0" sz="1400" u="none" cap="none" strike="noStrike">
+      <a:defRPr sz="1400" b="0" i="0" u="none" strike="noStrike" cap="none">
         <a:solidFill>
           <a:srgbClr val="000000"/>
         </a:solidFill>
@@ -231,7 +231,7 @@
         <a:sym typeface="Arial"/>
       </a:defRPr>
     </a:lvl8pPr>
-    <a:lvl9pPr lvl="8" marR="0" rtl="0" algn="l">
+    <a:lvl9pPr marR="0" lvl="8" algn="l" rtl="0">
       <a:lnSpc>
         <a:spcPct val="100000"/>
       </a:lnSpc>
@@ -245,7 +245,7 @@
         <a:srgbClr val="000000"/>
       </a:buClr>
       <a:buFont typeface="Arial"/>
-      <a:defRPr b="0" i="0" sz="1400" u="none" cap="none" strike="noStrike">
+      <a:defRPr sz="1400" b="0" i="0" u="none" strike="noStrike" cap="none">
         <a:solidFill>
           <a:srgbClr val="000000"/>
         </a:solidFill>
@@ -258,7 +258,7 @@
   </p:defaultTextStyle>
   <p:extLst>
     <p:ext uri="{EFAFB233-063F-42B5-8137-9DF3F51BA10A}">
-      <p15:sldGuideLst>
+      <p15:sldGuideLst xmlns:p15="http://schemas.microsoft.com/office/powerpoint/2012/main">
         <p15:guide id="1" orient="horz" pos="1620">
           <p15:clr>
             <a:srgbClr val="A4A3A4"/>
@@ -276,11 +276,16 @@
 </file>
 
 <file path=ppt/notesMasters/notesMaster1.xml><?xml version="1.0" encoding="utf-8"?>
-<p:notesMaster xmlns:a="http://schemas.openxmlformats.org/drawingml/2006/main" xmlns:r="http://schemas.openxmlformats.org/officeDocument/2006/relationships" xmlns:mc="http://schemas.openxmlformats.org/markup-compatibility/2006" xmlns:mv="urn:schemas-microsoft-com:mac:vml" xmlns:p="http://schemas.openxmlformats.org/presentationml/2006/main" xmlns:c="http://schemas.openxmlformats.org/drawingml/2006/chart" xmlns:dgm="http://schemas.openxmlformats.org/drawingml/2006/diagram" xmlns:o="urn:schemas-microsoft-com:office:office" xmlns:v="urn:schemas-microsoft-com:vml" xmlns:pvml="urn:schemas-microsoft-com:office:powerpoint" xmlns:com="http://schemas.openxmlformats.org/drawingml/2006/compatibility" xmlns:p14="http://schemas.microsoft.com/office/powerpoint/2010/main" xmlns:p15="http://schemas.microsoft.com/office/powerpoint/2012/main">
+<p:notesMaster xmlns:a="http://schemas.openxmlformats.org/drawingml/2006/main" xmlns:r="http://schemas.openxmlformats.org/officeDocument/2006/relationships" xmlns:p="http://schemas.openxmlformats.org/presentationml/2006/main">
   <p:cSld>
+    <p:bg>
+      <p:bgRef idx="1001">
+        <a:schemeClr val="bg1"/>
+      </p:bgRef>
+    </p:bg>
     <p:spTree>
       <p:nvGrpSpPr>
-        <p:cNvPr id="2" name="Shape 2"/>
+        <p:cNvPr id="1" name="Shape 2"/>
         <p:cNvGrpSpPr/>
         <p:nvPr/>
       </p:nvGrpSpPr>
@@ -295,9 +300,11 @@
       <p:sp>
         <p:nvSpPr>
           <p:cNvPr id="3" name="Google Shape;3;n"/>
-          <p:cNvSpPr/>
+          <p:cNvSpPr>
+            <a:spLocks noGrp="1" noRot="1" noChangeAspect="1"/>
+          </p:cNvSpPr>
           <p:nvPr>
-            <p:ph idx="2" type="sldImg"/>
+            <p:ph type="sldImg" idx="2"/>
           </p:nvPr>
         </p:nvSpPr>
         <p:spPr>
@@ -306,9 +313,13 @@
             <a:ext cx="6096075" cy="3429000"/>
           </a:xfrm>
           <a:custGeom>
-            <a:rect b="b" l="l" r="r" t="t"/>
+            <a:avLst/>
+            <a:gdLst/>
+            <a:ahLst/>
+            <a:cxnLst/>
+            <a:rect l="l" t="t" r="r" b="b"/>
             <a:pathLst>
-              <a:path extrusionOk="0" h="120000" w="120000">
+              <a:path w="120000" h="120000" extrusionOk="0">
                 <a:moveTo>
                   <a:pt x="0" y="0"/>
                 </a:moveTo>
@@ -326,23 +337,25 @@
             </a:pathLst>
           </a:custGeom>
           <a:noFill/>
-          <a:ln cap="flat" cmpd="sng" w="9525">
+          <a:ln w="9525" cap="flat" cmpd="sng">
             <a:solidFill>
               <a:srgbClr val="000000"/>
             </a:solidFill>
             <a:prstDash val="solid"/>
             <a:round/>
-            <a:headEnd len="sm" w="sm" type="none"/>
-            <a:tailEnd len="sm" w="sm" type="none"/>
+            <a:headEnd type="none" w="sm" len="sm"/>
+            <a:tailEnd type="none" w="sm" len="sm"/>
           </a:ln>
         </p:spPr>
       </p:sp>
       <p:sp>
         <p:nvSpPr>
           <p:cNvPr id="4" name="Google Shape;4;n"/>
-          <p:cNvSpPr txBox="1"/>
+          <p:cNvSpPr txBox="1">
+            <a:spLocks noGrp="1"/>
+          </p:cNvSpPr>
           <p:nvPr>
-            <p:ph idx="1" type="body"/>
+            <p:ph type="body" idx="1"/>
           </p:nvPr>
         </p:nvSpPr>
         <p:spPr>
@@ -359,9 +372,9 @@
           </a:ln>
         </p:spPr>
         <p:txBody>
-          <a:bodyPr anchorCtr="0" anchor="t" bIns="91425" lIns="91425" spcFirstLastPara="1" rIns="91425" wrap="square" tIns="91425"/>
+          <a:bodyPr spcFirstLastPara="1" wrap="square" lIns="91425" tIns="91425" rIns="91425" bIns="91425" anchor="t" anchorCtr="0"/>
           <a:lstStyle>
-            <a:lvl1pPr indent="-298450" lvl="0" marL="457200">
+            <a:lvl1pPr marL="457200" lvl="0" indent="-298450">
               <a:spcBef>
                 <a:spcPts val="0"/>
               </a:spcBef>
@@ -372,7 +385,7 @@
               <a:buChar char="●"/>
               <a:defRPr sz="1100"/>
             </a:lvl1pPr>
-            <a:lvl2pPr indent="-298450" lvl="1" marL="914400">
+            <a:lvl2pPr marL="914400" lvl="1" indent="-298450">
               <a:spcBef>
                 <a:spcPts val="0"/>
               </a:spcBef>
@@ -383,7 +396,7 @@
               <a:buChar char="○"/>
               <a:defRPr sz="1100"/>
             </a:lvl2pPr>
-            <a:lvl3pPr indent="-298450" lvl="2" marL="1371600">
+            <a:lvl3pPr marL="1371600" lvl="2" indent="-298450">
               <a:spcBef>
                 <a:spcPts val="0"/>
               </a:spcBef>
@@ -394,7 +407,7 @@
               <a:buChar char="■"/>
               <a:defRPr sz="1100"/>
             </a:lvl3pPr>
-            <a:lvl4pPr indent="-298450" lvl="3" marL="1828800">
+            <a:lvl4pPr marL="1828800" lvl="3" indent="-298450">
               <a:spcBef>
                 <a:spcPts val="0"/>
               </a:spcBef>
@@ -405,7 +418,7 @@
               <a:buChar char="●"/>
               <a:defRPr sz="1100"/>
             </a:lvl4pPr>
-            <a:lvl5pPr indent="-298450" lvl="4" marL="2286000">
+            <a:lvl5pPr marL="2286000" lvl="4" indent="-298450">
               <a:spcBef>
                 <a:spcPts val="0"/>
               </a:spcBef>
@@ -416,7 +429,7 @@
               <a:buChar char="○"/>
               <a:defRPr sz="1100"/>
             </a:lvl5pPr>
-            <a:lvl6pPr indent="-298450" lvl="5" marL="2743200">
+            <a:lvl6pPr marL="2743200" lvl="5" indent="-298450">
               <a:spcBef>
                 <a:spcPts val="0"/>
               </a:spcBef>
@@ -427,7 +440,7 @@
               <a:buChar char="■"/>
               <a:defRPr sz="1100"/>
             </a:lvl6pPr>
-            <a:lvl7pPr indent="-298450" lvl="6" marL="3200400">
+            <a:lvl7pPr marL="3200400" lvl="6" indent="-298450">
               <a:spcBef>
                 <a:spcPts val="0"/>
               </a:spcBef>
@@ -438,7 +451,7 @@
               <a:buChar char="●"/>
               <a:defRPr sz="1100"/>
             </a:lvl7pPr>
-            <a:lvl8pPr indent="-298450" lvl="7" marL="3657600">
+            <a:lvl8pPr marL="3657600" lvl="7" indent="-298450">
               <a:spcBef>
                 <a:spcPts val="0"/>
               </a:spcBef>
@@ -449,7 +462,7 @@
               <a:buChar char="○"/>
               <a:defRPr sz="1100"/>
             </a:lvl8pPr>
-            <a:lvl9pPr indent="-298450" lvl="8" marL="4114800">
+            <a:lvl9pPr marL="4114800" lvl="8" indent="-298450">
               <a:spcBef>
                 <a:spcPts val="0"/>
               </a:spcBef>
@@ -461,14 +474,16 @@
               <a:defRPr sz="1100"/>
             </a:lvl9pPr>
           </a:lstStyle>
-          <a:p/>
+          <a:p>
+            <a:endParaRPr/>
+          </a:p>
         </p:txBody>
       </p:sp>
     </p:spTree>
   </p:cSld>
-  <p:clrMap accent1="accent1" accent2="accent2" accent3="accent3" accent4="accent4" accent5="accent5" accent6="accent6" bg1="lt1" bg2="dk2" tx1="dk1" tx2="lt2" folHlink="folHlink" hlink="hlink"/>
+  <p:clrMap bg1="lt1" tx1="dk1" bg2="dk2" tx2="lt2" accent1="accent1" accent2="accent2" accent3="accent3" accent4="accent4" accent5="accent5" accent6="accent6" hlink="hlink" folHlink="folHlink"/>
   <p:notesStyle>
-    <a:defPPr lvl="0" marR="0" rtl="0" algn="l">
+    <a:defPPr marR="0" lvl="0" algn="l" rtl="0">
       <a:lnSpc>
         <a:spcPct val="100000"/>
       </a:lnSpc>
@@ -479,7 +494,7 @@
         <a:spcPts val="0"/>
       </a:spcAft>
     </a:defPPr>
-    <a:lvl1pPr lvl="0" marR="0" rtl="0" algn="l">
+    <a:lvl1pPr marR="0" lvl="0" algn="l" rtl="0">
       <a:lnSpc>
         <a:spcPct val="100000"/>
       </a:lnSpc>
@@ -493,7 +508,7 @@
         <a:srgbClr val="000000"/>
       </a:buClr>
       <a:buFont typeface="Arial"/>
-      <a:defRPr b="0" i="0" sz="1400" u="none" cap="none" strike="noStrike">
+      <a:defRPr sz="1400" b="0" i="0" u="none" strike="noStrike" cap="none">
         <a:solidFill>
           <a:srgbClr val="000000"/>
         </a:solidFill>
@@ -503,7 +518,7 @@
         <a:sym typeface="Arial"/>
       </a:defRPr>
     </a:lvl1pPr>
-    <a:lvl2pPr lvl="1" marR="0" rtl="0" algn="l">
+    <a:lvl2pPr marR="0" lvl="1" algn="l" rtl="0">
       <a:lnSpc>
         <a:spcPct val="100000"/>
       </a:lnSpc>
@@ -517,7 +532,7 @@
         <a:srgbClr val="000000"/>
       </a:buClr>
       <a:buFont typeface="Arial"/>
-      <a:defRPr b="0" i="0" sz="1400" u="none" cap="none" strike="noStrike">
+      <a:defRPr sz="1400" b="0" i="0" u="none" strike="noStrike" cap="none">
         <a:solidFill>
           <a:srgbClr val="000000"/>
         </a:solidFill>
@@ -527,7 +542,7 @@
         <a:sym typeface="Arial"/>
       </a:defRPr>
     </a:lvl2pPr>
-    <a:lvl3pPr lvl="2" marR="0" rtl="0" algn="l">
+    <a:lvl3pPr marR="0" lvl="2" algn="l" rtl="0">
       <a:lnSpc>
         <a:spcPct val="100000"/>
       </a:lnSpc>
@@ -541,7 +556,7 @@
         <a:srgbClr val="000000"/>
       </a:buClr>
       <a:buFont typeface="Arial"/>
-      <a:defRPr b="0" i="0" sz="1400" u="none" cap="none" strike="noStrike">
+      <a:defRPr sz="1400" b="0" i="0" u="none" strike="noStrike" cap="none">
         <a:solidFill>
           <a:srgbClr val="000000"/>
         </a:solidFill>
@@ -551,7 +566,7 @@
         <a:sym typeface="Arial"/>
       </a:defRPr>
     </a:lvl3pPr>
-    <a:lvl4pPr lvl="3" marR="0" rtl="0" algn="l">
+    <a:lvl4pPr marR="0" lvl="3" algn="l" rtl="0">
       <a:lnSpc>
         <a:spcPct val="100000"/>
       </a:lnSpc>
@@ -565,7 +580,7 @@
         <a:srgbClr val="000000"/>
       </a:buClr>
       <a:buFont typeface="Arial"/>
-      <a:defRPr b="0" i="0" sz="1400" u="none" cap="none" strike="noStrike">
+      <a:defRPr sz="1400" b="0" i="0" u="none" strike="noStrike" cap="none">
         <a:solidFill>
           <a:srgbClr val="000000"/>
         </a:solidFill>
@@ -575,7 +590,7 @@
         <a:sym typeface="Arial"/>
       </a:defRPr>
     </a:lvl4pPr>
-    <a:lvl5pPr lvl="4" marR="0" rtl="0" algn="l">
+    <a:lvl5pPr marR="0" lvl="4" algn="l" rtl="0">
       <a:lnSpc>
         <a:spcPct val="100000"/>
       </a:lnSpc>
@@ -589,7 +604,7 @@
         <a:srgbClr val="000000"/>
       </a:buClr>
       <a:buFont typeface="Arial"/>
-      <a:defRPr b="0" i="0" sz="1400" u="none" cap="none" strike="noStrike">
+      <a:defRPr sz="1400" b="0" i="0" u="none" strike="noStrike" cap="none">
         <a:solidFill>
           <a:srgbClr val="000000"/>
         </a:solidFill>
@@ -599,7 +614,7 @@
         <a:sym typeface="Arial"/>
       </a:defRPr>
     </a:lvl5pPr>
-    <a:lvl6pPr lvl="5" marR="0" rtl="0" algn="l">
+    <a:lvl6pPr marR="0" lvl="5" algn="l" rtl="0">
       <a:lnSpc>
         <a:spcPct val="100000"/>
       </a:lnSpc>
@@ -613,7 +628,7 @@
         <a:srgbClr val="000000"/>
       </a:buClr>
       <a:buFont typeface="Arial"/>
-      <a:defRPr b="0" i="0" sz="1400" u="none" cap="none" strike="noStrike">
+      <a:defRPr sz="1400" b="0" i="0" u="none" strike="noStrike" cap="none">
         <a:solidFill>
           <a:srgbClr val="000000"/>
         </a:solidFill>
@@ -623,7 +638,7 @@
         <a:sym typeface="Arial"/>
       </a:defRPr>
     </a:lvl6pPr>
-    <a:lvl7pPr lvl="6" marR="0" rtl="0" algn="l">
+    <a:lvl7pPr marR="0" lvl="6" algn="l" rtl="0">
       <a:lnSpc>
         <a:spcPct val="100000"/>
       </a:lnSpc>
@@ -637,7 +652,7 @@
         <a:srgbClr val="000000"/>
       </a:buClr>
       <a:buFont typeface="Arial"/>
-      <a:defRPr b="0" i="0" sz="1400" u="none" cap="none" strike="noStrike">
+      <a:defRPr sz="1400" b="0" i="0" u="none" strike="noStrike" cap="none">
         <a:solidFill>
           <a:srgbClr val="000000"/>
         </a:solidFill>
@@ -647,7 +662,7 @@
         <a:sym typeface="Arial"/>
       </a:defRPr>
     </a:lvl7pPr>
-    <a:lvl8pPr lvl="7" marR="0" rtl="0" algn="l">
+    <a:lvl8pPr marR="0" lvl="7" algn="l" rtl="0">
       <a:lnSpc>
         <a:spcPct val="100000"/>
       </a:lnSpc>
@@ -661,7 +676,7 @@
         <a:srgbClr val="000000"/>
       </a:buClr>
       <a:buFont typeface="Arial"/>
-      <a:defRPr b="0" i="0" sz="1400" u="none" cap="none" strike="noStrike">
+      <a:defRPr sz="1400" b="0" i="0" u="none" strike="noStrike" cap="none">
         <a:solidFill>
           <a:srgbClr val="000000"/>
         </a:solidFill>
@@ -671,7 +686,7 @@
         <a:sym typeface="Arial"/>
       </a:defRPr>
     </a:lvl8pPr>
-    <a:lvl9pPr lvl="8" marR="0" rtl="0" algn="l">
+    <a:lvl9pPr marR="0" lvl="8" algn="l" rtl="0">
       <a:lnSpc>
         <a:spcPct val="100000"/>
       </a:lnSpc>
@@ -685,7 +700,7 @@
         <a:srgbClr val="000000"/>
       </a:buClr>
       <a:buFont typeface="Arial"/>
-      <a:defRPr b="0" i="0" sz="1400" u="none" cap="none" strike="noStrike">
+      <a:defRPr sz="1400" b="0" i="0" u="none" strike="noStrike" cap="none">
         <a:solidFill>
           <a:srgbClr val="000000"/>
         </a:solidFill>
@@ -700,11 +715,11 @@
 </file>
 
 <file path=ppt/notesSlides/notesSlide1.xml><?xml version="1.0" encoding="utf-8"?>
-<p:notes xmlns:a="http://schemas.openxmlformats.org/drawingml/2006/main" xmlns:r="http://schemas.openxmlformats.org/officeDocument/2006/relationships" xmlns:mc="http://schemas.openxmlformats.org/markup-compatibility/2006" xmlns:mv="urn:schemas-microsoft-com:mac:vml" xmlns:p="http://schemas.openxmlformats.org/presentationml/2006/main" xmlns:c="http://schemas.openxmlformats.org/drawingml/2006/chart" xmlns:dgm="http://schemas.openxmlformats.org/drawingml/2006/diagram" xmlns:o="urn:schemas-microsoft-com:office:office" xmlns:v="urn:schemas-microsoft-com:vml" xmlns:pvml="urn:schemas-microsoft-com:office:powerpoint" xmlns:com="http://schemas.openxmlformats.org/drawingml/2006/compatibility" xmlns:p14="http://schemas.microsoft.com/office/powerpoint/2010/main" xmlns:p15="http://schemas.microsoft.com/office/powerpoint/2012/main" showMasterPhAnim="0" showMasterSp="0">
+<p:notes xmlns:a="http://schemas.openxmlformats.org/drawingml/2006/main" xmlns:r="http://schemas.openxmlformats.org/officeDocument/2006/relationships" xmlns:p="http://schemas.openxmlformats.org/presentationml/2006/main" showMasterSp="0" showMasterPhAnim="0">
   <p:cSld>
     <p:spTree>
       <p:nvGrpSpPr>
-        <p:cNvPr id="124" name="Shape 124"/>
+        <p:cNvPr id="1" name="Shape 124"/>
         <p:cNvGrpSpPr/>
         <p:nvPr/>
       </p:nvGrpSpPr>
@@ -719,9 +734,11 @@
       <p:sp>
         <p:nvSpPr>
           <p:cNvPr id="125" name="Google Shape;125;p:notes"/>
-          <p:cNvSpPr/>
+          <p:cNvSpPr>
+            <a:spLocks noGrp="1" noRot="1" noChangeAspect="1"/>
+          </p:cNvSpPr>
           <p:nvPr>
-            <p:ph idx="2" type="sldImg"/>
+            <p:ph type="sldImg" idx="2"/>
           </p:nvPr>
         </p:nvSpPr>
         <p:spPr>
@@ -730,9 +747,13 @@
             <a:ext cx="6096075" cy="3429000"/>
           </a:xfrm>
           <a:custGeom>
-            <a:rect b="b" l="l" r="r" t="t"/>
+            <a:avLst/>
+            <a:gdLst/>
+            <a:ahLst/>
+            <a:cxnLst/>
+            <a:rect l="l" t="t" r="r" b="b"/>
             <a:pathLst>
-              <a:path extrusionOk="0" h="120000" w="120000">
+              <a:path w="120000" h="120000" extrusionOk="0">
                 <a:moveTo>
                   <a:pt x="0" y="0"/>
                 </a:moveTo>
@@ -754,9 +775,11 @@
       <p:sp>
         <p:nvSpPr>
           <p:cNvPr id="126" name="Google Shape;126;p:notes"/>
-          <p:cNvSpPr txBox="1"/>
+          <p:cNvSpPr txBox="1">
+            <a:spLocks noGrp="1"/>
+          </p:cNvSpPr>
           <p:nvPr>
-            <p:ph idx="1" type="body"/>
+            <p:ph type="body" idx="1"/>
           </p:nvPr>
         </p:nvSpPr>
         <p:spPr>
@@ -769,12 +792,12 @@
           </a:prstGeom>
         </p:spPr>
         <p:txBody>
-          <a:bodyPr anchorCtr="0" anchor="t" bIns="91425" lIns="91425" spcFirstLastPara="1" rIns="91425" wrap="square" tIns="91425">
+          <a:bodyPr spcFirstLastPara="1" wrap="square" lIns="91425" tIns="91425" rIns="91425" bIns="91425" anchor="t" anchorCtr="0">
             <a:noAutofit/>
           </a:bodyPr>
           <a:lstStyle/>
           <a:p>
-            <a:pPr indent="0" lvl="0" marL="0" rtl="0" algn="l">
+            <a:pPr marL="0" lvl="0" indent="0" algn="l" rtl="0">
               <a:spcBef>
                 <a:spcPts val="0"/>
               </a:spcBef>
@@ -783,9 +806,6 @@
               </a:spcAft>
               <a:buNone/>
             </a:pPr>
-            <a:r>
-              <a:t/>
-            </a:r>
             <a:endParaRPr/>
           </a:p>
         </p:txBody>
@@ -799,11 +819,11 @@
 </file>
 
 <file path=ppt/notesSlides/notesSlide2.xml><?xml version="1.0" encoding="utf-8"?>
-<p:notes xmlns:a="http://schemas.openxmlformats.org/drawingml/2006/main" xmlns:r="http://schemas.openxmlformats.org/officeDocument/2006/relationships" xmlns:mc="http://schemas.openxmlformats.org/markup-compatibility/2006" xmlns:mv="urn:schemas-microsoft-com:mac:vml" xmlns:p="http://schemas.openxmlformats.org/presentationml/2006/main" xmlns:c="http://schemas.openxmlformats.org/drawingml/2006/chart" xmlns:dgm="http://schemas.openxmlformats.org/drawingml/2006/diagram" xmlns:o="urn:schemas-microsoft-com:office:office" xmlns:v="urn:schemas-microsoft-com:vml" xmlns:pvml="urn:schemas-microsoft-com:office:powerpoint" xmlns:com="http://schemas.openxmlformats.org/drawingml/2006/compatibility" xmlns:p14="http://schemas.microsoft.com/office/powerpoint/2010/main" xmlns:p15="http://schemas.microsoft.com/office/powerpoint/2012/main" showMasterPhAnim="0" showMasterSp="0">
+<p:notes xmlns:a="http://schemas.openxmlformats.org/drawingml/2006/main" xmlns:r="http://schemas.openxmlformats.org/officeDocument/2006/relationships" xmlns:p="http://schemas.openxmlformats.org/presentationml/2006/main" showMasterSp="0" showMasterPhAnim="0">
   <p:cSld>
     <p:spTree>
       <p:nvGrpSpPr>
-        <p:cNvPr id="130" name="Shape 130"/>
+        <p:cNvPr id="1" name="Shape 130"/>
         <p:cNvGrpSpPr/>
         <p:nvPr/>
       </p:nvGrpSpPr>
@@ -818,20 +838,26 @@
       <p:sp>
         <p:nvSpPr>
           <p:cNvPr id="131" name="Google Shape;131;g467279e97c_0_119:notes"/>
-          <p:cNvSpPr/>
+          <p:cNvSpPr>
+            <a:spLocks noGrp="1" noRot="1" noChangeAspect="1"/>
+          </p:cNvSpPr>
           <p:nvPr>
-            <p:ph idx="2" type="sldImg"/>
+            <p:ph type="sldImg" idx="2"/>
           </p:nvPr>
         </p:nvSpPr>
         <p:spPr>
           <a:xfrm>
-            <a:off x="381300" y="685800"/>
+            <a:off x="381000" y="685800"/>
             <a:ext cx="6096000" cy="3429000"/>
           </a:xfrm>
           <a:custGeom>
-            <a:rect b="b" l="l" r="r" t="t"/>
+            <a:avLst/>
+            <a:gdLst/>
+            <a:ahLst/>
+            <a:cxnLst/>
+            <a:rect l="l" t="t" r="r" b="b"/>
             <a:pathLst>
-              <a:path extrusionOk="0" h="120000" w="120000">
+              <a:path w="120000" h="120000" extrusionOk="0">
                 <a:moveTo>
                   <a:pt x="0" y="0"/>
                 </a:moveTo>
@@ -853,9 +879,11 @@
       <p:sp>
         <p:nvSpPr>
           <p:cNvPr id="132" name="Google Shape;132;g467279e97c_0_119:notes"/>
-          <p:cNvSpPr txBox="1"/>
+          <p:cNvSpPr txBox="1">
+            <a:spLocks noGrp="1"/>
+          </p:cNvSpPr>
           <p:nvPr>
-            <p:ph idx="1" type="body"/>
+            <p:ph type="body" idx="1"/>
           </p:nvPr>
         </p:nvSpPr>
         <p:spPr>
@@ -868,12 +896,12 @@
           </a:prstGeom>
         </p:spPr>
         <p:txBody>
-          <a:bodyPr anchorCtr="0" anchor="t" bIns="91425" lIns="91425" spcFirstLastPara="1" rIns="91425" wrap="square" tIns="91425">
+          <a:bodyPr spcFirstLastPara="1" wrap="square" lIns="91425" tIns="91425" rIns="91425" bIns="91425" anchor="t" anchorCtr="0">
             <a:noAutofit/>
           </a:bodyPr>
           <a:lstStyle/>
           <a:p>
-            <a:pPr indent="0" lvl="0" marL="0" rtl="0" algn="l">
+            <a:pPr marL="0" lvl="0" indent="0" algn="l" rtl="0">
               <a:spcBef>
                 <a:spcPts val="0"/>
               </a:spcBef>
@@ -882,9 +910,6 @@
               </a:spcAft>
               <a:buNone/>
             </a:pPr>
-            <a:r>
-              <a:t/>
-            </a:r>
             <a:endParaRPr/>
           </a:p>
         </p:txBody>
@@ -898,11 +923,11 @@
 </file>
 
 <file path=ppt/notesSlides/notesSlide3.xml><?xml version="1.0" encoding="utf-8"?>
-<p:notes xmlns:a="http://schemas.openxmlformats.org/drawingml/2006/main" xmlns:r="http://schemas.openxmlformats.org/officeDocument/2006/relationships" xmlns:mc="http://schemas.openxmlformats.org/markup-compatibility/2006" xmlns:mv="urn:schemas-microsoft-com:mac:vml" xmlns:p="http://schemas.openxmlformats.org/presentationml/2006/main" xmlns:c="http://schemas.openxmlformats.org/drawingml/2006/chart" xmlns:dgm="http://schemas.openxmlformats.org/drawingml/2006/diagram" xmlns:o="urn:schemas-microsoft-com:office:office" xmlns:v="urn:schemas-microsoft-com:vml" xmlns:pvml="urn:schemas-microsoft-com:office:powerpoint" xmlns:com="http://schemas.openxmlformats.org/drawingml/2006/compatibility" xmlns:p14="http://schemas.microsoft.com/office/powerpoint/2010/main" xmlns:p15="http://schemas.microsoft.com/office/powerpoint/2012/main" showMasterPhAnim="0" showMasterSp="0">
+<p:notes xmlns:a="http://schemas.openxmlformats.org/drawingml/2006/main" xmlns:r="http://schemas.openxmlformats.org/officeDocument/2006/relationships" xmlns:p="http://schemas.openxmlformats.org/presentationml/2006/main" showMasterSp="0" showMasterPhAnim="0">
   <p:cSld>
     <p:spTree>
       <p:nvGrpSpPr>
-        <p:cNvPr id="136" name="Shape 136"/>
+        <p:cNvPr id="1" name="Shape 136"/>
         <p:cNvGrpSpPr/>
         <p:nvPr/>
       </p:nvGrpSpPr>
@@ -917,9 +942,11 @@
       <p:sp>
         <p:nvSpPr>
           <p:cNvPr id="137" name="Google Shape;137;g467279e97c_0_139:notes"/>
-          <p:cNvSpPr/>
+          <p:cNvSpPr>
+            <a:spLocks noGrp="1" noRot="1" noChangeAspect="1"/>
+          </p:cNvSpPr>
           <p:nvPr>
-            <p:ph idx="2" type="sldImg"/>
+            <p:ph type="sldImg" idx="2"/>
           </p:nvPr>
         </p:nvSpPr>
         <p:spPr>
@@ -928,9 +955,13 @@
             <a:ext cx="6096000" cy="3429000"/>
           </a:xfrm>
           <a:custGeom>
-            <a:rect b="b" l="l" r="r" t="t"/>
+            <a:avLst/>
+            <a:gdLst/>
+            <a:ahLst/>
+            <a:cxnLst/>
+            <a:rect l="l" t="t" r="r" b="b"/>
             <a:pathLst>
-              <a:path extrusionOk="0" h="120000" w="120000">
+              <a:path w="120000" h="120000" extrusionOk="0">
                 <a:moveTo>
                   <a:pt x="0" y="0"/>
                 </a:moveTo>
@@ -952,9 +983,11 @@
       <p:sp>
         <p:nvSpPr>
           <p:cNvPr id="138" name="Google Shape;138;g467279e97c_0_139:notes"/>
-          <p:cNvSpPr txBox="1"/>
+          <p:cNvSpPr txBox="1">
+            <a:spLocks noGrp="1"/>
+          </p:cNvSpPr>
           <p:nvPr>
-            <p:ph idx="1" type="body"/>
+            <p:ph type="body" idx="1"/>
           </p:nvPr>
         </p:nvSpPr>
         <p:spPr>
@@ -967,12 +1000,12 @@
           </a:prstGeom>
         </p:spPr>
         <p:txBody>
-          <a:bodyPr anchorCtr="0" anchor="t" bIns="91425" lIns="91425" spcFirstLastPara="1" rIns="91425" wrap="square" tIns="91425">
+          <a:bodyPr spcFirstLastPara="1" wrap="square" lIns="91425" tIns="91425" rIns="91425" bIns="91425" anchor="t" anchorCtr="0">
             <a:noAutofit/>
           </a:bodyPr>
           <a:lstStyle/>
           <a:p>
-            <a:pPr indent="0" lvl="0" marL="0" rtl="0" algn="l">
+            <a:pPr marL="0" lvl="0" indent="0" algn="l" rtl="0">
               <a:spcBef>
                 <a:spcPts val="0"/>
               </a:spcBef>
@@ -981,9 +1014,6 @@
               </a:spcAft>
               <a:buNone/>
             </a:pPr>
-            <a:r>
-              <a:t/>
-            </a:r>
             <a:endParaRPr/>
           </a:p>
         </p:txBody>
@@ -997,11 +1027,11 @@
 </file>
 
 <file path=ppt/notesSlides/notesSlide4.xml><?xml version="1.0" encoding="utf-8"?>
-<p:notes xmlns:a="http://schemas.openxmlformats.org/drawingml/2006/main" xmlns:r="http://schemas.openxmlformats.org/officeDocument/2006/relationships" xmlns:mc="http://schemas.openxmlformats.org/markup-compatibility/2006" xmlns:mv="urn:schemas-microsoft-com:mac:vml" xmlns:p="http://schemas.openxmlformats.org/presentationml/2006/main" xmlns:c="http://schemas.openxmlformats.org/drawingml/2006/chart" xmlns:dgm="http://schemas.openxmlformats.org/drawingml/2006/diagram" xmlns:o="urn:schemas-microsoft-com:office:office" xmlns:v="urn:schemas-microsoft-com:vml" xmlns:pvml="urn:schemas-microsoft-com:office:powerpoint" xmlns:com="http://schemas.openxmlformats.org/drawingml/2006/compatibility" xmlns:p14="http://schemas.microsoft.com/office/powerpoint/2010/main" xmlns:p15="http://schemas.microsoft.com/office/powerpoint/2012/main" showMasterPhAnim="0" showMasterSp="0">
+<p:notes xmlns:a="http://schemas.openxmlformats.org/drawingml/2006/main" xmlns:r="http://schemas.openxmlformats.org/officeDocument/2006/relationships" xmlns:p="http://schemas.openxmlformats.org/presentationml/2006/main" showMasterSp="0" showMasterPhAnim="0">
   <p:cSld>
     <p:spTree>
       <p:nvGrpSpPr>
-        <p:cNvPr id="143" name="Shape 143"/>
+        <p:cNvPr id="1" name="Shape 143"/>
         <p:cNvGrpSpPr/>
         <p:nvPr/>
       </p:nvGrpSpPr>
@@ -1016,9 +1046,11 @@
       <p:sp>
         <p:nvSpPr>
           <p:cNvPr id="144" name="Google Shape;144;g467279e97c_0_147:notes"/>
-          <p:cNvSpPr/>
+          <p:cNvSpPr>
+            <a:spLocks noGrp="1" noRot="1" noChangeAspect="1"/>
+          </p:cNvSpPr>
           <p:nvPr>
-            <p:ph idx="2" type="sldImg"/>
+            <p:ph type="sldImg" idx="2"/>
           </p:nvPr>
         </p:nvSpPr>
         <p:spPr>
@@ -1027,9 +1059,13 @@
             <a:ext cx="6096000" cy="3429000"/>
           </a:xfrm>
           <a:custGeom>
-            <a:rect b="b" l="l" r="r" t="t"/>
+            <a:avLst/>
+            <a:gdLst/>
+            <a:ahLst/>
+            <a:cxnLst/>
+            <a:rect l="l" t="t" r="r" b="b"/>
             <a:pathLst>
-              <a:path extrusionOk="0" h="120000" w="120000">
+              <a:path w="120000" h="120000" extrusionOk="0">
                 <a:moveTo>
                   <a:pt x="0" y="0"/>
                 </a:moveTo>
@@ -1051,9 +1087,11 @@
       <p:sp>
         <p:nvSpPr>
           <p:cNvPr id="145" name="Google Shape;145;g467279e97c_0_147:notes"/>
-          <p:cNvSpPr txBox="1"/>
+          <p:cNvSpPr txBox="1">
+            <a:spLocks noGrp="1"/>
+          </p:cNvSpPr>
           <p:nvPr>
-            <p:ph idx="1" type="body"/>
+            <p:ph type="body" idx="1"/>
           </p:nvPr>
         </p:nvSpPr>
         <p:spPr>
@@ -1066,12 +1104,12 @@
           </a:prstGeom>
         </p:spPr>
         <p:txBody>
-          <a:bodyPr anchorCtr="0" anchor="t" bIns="91425" lIns="91425" spcFirstLastPara="1" rIns="91425" wrap="square" tIns="91425">
+          <a:bodyPr spcFirstLastPara="1" wrap="square" lIns="91425" tIns="91425" rIns="91425" bIns="91425" anchor="t" anchorCtr="0">
             <a:noAutofit/>
           </a:bodyPr>
           <a:lstStyle/>
           <a:p>
-            <a:pPr indent="0" lvl="0" marL="0" rtl="0" algn="l">
+            <a:pPr marL="0" lvl="0" indent="0" algn="l" rtl="0">
               <a:spcBef>
                 <a:spcPts val="0"/>
               </a:spcBef>
@@ -1080,9 +1118,6 @@
               </a:spcAft>
               <a:buNone/>
             </a:pPr>
-            <a:r>
-              <a:t/>
-            </a:r>
             <a:endParaRPr/>
           </a:p>
         </p:txBody>
@@ -1096,11 +1131,11 @@
 </file>
 
 <file path=ppt/notesSlides/notesSlide5.xml><?xml version="1.0" encoding="utf-8"?>
-<p:notes xmlns:a="http://schemas.openxmlformats.org/drawingml/2006/main" xmlns:r="http://schemas.openxmlformats.org/officeDocument/2006/relationships" xmlns:mc="http://schemas.openxmlformats.org/markup-compatibility/2006" xmlns:mv="urn:schemas-microsoft-com:mac:vml" xmlns:p="http://schemas.openxmlformats.org/presentationml/2006/main" xmlns:c="http://schemas.openxmlformats.org/drawingml/2006/chart" xmlns:dgm="http://schemas.openxmlformats.org/drawingml/2006/diagram" xmlns:o="urn:schemas-microsoft-com:office:office" xmlns:v="urn:schemas-microsoft-com:vml" xmlns:pvml="urn:schemas-microsoft-com:office:powerpoint" xmlns:com="http://schemas.openxmlformats.org/drawingml/2006/compatibility" xmlns:p14="http://schemas.microsoft.com/office/powerpoint/2010/main" xmlns:p15="http://schemas.microsoft.com/office/powerpoint/2012/main" showMasterPhAnim="0" showMasterSp="0">
+<p:notes xmlns:a="http://schemas.openxmlformats.org/drawingml/2006/main" xmlns:r="http://schemas.openxmlformats.org/officeDocument/2006/relationships" xmlns:p="http://schemas.openxmlformats.org/presentationml/2006/main" showMasterSp="0" showMasterPhAnim="0">
   <p:cSld>
     <p:spTree>
       <p:nvGrpSpPr>
-        <p:cNvPr id="149" name="Shape 149"/>
+        <p:cNvPr id="1" name="Shape 149"/>
         <p:cNvGrpSpPr/>
         <p:nvPr/>
       </p:nvGrpSpPr>
@@ -1115,9 +1150,11 @@
       <p:sp>
         <p:nvSpPr>
           <p:cNvPr id="150" name="Google Shape;150;g467279e97c_0_153:notes"/>
-          <p:cNvSpPr/>
+          <p:cNvSpPr>
+            <a:spLocks noGrp="1" noRot="1" noChangeAspect="1"/>
+          </p:cNvSpPr>
           <p:nvPr>
-            <p:ph idx="2" type="sldImg"/>
+            <p:ph type="sldImg" idx="2"/>
           </p:nvPr>
         </p:nvSpPr>
         <p:spPr>
@@ -1126,9 +1163,13 @@
             <a:ext cx="6096000" cy="3429000"/>
           </a:xfrm>
           <a:custGeom>
-            <a:rect b="b" l="l" r="r" t="t"/>
+            <a:avLst/>
+            <a:gdLst/>
+            <a:ahLst/>
+            <a:cxnLst/>
+            <a:rect l="l" t="t" r="r" b="b"/>
             <a:pathLst>
-              <a:path extrusionOk="0" h="120000" w="120000">
+              <a:path w="120000" h="120000" extrusionOk="0">
                 <a:moveTo>
                   <a:pt x="0" y="0"/>
                 </a:moveTo>
@@ -1150,9 +1191,11 @@
       <p:sp>
         <p:nvSpPr>
           <p:cNvPr id="151" name="Google Shape;151;g467279e97c_0_153:notes"/>
-          <p:cNvSpPr txBox="1"/>
+          <p:cNvSpPr txBox="1">
+            <a:spLocks noGrp="1"/>
+          </p:cNvSpPr>
           <p:nvPr>
-            <p:ph idx="1" type="body"/>
+            <p:ph type="body" idx="1"/>
           </p:nvPr>
         </p:nvSpPr>
         <p:spPr>
@@ -1165,12 +1208,12 @@
           </a:prstGeom>
         </p:spPr>
         <p:txBody>
-          <a:bodyPr anchorCtr="0" anchor="t" bIns="91425" lIns="91425" spcFirstLastPara="1" rIns="91425" wrap="square" tIns="91425">
+          <a:bodyPr spcFirstLastPara="1" wrap="square" lIns="91425" tIns="91425" rIns="91425" bIns="91425" anchor="t" anchorCtr="0">
             <a:noAutofit/>
           </a:bodyPr>
           <a:lstStyle/>
           <a:p>
-            <a:pPr indent="0" lvl="0" marL="0" rtl="0" algn="l">
+            <a:pPr marL="0" lvl="0" indent="0" algn="l" rtl="0">
               <a:spcBef>
                 <a:spcPts val="0"/>
               </a:spcBef>
@@ -1179,9 +1222,6 @@
               </a:spcAft>
               <a:buNone/>
             </a:pPr>
-            <a:r>
-              <a:t/>
-            </a:r>
             <a:endParaRPr/>
           </a:p>
         </p:txBody>
@@ -1195,11 +1235,11 @@
 </file>
 
 <file path=ppt/notesSlides/notesSlide6.xml><?xml version="1.0" encoding="utf-8"?>
-<p:notes xmlns:a="http://schemas.openxmlformats.org/drawingml/2006/main" xmlns:r="http://schemas.openxmlformats.org/officeDocument/2006/relationships" xmlns:mc="http://schemas.openxmlformats.org/markup-compatibility/2006" xmlns:mv="urn:schemas-microsoft-com:mac:vml" xmlns:p="http://schemas.openxmlformats.org/presentationml/2006/main" xmlns:c="http://schemas.openxmlformats.org/drawingml/2006/chart" xmlns:dgm="http://schemas.openxmlformats.org/drawingml/2006/diagram" xmlns:o="urn:schemas-microsoft-com:office:office" xmlns:v="urn:schemas-microsoft-com:vml" xmlns:pvml="urn:schemas-microsoft-com:office:powerpoint" xmlns:com="http://schemas.openxmlformats.org/drawingml/2006/compatibility" xmlns:p14="http://schemas.microsoft.com/office/powerpoint/2010/main" xmlns:p15="http://schemas.microsoft.com/office/powerpoint/2012/main" showMasterPhAnim="0" showMasterSp="0">
+<p:notes xmlns:a="http://schemas.openxmlformats.org/drawingml/2006/main" xmlns:r="http://schemas.openxmlformats.org/officeDocument/2006/relationships" xmlns:p="http://schemas.openxmlformats.org/presentationml/2006/main" showMasterSp="0" showMasterPhAnim="0">
   <p:cSld>
     <p:spTree>
       <p:nvGrpSpPr>
-        <p:cNvPr id="156" name="Shape 156"/>
+        <p:cNvPr id="1" name="Shape 156"/>
         <p:cNvGrpSpPr/>
         <p:nvPr/>
       </p:nvGrpSpPr>
@@ -1214,9 +1254,11 @@
       <p:sp>
         <p:nvSpPr>
           <p:cNvPr id="157" name="Google Shape;157;g467279e97c_0_124:notes"/>
-          <p:cNvSpPr/>
+          <p:cNvSpPr>
+            <a:spLocks noGrp="1" noRot="1" noChangeAspect="1"/>
+          </p:cNvSpPr>
           <p:nvPr>
-            <p:ph idx="2" type="sldImg"/>
+            <p:ph type="sldImg" idx="2"/>
           </p:nvPr>
         </p:nvSpPr>
         <p:spPr>
@@ -1225,9 +1267,13 @@
             <a:ext cx="6096000" cy="3429000"/>
           </a:xfrm>
           <a:custGeom>
-            <a:rect b="b" l="l" r="r" t="t"/>
+            <a:avLst/>
+            <a:gdLst/>
+            <a:ahLst/>
+            <a:cxnLst/>
+            <a:rect l="l" t="t" r="r" b="b"/>
             <a:pathLst>
-              <a:path extrusionOk="0" h="120000" w="120000">
+              <a:path w="120000" h="120000" extrusionOk="0">
                 <a:moveTo>
                   <a:pt x="0" y="0"/>
                 </a:moveTo>
@@ -1249,9 +1295,11 @@
       <p:sp>
         <p:nvSpPr>
           <p:cNvPr id="158" name="Google Shape;158;g467279e97c_0_124:notes"/>
-          <p:cNvSpPr txBox="1"/>
+          <p:cNvSpPr txBox="1">
+            <a:spLocks noGrp="1"/>
+          </p:cNvSpPr>
           <p:nvPr>
-            <p:ph idx="1" type="body"/>
+            <p:ph type="body" idx="1"/>
           </p:nvPr>
         </p:nvSpPr>
         <p:spPr>
@@ -1264,12 +1312,12 @@
           </a:prstGeom>
         </p:spPr>
         <p:txBody>
-          <a:bodyPr anchorCtr="0" anchor="t" bIns="91425" lIns="91425" spcFirstLastPara="1" rIns="91425" wrap="square" tIns="91425">
+          <a:bodyPr spcFirstLastPara="1" wrap="square" lIns="91425" tIns="91425" rIns="91425" bIns="91425" anchor="t" anchorCtr="0">
             <a:noAutofit/>
           </a:bodyPr>
           <a:lstStyle/>
           <a:p>
-            <a:pPr indent="0" lvl="0" marL="0" rtl="0" algn="l">
+            <a:pPr marL="0" lvl="0" indent="0" algn="l" rtl="0">
               <a:spcBef>
                 <a:spcPts val="0"/>
               </a:spcBef>
@@ -1278,9 +1326,6 @@
               </a:spcAft>
               <a:buNone/>
             </a:pPr>
-            <a:r>
-              <a:t/>
-            </a:r>
             <a:endParaRPr/>
           </a:p>
         </p:txBody>
@@ -1294,11 +1339,11 @@
 </file>
 
 <file path=ppt/notesSlides/notesSlide7.xml><?xml version="1.0" encoding="utf-8"?>
-<p:notes xmlns:a="http://schemas.openxmlformats.org/drawingml/2006/main" xmlns:r="http://schemas.openxmlformats.org/officeDocument/2006/relationships" xmlns:mc="http://schemas.openxmlformats.org/markup-compatibility/2006" xmlns:mv="urn:schemas-microsoft-com:mac:vml" xmlns:p="http://schemas.openxmlformats.org/presentationml/2006/main" xmlns:c="http://schemas.openxmlformats.org/drawingml/2006/chart" xmlns:dgm="http://schemas.openxmlformats.org/drawingml/2006/diagram" xmlns:o="urn:schemas-microsoft-com:office:office" xmlns:v="urn:schemas-microsoft-com:vml" xmlns:pvml="urn:schemas-microsoft-com:office:powerpoint" xmlns:com="http://schemas.openxmlformats.org/drawingml/2006/compatibility" xmlns:p14="http://schemas.microsoft.com/office/powerpoint/2010/main" xmlns:p15="http://schemas.microsoft.com/office/powerpoint/2012/main" showMasterPhAnim="0" showMasterSp="0">
+<p:notes xmlns:a="http://schemas.openxmlformats.org/drawingml/2006/main" xmlns:r="http://schemas.openxmlformats.org/officeDocument/2006/relationships" xmlns:p="http://schemas.openxmlformats.org/presentationml/2006/main" showMasterSp="0" showMasterPhAnim="0">
   <p:cSld>
     <p:spTree>
       <p:nvGrpSpPr>
-        <p:cNvPr id="162" name="Shape 162"/>
+        <p:cNvPr id="1" name="Shape 162"/>
         <p:cNvGrpSpPr/>
         <p:nvPr/>
       </p:nvGrpSpPr>
@@ -1313,9 +1358,11 @@
       <p:sp>
         <p:nvSpPr>
           <p:cNvPr id="163" name="Google Shape;163;g467279e97c_0_134:notes"/>
-          <p:cNvSpPr/>
+          <p:cNvSpPr>
+            <a:spLocks noGrp="1" noRot="1" noChangeAspect="1"/>
+          </p:cNvSpPr>
           <p:nvPr>
-            <p:ph idx="2" type="sldImg"/>
+            <p:ph type="sldImg" idx="2"/>
           </p:nvPr>
         </p:nvSpPr>
         <p:spPr>
@@ -1324,9 +1371,13 @@
             <a:ext cx="6096000" cy="3429000"/>
           </a:xfrm>
           <a:custGeom>
-            <a:rect b="b" l="l" r="r" t="t"/>
+            <a:avLst/>
+            <a:gdLst/>
+            <a:ahLst/>
+            <a:cxnLst/>
+            <a:rect l="l" t="t" r="r" b="b"/>
             <a:pathLst>
-              <a:path extrusionOk="0" h="120000" w="120000">
+              <a:path w="120000" h="120000" extrusionOk="0">
                 <a:moveTo>
                   <a:pt x="0" y="0"/>
                 </a:moveTo>
@@ -1348,9 +1399,11 @@
       <p:sp>
         <p:nvSpPr>
           <p:cNvPr id="164" name="Google Shape;164;g467279e97c_0_134:notes"/>
-          <p:cNvSpPr txBox="1"/>
+          <p:cNvSpPr txBox="1">
+            <a:spLocks noGrp="1"/>
+          </p:cNvSpPr>
           <p:nvPr>
-            <p:ph idx="1" type="body"/>
+            <p:ph type="body" idx="1"/>
           </p:nvPr>
         </p:nvSpPr>
         <p:spPr>
@@ -1363,12 +1416,12 @@
           </a:prstGeom>
         </p:spPr>
         <p:txBody>
-          <a:bodyPr anchorCtr="0" anchor="t" bIns="91425" lIns="91425" spcFirstLastPara="1" rIns="91425" wrap="square" tIns="91425">
+          <a:bodyPr spcFirstLastPara="1" wrap="square" lIns="91425" tIns="91425" rIns="91425" bIns="91425" anchor="t" anchorCtr="0">
             <a:noAutofit/>
           </a:bodyPr>
           <a:lstStyle/>
           <a:p>
-            <a:pPr indent="0" lvl="0" marL="0" rtl="0" algn="l">
+            <a:pPr marL="0" lvl="0" indent="0" algn="l" rtl="0">
               <a:spcBef>
                 <a:spcPts val="0"/>
               </a:spcBef>
@@ -1377,9 +1430,6 @@
               </a:spcAft>
               <a:buNone/>
             </a:pPr>
-            <a:r>
-              <a:t/>
-            </a:r>
             <a:endParaRPr/>
           </a:p>
         </p:txBody>
@@ -1393,18 +1443,19 @@
 </file>
 
 <file path=ppt/slideLayouts/slideLayout1.xml><?xml version="1.0" encoding="utf-8"?>
-<p:sldLayout xmlns:a="http://schemas.openxmlformats.org/drawingml/2006/main" xmlns:r="http://schemas.openxmlformats.org/officeDocument/2006/relationships" xmlns:mc="http://schemas.openxmlformats.org/markup-compatibility/2006" xmlns:mv="urn:schemas-microsoft-com:mac:vml" xmlns:p="http://schemas.openxmlformats.org/presentationml/2006/main" xmlns:c="http://schemas.openxmlformats.org/drawingml/2006/chart" xmlns:dgm="http://schemas.openxmlformats.org/drawingml/2006/diagram" xmlns:o="urn:schemas-microsoft-com:office:office" xmlns:v="urn:schemas-microsoft-com:vml" xmlns:pvml="urn:schemas-microsoft-com:office:powerpoint" xmlns:com="http://schemas.openxmlformats.org/drawingml/2006/compatibility" xmlns:p14="http://schemas.microsoft.com/office/powerpoint/2010/main" xmlns:p15="http://schemas.microsoft.com/office/powerpoint/2012/main" matchingName="Title slide" type="title">
+<p:sldLayout xmlns:a="http://schemas.openxmlformats.org/drawingml/2006/main" xmlns:r="http://schemas.openxmlformats.org/officeDocument/2006/relationships" xmlns:p="http://schemas.openxmlformats.org/presentationml/2006/main" matchingName="Title slide" type="title">
   <p:cSld name="TITLE">
     <p:bg>
       <p:bgPr>
         <a:solidFill>
           <a:schemeClr val="accent6"/>
         </a:solidFill>
+        <a:effectLst/>
       </p:bgPr>
     </p:bg>
     <p:spTree>
       <p:nvGrpSpPr>
-        <p:cNvPr id="9" name="Shape 9"/>
+        <p:cNvPr id="1" name="Shape 9"/>
         <p:cNvGrpSpPr/>
         <p:nvPr/>
       </p:nvGrpSpPr>
@@ -1438,12 +1489,12 @@
           </a:ln>
         </p:spPr>
         <p:txBody>
-          <a:bodyPr anchorCtr="0" anchor="ctr" bIns="91425" lIns="91425" spcFirstLastPara="1" rIns="91425" wrap="square" tIns="91425">
+          <a:bodyPr spcFirstLastPara="1" wrap="square" lIns="91425" tIns="91425" rIns="91425" bIns="91425" anchor="ctr" anchorCtr="0">
             <a:noAutofit/>
           </a:bodyPr>
           <a:lstStyle/>
           <a:p>
-            <a:pPr indent="0" lvl="0" marL="0" rtl="0" algn="l">
+            <a:pPr marL="0" lvl="0" indent="0" algn="l" rtl="0">
               <a:spcBef>
                 <a:spcPts val="0"/>
               </a:spcBef>
@@ -1452,9 +1503,6 @@
               </a:spcAft>
               <a:buNone/>
             </a:pPr>
-            <a:r>
-              <a:t/>
-            </a:r>
             <a:endParaRPr/>
           </a:p>
         </p:txBody>
@@ -1481,12 +1529,12 @@
           </a:ln>
         </p:spPr>
         <p:txBody>
-          <a:bodyPr anchorCtr="0" anchor="ctr" bIns="91425" lIns="91425" spcFirstLastPara="1" rIns="91425" wrap="square" tIns="91425">
+          <a:bodyPr spcFirstLastPara="1" wrap="square" lIns="91425" tIns="91425" rIns="91425" bIns="91425" anchor="ctr" anchorCtr="0">
             <a:noAutofit/>
           </a:bodyPr>
           <a:lstStyle/>
           <a:p>
-            <a:pPr indent="0" lvl="0" marL="0" rtl="0" algn="l">
+            <a:pPr marL="0" lvl="0" indent="0" algn="l" rtl="0">
               <a:spcBef>
                 <a:spcPts val="0"/>
               </a:spcBef>
@@ -1495,9 +1543,6 @@
               </a:spcAft>
               <a:buNone/>
             </a:pPr>
-            <a:r>
-              <a:t/>
-            </a:r>
             <a:endParaRPr/>
           </a:p>
         </p:txBody>
@@ -1524,12 +1569,12 @@
           </a:ln>
         </p:spPr>
         <p:txBody>
-          <a:bodyPr anchorCtr="0" anchor="ctr" bIns="91425" lIns="91425" spcFirstLastPara="1" rIns="91425" wrap="square" tIns="91425">
+          <a:bodyPr spcFirstLastPara="1" wrap="square" lIns="91425" tIns="91425" rIns="91425" bIns="91425" anchor="ctr" anchorCtr="0">
             <a:noAutofit/>
           </a:bodyPr>
           <a:lstStyle/>
           <a:p>
-            <a:pPr indent="0" lvl="0" marL="0" rtl="0" algn="l">
+            <a:pPr marL="0" lvl="0" indent="0" algn="l" rtl="0">
               <a:spcBef>
                 <a:spcPts val="0"/>
               </a:spcBef>
@@ -1538,9 +1583,6 @@
               </a:spcAft>
               <a:buNone/>
             </a:pPr>
-            <a:r>
-              <a:t/>
-            </a:r>
             <a:endParaRPr/>
           </a:p>
         </p:txBody>
@@ -1566,7 +1608,7 @@
             <a:noFill/>
           </a:ln>
           <a:effectLst>
-            <a:outerShdw blurRad="228600" sx="101000" rotWithShape="0" algn="ctr" sy="101000">
+            <a:outerShdw blurRad="228600" sx="101000" sy="101000" algn="ctr" rotWithShape="0">
               <a:srgbClr val="000000">
                 <a:alpha val="40000"/>
               </a:srgbClr>
@@ -1574,12 +1616,12 @@
           </a:effectLst>
         </p:spPr>
         <p:txBody>
-          <a:bodyPr anchorCtr="0" anchor="ctr" bIns="91425" lIns="91425" spcFirstLastPara="1" rIns="91425" wrap="square" tIns="91425">
+          <a:bodyPr spcFirstLastPara="1" wrap="square" lIns="91425" tIns="91425" rIns="91425" bIns="91425" anchor="ctr" anchorCtr="0">
             <a:noAutofit/>
           </a:bodyPr>
           <a:lstStyle/>
           <a:p>
-            <a:pPr indent="0" lvl="0" marL="0" rtl="0" algn="l">
+            <a:pPr marL="0" lvl="0" indent="0" algn="l" rtl="0">
               <a:spcBef>
                 <a:spcPts val="0"/>
               </a:spcBef>
@@ -1588,9 +1630,6 @@
               </a:spcAft>
               <a:buNone/>
             </a:pPr>
-            <a:r>
-              <a:t/>
-            </a:r>
             <a:endParaRPr/>
           </a:p>
         </p:txBody>
@@ -1622,7 +1661,7 @@
             </a:xfrm>
             <a:prstGeom prst="parallelogram">
               <a:avLst>
-                <a:gd fmla="val 153193" name="adj"/>
+                <a:gd name="adj" fmla="val 153193"/>
               </a:avLst>
             </a:prstGeom>
             <a:solidFill>
@@ -1633,12 +1672,12 @@
             </a:ln>
           </p:spPr>
           <p:txBody>
-            <a:bodyPr anchorCtr="0" anchor="ctr" bIns="91425" lIns="91425" spcFirstLastPara="1" rIns="91425" wrap="square" tIns="91425">
+            <a:bodyPr spcFirstLastPara="1" wrap="square" lIns="91425" tIns="91425" rIns="91425" bIns="91425" anchor="ctr" anchorCtr="0">
               <a:noAutofit/>
             </a:bodyPr>
             <a:lstStyle/>
             <a:p>
-              <a:pPr indent="0" lvl="0" marL="0" rtl="0" algn="l">
+              <a:pPr marL="0" lvl="0" indent="0" algn="l" rtl="0">
                 <a:spcBef>
                   <a:spcPts val="0"/>
                 </a:spcBef>
@@ -1647,9 +1686,6 @@
                 </a:spcAft>
                 <a:buNone/>
               </a:pPr>
-              <a:r>
-                <a:t/>
-              </a:r>
               <a:endParaRPr/>
             </a:p>
           </p:txBody>
@@ -1667,7 +1703,7 @@
             </a:xfrm>
             <a:prstGeom prst="parallelogram">
               <a:avLst>
-                <a:gd fmla="val 153193" name="adj"/>
+                <a:gd name="adj" fmla="val 153193"/>
               </a:avLst>
             </a:prstGeom>
             <a:solidFill>
@@ -1678,12 +1714,12 @@
             </a:ln>
           </p:spPr>
           <p:txBody>
-            <a:bodyPr anchorCtr="0" anchor="ctr" bIns="91425" lIns="91425" spcFirstLastPara="1" rIns="91425" wrap="square" tIns="91425">
+            <a:bodyPr spcFirstLastPara="1" wrap="square" lIns="91425" tIns="91425" rIns="91425" bIns="91425" anchor="ctr" anchorCtr="0">
               <a:noAutofit/>
             </a:bodyPr>
             <a:lstStyle/>
             <a:p>
-              <a:pPr indent="0" lvl="0" marL="0" rtl="0" algn="l">
+              <a:pPr marL="0" lvl="0" indent="0" algn="l" rtl="0">
                 <a:spcBef>
                   <a:spcPts val="0"/>
                 </a:spcBef>
@@ -1692,9 +1728,6 @@
                 </a:spcAft>
                 <a:buNone/>
               </a:pPr>
-              <a:r>
-                <a:t/>
-              </a:r>
               <a:endParaRPr/>
             </a:p>
           </p:txBody>
@@ -1712,7 +1745,7 @@
             </a:xfrm>
             <a:prstGeom prst="parallelogram">
               <a:avLst>
-                <a:gd fmla="val 153193" name="adj"/>
+                <a:gd name="adj" fmla="val 153193"/>
               </a:avLst>
             </a:prstGeom>
             <a:solidFill>
@@ -1723,12 +1756,12 @@
             </a:ln>
           </p:spPr>
           <p:txBody>
-            <a:bodyPr anchorCtr="0" anchor="ctr" bIns="91425" lIns="91425" spcFirstLastPara="1" rIns="91425" wrap="square" tIns="91425">
+            <a:bodyPr spcFirstLastPara="1" wrap="square" lIns="91425" tIns="91425" rIns="91425" bIns="91425" anchor="ctr" anchorCtr="0">
               <a:noAutofit/>
             </a:bodyPr>
             <a:lstStyle/>
             <a:p>
-              <a:pPr indent="0" lvl="0" marL="0" rtl="0" algn="l">
+              <a:pPr marL="0" lvl="0" indent="0" algn="l" rtl="0">
                 <a:spcBef>
                   <a:spcPts val="0"/>
                 </a:spcBef>
@@ -1737,9 +1770,6 @@
                 </a:spcAft>
                 <a:buNone/>
               </a:pPr>
-              <a:r>
-                <a:t/>
-              </a:r>
               <a:endParaRPr/>
             </a:p>
           </p:txBody>
@@ -1772,7 +1802,7 @@
             </a:xfrm>
             <a:prstGeom prst="parallelogram">
               <a:avLst>
-                <a:gd fmla="val 153193" name="adj"/>
+                <a:gd name="adj" fmla="val 153193"/>
               </a:avLst>
             </a:prstGeom>
             <a:solidFill>
@@ -1783,12 +1813,12 @@
             </a:ln>
           </p:spPr>
           <p:txBody>
-            <a:bodyPr anchorCtr="0" anchor="ctr" bIns="91425" lIns="91425" spcFirstLastPara="1" rIns="91425" wrap="square" tIns="91425">
+            <a:bodyPr spcFirstLastPara="1" wrap="square" lIns="91425" tIns="91425" rIns="91425" bIns="91425" anchor="ctr" anchorCtr="0">
               <a:noAutofit/>
             </a:bodyPr>
             <a:lstStyle/>
             <a:p>
-              <a:pPr indent="0" lvl="0" marL="0" rtl="0" algn="l">
+              <a:pPr marL="0" lvl="0" indent="0" algn="l" rtl="0">
                 <a:spcBef>
                   <a:spcPts val="0"/>
                 </a:spcBef>
@@ -1797,9 +1827,6 @@
                 </a:spcAft>
                 <a:buNone/>
               </a:pPr>
-              <a:r>
-                <a:t/>
-              </a:r>
               <a:endParaRPr/>
             </a:p>
           </p:txBody>
@@ -1817,7 +1844,7 @@
             </a:xfrm>
             <a:prstGeom prst="parallelogram">
               <a:avLst>
-                <a:gd fmla="val 153193" name="adj"/>
+                <a:gd name="adj" fmla="val 153193"/>
               </a:avLst>
             </a:prstGeom>
             <a:solidFill>
@@ -1828,12 +1855,12 @@
             </a:ln>
           </p:spPr>
           <p:txBody>
-            <a:bodyPr anchorCtr="0" anchor="ctr" bIns="91425" lIns="91425" spcFirstLastPara="1" rIns="91425" wrap="square" tIns="91425">
+            <a:bodyPr spcFirstLastPara="1" wrap="square" lIns="91425" tIns="91425" rIns="91425" bIns="91425" anchor="ctr" anchorCtr="0">
               <a:noAutofit/>
             </a:bodyPr>
             <a:lstStyle/>
             <a:p>
-              <a:pPr indent="0" lvl="0" marL="0" rtl="0" algn="l">
+              <a:pPr marL="0" lvl="0" indent="0" algn="l" rtl="0">
                 <a:spcBef>
                   <a:spcPts val="0"/>
                 </a:spcBef>
@@ -1842,9 +1869,6 @@
                 </a:spcAft>
                 <a:buNone/>
               </a:pPr>
-              <a:r>
-                <a:t/>
-              </a:r>
               <a:endParaRPr/>
             </a:p>
           </p:txBody>
@@ -1862,7 +1886,7 @@
             </a:xfrm>
             <a:prstGeom prst="parallelogram">
               <a:avLst>
-                <a:gd fmla="val 153193" name="adj"/>
+                <a:gd name="adj" fmla="val 153193"/>
               </a:avLst>
             </a:prstGeom>
             <a:solidFill>
@@ -1873,12 +1897,12 @@
             </a:ln>
           </p:spPr>
           <p:txBody>
-            <a:bodyPr anchorCtr="0" anchor="ctr" bIns="91425" lIns="91425" spcFirstLastPara="1" rIns="91425" wrap="square" tIns="91425">
+            <a:bodyPr spcFirstLastPara="1" wrap="square" lIns="91425" tIns="91425" rIns="91425" bIns="91425" anchor="ctr" anchorCtr="0">
               <a:noAutofit/>
             </a:bodyPr>
             <a:lstStyle/>
             <a:p>
-              <a:pPr indent="0" lvl="0" marL="0" rtl="0" algn="l">
+              <a:pPr marL="0" lvl="0" indent="0" algn="l" rtl="0">
                 <a:spcBef>
                   <a:spcPts val="0"/>
                 </a:spcBef>
@@ -1887,9 +1911,6 @@
                 </a:spcAft>
                 <a:buNone/>
               </a:pPr>
-              <a:r>
-                <a:t/>
-              </a:r>
               <a:endParaRPr/>
             </a:p>
           </p:txBody>
@@ -1922,7 +1943,7 @@
             </a:xfrm>
             <a:prstGeom prst="parallelogram">
               <a:avLst>
-                <a:gd fmla="val 158024" name="adj"/>
+                <a:gd name="adj" fmla="val 158024"/>
               </a:avLst>
             </a:prstGeom>
             <a:solidFill>
@@ -1933,12 +1954,12 @@
             </a:ln>
           </p:spPr>
           <p:txBody>
-            <a:bodyPr anchorCtr="0" anchor="ctr" bIns="91425" lIns="91425" spcFirstLastPara="1" rIns="91425" wrap="square" tIns="91425">
+            <a:bodyPr spcFirstLastPara="1" wrap="square" lIns="91425" tIns="91425" rIns="91425" bIns="91425" anchor="ctr" anchorCtr="0">
               <a:noAutofit/>
             </a:bodyPr>
             <a:lstStyle/>
             <a:p>
-              <a:pPr indent="0" lvl="0" marL="0" rtl="0" algn="l">
+              <a:pPr marL="0" lvl="0" indent="0" algn="l" rtl="0">
                 <a:spcBef>
                   <a:spcPts val="0"/>
                 </a:spcBef>
@@ -1947,9 +1968,6 @@
                 </a:spcAft>
                 <a:buNone/>
               </a:pPr>
-              <a:r>
-                <a:t/>
-              </a:r>
               <a:endParaRPr/>
             </a:p>
           </p:txBody>
@@ -1967,7 +1985,7 @@
             </a:xfrm>
             <a:prstGeom prst="parallelogram">
               <a:avLst>
-                <a:gd fmla="val 158024" name="adj"/>
+                <a:gd name="adj" fmla="val 158024"/>
               </a:avLst>
             </a:prstGeom>
             <a:solidFill>
@@ -1978,12 +1996,12 @@
             </a:ln>
           </p:spPr>
           <p:txBody>
-            <a:bodyPr anchorCtr="0" anchor="ctr" bIns="91425" lIns="91425" spcFirstLastPara="1" rIns="91425" wrap="square" tIns="91425">
+            <a:bodyPr spcFirstLastPara="1" wrap="square" lIns="91425" tIns="91425" rIns="91425" bIns="91425" anchor="ctr" anchorCtr="0">
               <a:noAutofit/>
             </a:bodyPr>
             <a:lstStyle/>
             <a:p>
-              <a:pPr indent="0" lvl="0" marL="0" rtl="0" algn="l">
+              <a:pPr marL="0" lvl="0" indent="0" algn="l" rtl="0">
                 <a:spcBef>
                   <a:spcPts val="0"/>
                 </a:spcBef>
@@ -1992,9 +2010,6 @@
                 </a:spcAft>
                 <a:buNone/>
               </a:pPr>
-              <a:r>
-                <a:t/>
-              </a:r>
               <a:endParaRPr/>
             </a:p>
           </p:txBody>
@@ -2012,7 +2027,7 @@
             </a:xfrm>
             <a:prstGeom prst="parallelogram">
               <a:avLst>
-                <a:gd fmla="val 158024" name="adj"/>
+                <a:gd name="adj" fmla="val 158024"/>
               </a:avLst>
             </a:prstGeom>
             <a:solidFill>
@@ -2023,12 +2038,12 @@
             </a:ln>
           </p:spPr>
           <p:txBody>
-            <a:bodyPr anchorCtr="0" anchor="ctr" bIns="91425" lIns="91425" spcFirstLastPara="1" rIns="91425" wrap="square" tIns="91425">
+            <a:bodyPr spcFirstLastPara="1" wrap="square" lIns="91425" tIns="91425" rIns="91425" bIns="91425" anchor="ctr" anchorCtr="0">
               <a:noAutofit/>
             </a:bodyPr>
             <a:lstStyle/>
             <a:p>
-              <a:pPr indent="0" lvl="0" marL="0" rtl="0" algn="l">
+              <a:pPr marL="0" lvl="0" indent="0" algn="l" rtl="0">
                 <a:spcBef>
                   <a:spcPts val="0"/>
                 </a:spcBef>
@@ -2037,9 +2052,6 @@
                 </a:spcAft>
                 <a:buNone/>
               </a:pPr>
-              <a:r>
-                <a:t/>
-              </a:r>
               <a:endParaRPr/>
             </a:p>
           </p:txBody>
@@ -2072,7 +2084,7 @@
             </a:xfrm>
             <a:prstGeom prst="parallelogram">
               <a:avLst>
-                <a:gd fmla="val 158024" name="adj"/>
+                <a:gd name="adj" fmla="val 158024"/>
               </a:avLst>
             </a:prstGeom>
             <a:solidFill>
@@ -2083,12 +2095,12 @@
             </a:ln>
           </p:spPr>
           <p:txBody>
-            <a:bodyPr anchorCtr="0" anchor="ctr" bIns="91425" lIns="91425" spcFirstLastPara="1" rIns="91425" wrap="square" tIns="91425">
+            <a:bodyPr spcFirstLastPara="1" wrap="square" lIns="91425" tIns="91425" rIns="91425" bIns="91425" anchor="ctr" anchorCtr="0">
               <a:noAutofit/>
             </a:bodyPr>
             <a:lstStyle/>
             <a:p>
-              <a:pPr indent="0" lvl="0" marL="0" rtl="0" algn="l">
+              <a:pPr marL="0" lvl="0" indent="0" algn="l" rtl="0">
                 <a:spcBef>
                   <a:spcPts val="0"/>
                 </a:spcBef>
@@ -2097,9 +2109,6 @@
                 </a:spcAft>
                 <a:buNone/>
               </a:pPr>
-              <a:r>
-                <a:t/>
-              </a:r>
               <a:endParaRPr/>
             </a:p>
           </p:txBody>
@@ -2117,7 +2126,7 @@
             </a:xfrm>
             <a:prstGeom prst="parallelogram">
               <a:avLst>
-                <a:gd fmla="val 158024" name="adj"/>
+                <a:gd name="adj" fmla="val 158024"/>
               </a:avLst>
             </a:prstGeom>
             <a:solidFill>
@@ -2128,12 +2137,12 @@
             </a:ln>
           </p:spPr>
           <p:txBody>
-            <a:bodyPr anchorCtr="0" anchor="ctr" bIns="91425" lIns="91425" spcFirstLastPara="1" rIns="91425" wrap="square" tIns="91425">
+            <a:bodyPr spcFirstLastPara="1" wrap="square" lIns="91425" tIns="91425" rIns="91425" bIns="91425" anchor="ctr" anchorCtr="0">
               <a:noAutofit/>
             </a:bodyPr>
             <a:lstStyle/>
             <a:p>
-              <a:pPr indent="0" lvl="0" marL="0" rtl="0" algn="l">
+              <a:pPr marL="0" lvl="0" indent="0" algn="l" rtl="0">
                 <a:spcBef>
                   <a:spcPts val="0"/>
                 </a:spcBef>
@@ -2142,9 +2151,6 @@
                 </a:spcAft>
                 <a:buNone/>
               </a:pPr>
-              <a:r>
-                <a:t/>
-              </a:r>
               <a:endParaRPr/>
             </a:p>
           </p:txBody>
@@ -2162,7 +2168,7 @@
             </a:xfrm>
             <a:prstGeom prst="parallelogram">
               <a:avLst>
-                <a:gd fmla="val 158024" name="adj"/>
+                <a:gd name="adj" fmla="val 158024"/>
               </a:avLst>
             </a:prstGeom>
             <a:solidFill>
@@ -2173,12 +2179,12 @@
             </a:ln>
           </p:spPr>
           <p:txBody>
-            <a:bodyPr anchorCtr="0" anchor="ctr" bIns="91425" lIns="91425" spcFirstLastPara="1" rIns="91425" wrap="square" tIns="91425">
+            <a:bodyPr spcFirstLastPara="1" wrap="square" lIns="91425" tIns="91425" rIns="91425" bIns="91425" anchor="ctr" anchorCtr="0">
               <a:noAutofit/>
             </a:bodyPr>
             <a:lstStyle/>
             <a:p>
-              <a:pPr indent="0" lvl="0" marL="0" rtl="0" algn="l">
+              <a:pPr marL="0" lvl="0" indent="0" algn="l" rtl="0">
                 <a:spcBef>
                   <a:spcPts val="0"/>
                 </a:spcBef>
@@ -2187,9 +2193,6 @@
                 </a:spcAft>
                 <a:buNone/>
               </a:pPr>
-              <a:r>
-                <a:t/>
-              </a:r>
               <a:endParaRPr/>
             </a:p>
           </p:txBody>
@@ -2222,7 +2225,7 @@
             </a:xfrm>
             <a:prstGeom prst="parallelogram">
               <a:avLst>
-                <a:gd fmla="val 158024" name="adj"/>
+                <a:gd name="adj" fmla="val 158024"/>
               </a:avLst>
             </a:prstGeom>
             <a:solidFill>
@@ -2233,12 +2236,12 @@
             </a:ln>
           </p:spPr>
           <p:txBody>
-            <a:bodyPr anchorCtr="0" anchor="ctr" bIns="91425" lIns="91425" spcFirstLastPara="1" rIns="91425" wrap="square" tIns="91425">
+            <a:bodyPr spcFirstLastPara="1" wrap="square" lIns="91425" tIns="91425" rIns="91425" bIns="91425" anchor="ctr" anchorCtr="0">
               <a:noAutofit/>
             </a:bodyPr>
             <a:lstStyle/>
             <a:p>
-              <a:pPr indent="0" lvl="0" marL="0" rtl="0" algn="l">
+              <a:pPr marL="0" lvl="0" indent="0" algn="l" rtl="0">
                 <a:spcBef>
                   <a:spcPts val="0"/>
                 </a:spcBef>
@@ -2247,9 +2250,6 @@
                 </a:spcAft>
                 <a:buNone/>
               </a:pPr>
-              <a:r>
-                <a:t/>
-              </a:r>
               <a:endParaRPr/>
             </a:p>
           </p:txBody>
@@ -2267,7 +2267,7 @@
             </a:xfrm>
             <a:prstGeom prst="parallelogram">
               <a:avLst>
-                <a:gd fmla="val 158024" name="adj"/>
+                <a:gd name="adj" fmla="val 158024"/>
               </a:avLst>
             </a:prstGeom>
             <a:solidFill>
@@ -2278,12 +2278,12 @@
             </a:ln>
           </p:spPr>
           <p:txBody>
-            <a:bodyPr anchorCtr="0" anchor="ctr" bIns="91425" lIns="91425" spcFirstLastPara="1" rIns="91425" wrap="square" tIns="91425">
+            <a:bodyPr spcFirstLastPara="1" wrap="square" lIns="91425" tIns="91425" rIns="91425" bIns="91425" anchor="ctr" anchorCtr="0">
               <a:noAutofit/>
             </a:bodyPr>
             <a:lstStyle/>
             <a:p>
-              <a:pPr indent="0" lvl="0" marL="0" rtl="0" algn="l">
+              <a:pPr marL="0" lvl="0" indent="0" algn="l" rtl="0">
                 <a:spcBef>
                   <a:spcPts val="0"/>
                 </a:spcBef>
@@ -2292,9 +2292,6 @@
                 </a:spcAft>
                 <a:buNone/>
               </a:pPr>
-              <a:r>
-                <a:t/>
-              </a:r>
               <a:endParaRPr/>
             </a:p>
           </p:txBody>
@@ -2312,7 +2309,7 @@
             </a:xfrm>
             <a:prstGeom prst="parallelogram">
               <a:avLst>
-                <a:gd fmla="val 158024" name="adj"/>
+                <a:gd name="adj" fmla="val 158024"/>
               </a:avLst>
             </a:prstGeom>
             <a:solidFill>
@@ -2323,12 +2320,12 @@
             </a:ln>
           </p:spPr>
           <p:txBody>
-            <a:bodyPr anchorCtr="0" anchor="ctr" bIns="91425" lIns="91425" spcFirstLastPara="1" rIns="91425" wrap="square" tIns="91425">
+            <a:bodyPr spcFirstLastPara="1" wrap="square" lIns="91425" tIns="91425" rIns="91425" bIns="91425" anchor="ctr" anchorCtr="0">
               <a:noAutofit/>
             </a:bodyPr>
             <a:lstStyle/>
             <a:p>
-              <a:pPr indent="0" lvl="0" marL="0" rtl="0" algn="l">
+              <a:pPr marL="0" lvl="0" indent="0" algn="l" rtl="0">
                 <a:spcBef>
                   <a:spcPts val="0"/>
                 </a:spcBef>
@@ -2337,9 +2334,6 @@
                 </a:spcAft>
                 <a:buNone/>
               </a:pPr>
-              <a:r>
-                <a:t/>
-              </a:r>
               <a:endParaRPr/>
             </a:p>
           </p:txBody>
@@ -2348,7 +2342,9 @@
       <p:sp>
         <p:nvSpPr>
           <p:cNvPr id="34" name="Google Shape;34;p2"/>
-          <p:cNvSpPr txBox="1"/>
+          <p:cNvSpPr txBox="1">
+            <a:spLocks noGrp="1"/>
+          </p:cNvSpPr>
           <p:nvPr>
             <p:ph type="ctrTitle"/>
           </p:nvPr>
@@ -2363,7 +2359,7 @@
           </a:prstGeom>
         </p:spPr>
         <p:txBody>
-          <a:bodyPr anchorCtr="0" anchor="ctr" bIns="91425" lIns="91425" spcFirstLastPara="1" rIns="91425" wrap="square" tIns="91425"/>
+          <a:bodyPr spcFirstLastPara="1" wrap="square" lIns="91425" tIns="91425" rIns="91425" bIns="91425" anchor="ctr" anchorCtr="0"/>
           <a:lstStyle>
             <a:lvl1pPr lvl="0" algn="ctr">
               <a:spcBef>
@@ -2465,15 +2461,19 @@
               <a:defRPr sz="3800"/>
             </a:lvl9pPr>
           </a:lstStyle>
-          <a:p/>
+          <a:p>
+            <a:endParaRPr/>
+          </a:p>
         </p:txBody>
       </p:sp>
       <p:sp>
         <p:nvSpPr>
           <p:cNvPr id="35" name="Google Shape;35;p2"/>
-          <p:cNvSpPr txBox="1"/>
+          <p:cNvSpPr txBox="1">
+            <a:spLocks noGrp="1"/>
+          </p:cNvSpPr>
           <p:nvPr>
-            <p:ph idx="1" type="subTitle"/>
+            <p:ph type="subTitle" idx="1"/>
           </p:nvPr>
         </p:nvSpPr>
         <p:spPr>
@@ -2486,7 +2486,7 @@
           </a:prstGeom>
         </p:spPr>
         <p:txBody>
-          <a:bodyPr anchorCtr="0" anchor="t" bIns="91425" lIns="91425" spcFirstLastPara="1" rIns="91425" wrap="square" tIns="91425"/>
+          <a:bodyPr spcFirstLastPara="1" wrap="square" lIns="91425" tIns="91425" rIns="91425" bIns="91425" anchor="t" anchorCtr="0"/>
           <a:lstStyle>
             <a:lvl1pPr lvl="0" algn="ctr">
               <a:lnSpc>
@@ -2678,15 +2678,19 @@
               </a:defRPr>
             </a:lvl9pPr>
           </a:lstStyle>
-          <a:p/>
+          <a:p>
+            <a:endParaRPr/>
+          </a:p>
         </p:txBody>
       </p:sp>
       <p:sp>
         <p:nvSpPr>
           <p:cNvPr id="36" name="Google Shape;36;p2"/>
-          <p:cNvSpPr txBox="1"/>
+          <p:cNvSpPr txBox="1">
+            <a:spLocks noGrp="1"/>
+          </p:cNvSpPr>
           <p:nvPr>
-            <p:ph idx="12" type="sldNum"/>
+            <p:ph type="sldNum" idx="12"/>
           </p:nvPr>
         </p:nvSpPr>
         <p:spPr>
@@ -2699,7 +2703,7 @@
           </a:prstGeom>
         </p:spPr>
         <p:txBody>
-          <a:bodyPr anchorCtr="0" anchor="ctr" bIns="91425" lIns="91425" spcFirstLastPara="1" rIns="91425" wrap="square" tIns="91425">
+          <a:bodyPr spcFirstLastPara="1" wrap="square" lIns="91425" tIns="91425" rIns="91425" bIns="91425" anchor="ctr" anchorCtr="0">
             <a:noAutofit/>
           </a:bodyPr>
           <a:lstStyle>
@@ -2741,7 +2745,7 @@
             </a:lvl9pPr>
           </a:lstStyle>
           <a:p>
-            <a:pPr indent="0" lvl="0" marL="0" rtl="0" algn="r">
+            <a:pPr marL="0" lvl="0" indent="0" algn="r" rtl="0">
               <a:spcBef>
                 <a:spcPts val="0"/>
               </a:spcBef>
@@ -2767,18 +2771,19 @@
 </file>
 
 <file path=ppt/slideLayouts/slideLayout10.xml><?xml version="1.0" encoding="utf-8"?>
-<p:sldLayout xmlns:a="http://schemas.openxmlformats.org/drawingml/2006/main" xmlns:r="http://schemas.openxmlformats.org/officeDocument/2006/relationships" xmlns:mc="http://schemas.openxmlformats.org/markup-compatibility/2006" xmlns:mv="urn:schemas-microsoft-com:mac:vml" xmlns:p="http://schemas.openxmlformats.org/presentationml/2006/main" xmlns:c="http://schemas.openxmlformats.org/drawingml/2006/chart" xmlns:dgm="http://schemas.openxmlformats.org/drawingml/2006/diagram" xmlns:o="urn:schemas-microsoft-com:office:office" xmlns:v="urn:schemas-microsoft-com:vml" xmlns:pvml="urn:schemas-microsoft-com:office:powerpoint" xmlns:com="http://schemas.openxmlformats.org/drawingml/2006/compatibility" xmlns:p14="http://schemas.microsoft.com/office/powerpoint/2010/main" xmlns:p15="http://schemas.microsoft.com/office/powerpoint/2012/main" matchingName="Big number">
+<p:sldLayout xmlns:a="http://schemas.openxmlformats.org/drawingml/2006/main" xmlns:r="http://schemas.openxmlformats.org/officeDocument/2006/relationships" xmlns:p="http://schemas.openxmlformats.org/presentationml/2006/main" matchingName="Big number">
   <p:cSld name="BIG_NUMBER">
     <p:bg>
       <p:bgPr>
         <a:solidFill>
           <a:schemeClr val="accent3"/>
         </a:solidFill>
+        <a:effectLst/>
       </p:bgPr>
     </p:bg>
     <p:spTree>
       <p:nvGrpSpPr>
-        <p:cNvPr id="109" name="Shape 109"/>
+        <p:cNvPr id="1" name="Shape 109"/>
         <p:cNvGrpSpPr/>
         <p:nvPr/>
       </p:nvGrpSpPr>
@@ -2812,12 +2817,12 @@
           </a:ln>
         </p:spPr>
         <p:txBody>
-          <a:bodyPr anchorCtr="0" anchor="ctr" bIns="91425" lIns="91425" spcFirstLastPara="1" rIns="91425" wrap="square" tIns="91425">
+          <a:bodyPr spcFirstLastPara="1" wrap="square" lIns="91425" tIns="91425" rIns="91425" bIns="91425" anchor="ctr" anchorCtr="0">
             <a:noAutofit/>
           </a:bodyPr>
           <a:lstStyle/>
           <a:p>
-            <a:pPr indent="0" lvl="0" marL="0" rtl="0" algn="l">
+            <a:pPr marL="0" lvl="0" indent="0" algn="l" rtl="0">
               <a:spcBef>
                 <a:spcPts val="0"/>
               </a:spcBef>
@@ -2826,9 +2831,6 @@
               </a:spcAft>
               <a:buNone/>
             </a:pPr>
-            <a:r>
-              <a:t/>
-            </a:r>
             <a:endParaRPr/>
           </a:p>
         </p:txBody>
@@ -2860,7 +2862,7 @@
             </a:xfrm>
             <a:prstGeom prst="parallelogram">
               <a:avLst>
-                <a:gd fmla="val 158024" name="adj"/>
+                <a:gd name="adj" fmla="val 158024"/>
               </a:avLst>
             </a:prstGeom>
             <a:solidFill>
@@ -2871,12 +2873,12 @@
             </a:ln>
           </p:spPr>
           <p:txBody>
-            <a:bodyPr anchorCtr="0" anchor="ctr" bIns="91425" lIns="91425" spcFirstLastPara="1" rIns="91425" wrap="square" tIns="91425">
+            <a:bodyPr spcFirstLastPara="1" wrap="square" lIns="91425" tIns="91425" rIns="91425" bIns="91425" anchor="ctr" anchorCtr="0">
               <a:noAutofit/>
             </a:bodyPr>
             <a:lstStyle/>
             <a:p>
-              <a:pPr indent="0" lvl="0" marL="0" rtl="0" algn="l">
+              <a:pPr marL="0" lvl="0" indent="0" algn="l" rtl="0">
                 <a:spcBef>
                   <a:spcPts val="0"/>
                 </a:spcBef>
@@ -2885,9 +2887,6 @@
                 </a:spcAft>
                 <a:buNone/>
               </a:pPr>
-              <a:r>
-                <a:t/>
-              </a:r>
               <a:endParaRPr/>
             </a:p>
           </p:txBody>
@@ -2905,7 +2904,7 @@
             </a:xfrm>
             <a:prstGeom prst="parallelogram">
               <a:avLst>
-                <a:gd fmla="val 158024" name="adj"/>
+                <a:gd name="adj" fmla="val 158024"/>
               </a:avLst>
             </a:prstGeom>
             <a:solidFill>
@@ -2916,12 +2915,12 @@
             </a:ln>
           </p:spPr>
           <p:txBody>
-            <a:bodyPr anchorCtr="0" anchor="ctr" bIns="91425" lIns="91425" spcFirstLastPara="1" rIns="91425" wrap="square" tIns="91425">
+            <a:bodyPr spcFirstLastPara="1" wrap="square" lIns="91425" tIns="91425" rIns="91425" bIns="91425" anchor="ctr" anchorCtr="0">
               <a:noAutofit/>
             </a:bodyPr>
             <a:lstStyle/>
             <a:p>
-              <a:pPr indent="0" lvl="0" marL="0" rtl="0" algn="l">
+              <a:pPr marL="0" lvl="0" indent="0" algn="l" rtl="0">
                 <a:spcBef>
                   <a:spcPts val="0"/>
                 </a:spcBef>
@@ -2930,9 +2929,6 @@
                 </a:spcAft>
                 <a:buNone/>
               </a:pPr>
-              <a:r>
-                <a:t/>
-              </a:r>
               <a:endParaRPr/>
             </a:p>
           </p:txBody>
@@ -2950,7 +2946,7 @@
             </a:xfrm>
             <a:prstGeom prst="parallelogram">
               <a:avLst>
-                <a:gd fmla="val 158024" name="adj"/>
+                <a:gd name="adj" fmla="val 158024"/>
               </a:avLst>
             </a:prstGeom>
             <a:solidFill>
@@ -2961,12 +2957,12 @@
             </a:ln>
           </p:spPr>
           <p:txBody>
-            <a:bodyPr anchorCtr="0" anchor="ctr" bIns="91425" lIns="91425" spcFirstLastPara="1" rIns="91425" wrap="square" tIns="91425">
+            <a:bodyPr spcFirstLastPara="1" wrap="square" lIns="91425" tIns="91425" rIns="91425" bIns="91425" anchor="ctr" anchorCtr="0">
               <a:noAutofit/>
             </a:bodyPr>
             <a:lstStyle/>
             <a:p>
-              <a:pPr indent="0" lvl="0" marL="0" rtl="0" algn="l">
+              <a:pPr marL="0" lvl="0" indent="0" algn="l" rtl="0">
                 <a:spcBef>
                   <a:spcPts val="0"/>
                 </a:spcBef>
@@ -2975,9 +2971,6 @@
                 </a:spcAft>
                 <a:buNone/>
               </a:pPr>
-              <a:r>
-                <a:t/>
-              </a:r>
               <a:endParaRPr/>
             </a:p>
           </p:txBody>
@@ -3010,7 +3003,7 @@
             </a:xfrm>
             <a:prstGeom prst="parallelogram">
               <a:avLst>
-                <a:gd fmla="val 158024" name="adj"/>
+                <a:gd name="adj" fmla="val 158024"/>
               </a:avLst>
             </a:prstGeom>
             <a:solidFill>
@@ -3021,12 +3014,12 @@
             </a:ln>
           </p:spPr>
           <p:txBody>
-            <a:bodyPr anchorCtr="0" anchor="ctr" bIns="91425" lIns="91425" spcFirstLastPara="1" rIns="91425" wrap="square" tIns="91425">
+            <a:bodyPr spcFirstLastPara="1" wrap="square" lIns="91425" tIns="91425" rIns="91425" bIns="91425" anchor="ctr" anchorCtr="0">
               <a:noAutofit/>
             </a:bodyPr>
             <a:lstStyle/>
             <a:p>
-              <a:pPr indent="0" lvl="0" marL="0" rtl="0" algn="l">
+              <a:pPr marL="0" lvl="0" indent="0" algn="l" rtl="0">
                 <a:spcBef>
                   <a:spcPts val="0"/>
                 </a:spcBef>
@@ -3035,9 +3028,6 @@
                 </a:spcAft>
                 <a:buNone/>
               </a:pPr>
-              <a:r>
-                <a:t/>
-              </a:r>
               <a:endParaRPr/>
             </a:p>
           </p:txBody>
@@ -3055,7 +3045,7 @@
             </a:xfrm>
             <a:prstGeom prst="parallelogram">
               <a:avLst>
-                <a:gd fmla="val 158024" name="adj"/>
+                <a:gd name="adj" fmla="val 158024"/>
               </a:avLst>
             </a:prstGeom>
             <a:solidFill>
@@ -3066,12 +3056,12 @@
             </a:ln>
           </p:spPr>
           <p:txBody>
-            <a:bodyPr anchorCtr="0" anchor="ctr" bIns="91425" lIns="91425" spcFirstLastPara="1" rIns="91425" wrap="square" tIns="91425">
+            <a:bodyPr spcFirstLastPara="1" wrap="square" lIns="91425" tIns="91425" rIns="91425" bIns="91425" anchor="ctr" anchorCtr="0">
               <a:noAutofit/>
             </a:bodyPr>
             <a:lstStyle/>
             <a:p>
-              <a:pPr indent="0" lvl="0" marL="0" rtl="0" algn="l">
+              <a:pPr marL="0" lvl="0" indent="0" algn="l" rtl="0">
                 <a:spcBef>
                   <a:spcPts val="0"/>
                 </a:spcBef>
@@ -3080,9 +3070,6 @@
                 </a:spcAft>
                 <a:buNone/>
               </a:pPr>
-              <a:r>
-                <a:t/>
-              </a:r>
               <a:endParaRPr/>
             </a:p>
           </p:txBody>
@@ -3100,7 +3087,7 @@
             </a:xfrm>
             <a:prstGeom prst="parallelogram">
               <a:avLst>
-                <a:gd fmla="val 158024" name="adj"/>
+                <a:gd name="adj" fmla="val 158024"/>
               </a:avLst>
             </a:prstGeom>
             <a:solidFill>
@@ -3111,12 +3098,12 @@
             </a:ln>
           </p:spPr>
           <p:txBody>
-            <a:bodyPr anchorCtr="0" anchor="ctr" bIns="91425" lIns="91425" spcFirstLastPara="1" rIns="91425" wrap="square" tIns="91425">
+            <a:bodyPr spcFirstLastPara="1" wrap="square" lIns="91425" tIns="91425" rIns="91425" bIns="91425" anchor="ctr" anchorCtr="0">
               <a:noAutofit/>
             </a:bodyPr>
             <a:lstStyle/>
             <a:p>
-              <a:pPr indent="0" lvl="0" marL="0" rtl="0" algn="l">
+              <a:pPr marL="0" lvl="0" indent="0" algn="l" rtl="0">
                 <a:spcBef>
                   <a:spcPts val="0"/>
                 </a:spcBef>
@@ -3125,9 +3112,6 @@
                 </a:spcAft>
                 <a:buNone/>
               </a:pPr>
-              <a:r>
-                <a:t/>
-              </a:r>
               <a:endParaRPr/>
             </a:p>
           </p:txBody>
@@ -3136,9 +3120,11 @@
       <p:sp>
         <p:nvSpPr>
           <p:cNvPr id="119" name="Google Shape;119;p11"/>
-          <p:cNvSpPr txBox="1"/>
+          <p:cNvSpPr txBox="1">
+            <a:spLocks noGrp="1"/>
+          </p:cNvSpPr>
           <p:nvPr>
-            <p:ph hasCustomPrompt="1" type="title"/>
+            <p:ph type="title" hasCustomPrompt="1"/>
           </p:nvPr>
         </p:nvSpPr>
         <p:spPr>
@@ -3151,7 +3137,7 @@
           </a:prstGeom>
         </p:spPr>
         <p:txBody>
-          <a:bodyPr anchorCtr="0" anchor="ctr" bIns="91425" lIns="91425" spcFirstLastPara="1" rIns="91425" wrap="square" tIns="91425"/>
+          <a:bodyPr spcFirstLastPara="1" wrap="square" lIns="91425" tIns="91425" rIns="91425" bIns="91425" anchor="ctr" anchorCtr="0"/>
           <a:lstStyle>
             <a:lvl1pPr lvl="0" algn="ctr">
               <a:spcBef>
@@ -3326,9 +3312,11 @@
       <p:sp>
         <p:nvSpPr>
           <p:cNvPr id="120" name="Google Shape;120;p11"/>
-          <p:cNvSpPr txBox="1"/>
+          <p:cNvSpPr txBox="1">
+            <a:spLocks noGrp="1"/>
+          </p:cNvSpPr>
           <p:nvPr>
-            <p:ph idx="1" type="body"/>
+            <p:ph type="body" idx="1"/>
           </p:nvPr>
         </p:nvSpPr>
         <p:spPr>
@@ -3341,9 +3329,9 @@
           </a:prstGeom>
         </p:spPr>
         <p:txBody>
-          <a:bodyPr anchorCtr="0" anchor="t" bIns="91425" lIns="91425" spcFirstLastPara="1" rIns="91425" wrap="square" tIns="91425"/>
+          <a:bodyPr spcFirstLastPara="1" wrap="square" lIns="91425" tIns="91425" rIns="91425" bIns="91425" anchor="t" anchorCtr="0"/>
           <a:lstStyle>
-            <a:lvl1pPr indent="-311150" lvl="0" marL="457200" algn="ctr">
+            <a:lvl1pPr marL="457200" lvl="0" indent="-311150" algn="ctr">
               <a:spcBef>
                 <a:spcPts val="0"/>
               </a:spcBef>
@@ -3354,7 +3342,7 @@
               <a:buChar char="●"/>
               <a:defRPr/>
             </a:lvl1pPr>
-            <a:lvl2pPr indent="-298450" lvl="1" marL="914400" algn="ctr">
+            <a:lvl2pPr marL="914400" lvl="1" indent="-298450" algn="ctr">
               <a:spcBef>
                 <a:spcPts val="1600"/>
               </a:spcBef>
@@ -3365,7 +3353,7 @@
               <a:buChar char="○"/>
               <a:defRPr/>
             </a:lvl2pPr>
-            <a:lvl3pPr indent="-298450" lvl="2" marL="1371600" algn="ctr">
+            <a:lvl3pPr marL="1371600" lvl="2" indent="-298450" algn="ctr">
               <a:spcBef>
                 <a:spcPts val="1600"/>
               </a:spcBef>
@@ -3376,7 +3364,7 @@
               <a:buChar char="■"/>
               <a:defRPr/>
             </a:lvl3pPr>
-            <a:lvl4pPr indent="-298450" lvl="3" marL="1828800" algn="ctr">
+            <a:lvl4pPr marL="1828800" lvl="3" indent="-298450" algn="ctr">
               <a:spcBef>
                 <a:spcPts val="1600"/>
               </a:spcBef>
@@ -3387,7 +3375,7 @@
               <a:buChar char="●"/>
               <a:defRPr/>
             </a:lvl4pPr>
-            <a:lvl5pPr indent="-298450" lvl="4" marL="2286000" algn="ctr">
+            <a:lvl5pPr marL="2286000" lvl="4" indent="-298450" algn="ctr">
               <a:spcBef>
                 <a:spcPts val="1600"/>
               </a:spcBef>
@@ -3398,7 +3386,7 @@
               <a:buChar char="○"/>
               <a:defRPr/>
             </a:lvl5pPr>
-            <a:lvl6pPr indent="-298450" lvl="5" marL="2743200" algn="ctr">
+            <a:lvl6pPr marL="2743200" lvl="5" indent="-298450" algn="ctr">
               <a:spcBef>
                 <a:spcPts val="1600"/>
               </a:spcBef>
@@ -3409,7 +3397,7 @@
               <a:buChar char="■"/>
               <a:defRPr/>
             </a:lvl6pPr>
-            <a:lvl7pPr indent="-298450" lvl="6" marL="3200400" algn="ctr">
+            <a:lvl7pPr marL="3200400" lvl="6" indent="-298450" algn="ctr">
               <a:spcBef>
                 <a:spcPts val="1600"/>
               </a:spcBef>
@@ -3420,7 +3408,7 @@
               <a:buChar char="●"/>
               <a:defRPr/>
             </a:lvl7pPr>
-            <a:lvl8pPr indent="-298450" lvl="7" marL="3657600" algn="ctr">
+            <a:lvl8pPr marL="3657600" lvl="7" indent="-298450" algn="ctr">
               <a:spcBef>
                 <a:spcPts val="1600"/>
               </a:spcBef>
@@ -3431,7 +3419,7 @@
               <a:buChar char="○"/>
               <a:defRPr/>
             </a:lvl8pPr>
-            <a:lvl9pPr indent="-298450" lvl="8" marL="4114800" algn="ctr">
+            <a:lvl9pPr marL="4114800" lvl="8" indent="-298450" algn="ctr">
               <a:spcBef>
                 <a:spcPts val="1600"/>
               </a:spcBef>
@@ -3443,15 +3431,19 @@
               <a:defRPr/>
             </a:lvl9pPr>
           </a:lstStyle>
-          <a:p/>
+          <a:p>
+            <a:endParaRPr/>
+          </a:p>
         </p:txBody>
       </p:sp>
       <p:sp>
         <p:nvSpPr>
           <p:cNvPr id="121" name="Google Shape;121;p11"/>
-          <p:cNvSpPr txBox="1"/>
+          <p:cNvSpPr txBox="1">
+            <a:spLocks noGrp="1"/>
+          </p:cNvSpPr>
           <p:nvPr>
-            <p:ph idx="12" type="sldNum"/>
+            <p:ph type="sldNum" idx="12"/>
           </p:nvPr>
         </p:nvSpPr>
         <p:spPr>
@@ -3464,7 +3456,7 @@
           </a:prstGeom>
         </p:spPr>
         <p:txBody>
-          <a:bodyPr anchorCtr="0" anchor="ctr" bIns="91425" lIns="91425" spcFirstLastPara="1" rIns="91425" wrap="square" tIns="91425">
+          <a:bodyPr spcFirstLastPara="1" wrap="square" lIns="91425" tIns="91425" rIns="91425" bIns="91425" anchor="ctr" anchorCtr="0">
             <a:noAutofit/>
           </a:bodyPr>
           <a:lstStyle>
@@ -3506,7 +3498,7 @@
             </a:lvl9pPr>
           </a:lstStyle>
           <a:p>
-            <a:pPr indent="0" lvl="0" marL="0" rtl="0" algn="r">
+            <a:pPr marL="0" lvl="0" indent="0" algn="r" rtl="0">
               <a:spcBef>
                 <a:spcPts val="0"/>
               </a:spcBef>
@@ -3532,11 +3524,11 @@
 </file>
 
 <file path=ppt/slideLayouts/slideLayout11.xml><?xml version="1.0" encoding="utf-8"?>
-<p:sldLayout xmlns:a="http://schemas.openxmlformats.org/drawingml/2006/main" xmlns:r="http://schemas.openxmlformats.org/officeDocument/2006/relationships" xmlns:mc="http://schemas.openxmlformats.org/markup-compatibility/2006" xmlns:mv="urn:schemas-microsoft-com:mac:vml" xmlns:p="http://schemas.openxmlformats.org/presentationml/2006/main" xmlns:c="http://schemas.openxmlformats.org/drawingml/2006/chart" xmlns:dgm="http://schemas.openxmlformats.org/drawingml/2006/diagram" xmlns:o="urn:schemas-microsoft-com:office:office" xmlns:v="urn:schemas-microsoft-com:vml" xmlns:pvml="urn:schemas-microsoft-com:office:powerpoint" xmlns:com="http://schemas.openxmlformats.org/drawingml/2006/compatibility" xmlns:p14="http://schemas.microsoft.com/office/powerpoint/2010/main" xmlns:p15="http://schemas.microsoft.com/office/powerpoint/2012/main" matchingName="Blank" type="blank">
+<p:sldLayout xmlns:a="http://schemas.openxmlformats.org/drawingml/2006/main" xmlns:r="http://schemas.openxmlformats.org/officeDocument/2006/relationships" xmlns:p="http://schemas.openxmlformats.org/presentationml/2006/main" matchingName="Blank" type="blank">
   <p:cSld name="BLANK">
     <p:spTree>
       <p:nvGrpSpPr>
-        <p:cNvPr id="122" name="Shape 122"/>
+        <p:cNvPr id="1" name="Shape 122"/>
         <p:cNvGrpSpPr/>
         <p:nvPr/>
       </p:nvGrpSpPr>
@@ -3551,9 +3543,11 @@
       <p:sp>
         <p:nvSpPr>
           <p:cNvPr id="123" name="Google Shape;123;p12"/>
-          <p:cNvSpPr txBox="1"/>
+          <p:cNvSpPr txBox="1">
+            <a:spLocks noGrp="1"/>
+          </p:cNvSpPr>
           <p:nvPr>
-            <p:ph idx="12" type="sldNum"/>
+            <p:ph type="sldNum" idx="12"/>
           </p:nvPr>
         </p:nvSpPr>
         <p:spPr>
@@ -3566,7 +3560,7 @@
           </a:prstGeom>
         </p:spPr>
         <p:txBody>
-          <a:bodyPr anchorCtr="0" anchor="ctr" bIns="91425" lIns="91425" spcFirstLastPara="1" rIns="91425" wrap="square" tIns="91425">
+          <a:bodyPr spcFirstLastPara="1" wrap="square" lIns="91425" tIns="91425" rIns="91425" bIns="91425" anchor="ctr" anchorCtr="0">
             <a:noAutofit/>
           </a:bodyPr>
           <a:lstStyle>
@@ -3608,7 +3602,7 @@
             </a:lvl9pPr>
           </a:lstStyle>
           <a:p>
-            <a:pPr indent="0" lvl="0" marL="0" rtl="0" algn="r">
+            <a:pPr marL="0" lvl="0" indent="0" algn="r" rtl="0">
               <a:spcBef>
                 <a:spcPts val="0"/>
               </a:spcBef>
@@ -3634,18 +3628,19 @@
 </file>
 
 <file path=ppt/slideLayouts/slideLayout2.xml><?xml version="1.0" encoding="utf-8"?>
-<p:sldLayout xmlns:a="http://schemas.openxmlformats.org/drawingml/2006/main" xmlns:r="http://schemas.openxmlformats.org/officeDocument/2006/relationships" xmlns:mc="http://schemas.openxmlformats.org/markup-compatibility/2006" xmlns:mv="urn:schemas-microsoft-com:mac:vml" xmlns:p="http://schemas.openxmlformats.org/presentationml/2006/main" xmlns:c="http://schemas.openxmlformats.org/drawingml/2006/chart" xmlns:dgm="http://schemas.openxmlformats.org/drawingml/2006/diagram" xmlns:o="urn:schemas-microsoft-com:office:office" xmlns:v="urn:schemas-microsoft-com:vml" xmlns:pvml="urn:schemas-microsoft-com:office:powerpoint" xmlns:com="http://schemas.openxmlformats.org/drawingml/2006/compatibility" xmlns:p14="http://schemas.microsoft.com/office/powerpoint/2010/main" xmlns:p15="http://schemas.microsoft.com/office/powerpoint/2012/main" matchingName="Section header" type="secHead">
+<p:sldLayout xmlns:a="http://schemas.openxmlformats.org/drawingml/2006/main" xmlns:r="http://schemas.openxmlformats.org/officeDocument/2006/relationships" xmlns:p="http://schemas.openxmlformats.org/presentationml/2006/main" matchingName="Section header" type="secHead">
   <p:cSld name="SECTION_HEADER">
     <p:bg>
       <p:bgPr>
         <a:solidFill>
           <a:schemeClr val="accent3"/>
         </a:solidFill>
+        <a:effectLst/>
       </p:bgPr>
     </p:bg>
     <p:spTree>
       <p:nvGrpSpPr>
-        <p:cNvPr id="37" name="Shape 37"/>
+        <p:cNvPr id="1" name="Shape 37"/>
         <p:cNvGrpSpPr/>
         <p:nvPr/>
       </p:nvGrpSpPr>
@@ -3679,12 +3674,12 @@
           </a:ln>
         </p:spPr>
         <p:txBody>
-          <a:bodyPr anchorCtr="0" anchor="ctr" bIns="91425" lIns="91425" spcFirstLastPara="1" rIns="91425" wrap="square" tIns="91425">
+          <a:bodyPr spcFirstLastPara="1" wrap="square" lIns="91425" tIns="91425" rIns="91425" bIns="91425" anchor="ctr" anchorCtr="0">
             <a:noAutofit/>
           </a:bodyPr>
           <a:lstStyle/>
           <a:p>
-            <a:pPr indent="0" lvl="0" marL="0" rtl="0" algn="l">
+            <a:pPr marL="0" lvl="0" indent="0" algn="l" rtl="0">
               <a:spcBef>
                 <a:spcPts val="0"/>
               </a:spcBef>
@@ -3693,9 +3688,6 @@
               </a:spcAft>
               <a:buNone/>
             </a:pPr>
-            <a:r>
-              <a:t/>
-            </a:r>
             <a:endParaRPr/>
           </a:p>
         </p:txBody>
@@ -3727,7 +3719,7 @@
             </a:xfrm>
             <a:prstGeom prst="parallelogram">
               <a:avLst>
-                <a:gd fmla="val 158024" name="adj"/>
+                <a:gd name="adj" fmla="val 158024"/>
               </a:avLst>
             </a:prstGeom>
             <a:solidFill>
@@ -3738,12 +3730,12 @@
             </a:ln>
           </p:spPr>
           <p:txBody>
-            <a:bodyPr anchorCtr="0" anchor="ctr" bIns="91425" lIns="91425" spcFirstLastPara="1" rIns="91425" wrap="square" tIns="91425">
+            <a:bodyPr spcFirstLastPara="1" wrap="square" lIns="91425" tIns="91425" rIns="91425" bIns="91425" anchor="ctr" anchorCtr="0">
               <a:noAutofit/>
             </a:bodyPr>
             <a:lstStyle/>
             <a:p>
-              <a:pPr indent="0" lvl="0" marL="0" rtl="0" algn="l">
+              <a:pPr marL="0" lvl="0" indent="0" algn="l" rtl="0">
                 <a:spcBef>
                   <a:spcPts val="0"/>
                 </a:spcBef>
@@ -3752,9 +3744,6 @@
                 </a:spcAft>
                 <a:buNone/>
               </a:pPr>
-              <a:r>
-                <a:t/>
-              </a:r>
               <a:endParaRPr/>
             </a:p>
           </p:txBody>
@@ -3772,7 +3761,7 @@
             </a:xfrm>
             <a:prstGeom prst="parallelogram">
               <a:avLst>
-                <a:gd fmla="val 158024" name="adj"/>
+                <a:gd name="adj" fmla="val 158024"/>
               </a:avLst>
             </a:prstGeom>
             <a:solidFill>
@@ -3783,12 +3772,12 @@
             </a:ln>
           </p:spPr>
           <p:txBody>
-            <a:bodyPr anchorCtr="0" anchor="ctr" bIns="91425" lIns="91425" spcFirstLastPara="1" rIns="91425" wrap="square" tIns="91425">
+            <a:bodyPr spcFirstLastPara="1" wrap="square" lIns="91425" tIns="91425" rIns="91425" bIns="91425" anchor="ctr" anchorCtr="0">
               <a:noAutofit/>
             </a:bodyPr>
             <a:lstStyle/>
             <a:p>
-              <a:pPr indent="0" lvl="0" marL="0" rtl="0" algn="l">
+              <a:pPr marL="0" lvl="0" indent="0" algn="l" rtl="0">
                 <a:spcBef>
                   <a:spcPts val="0"/>
                 </a:spcBef>
@@ -3797,9 +3786,6 @@
                 </a:spcAft>
                 <a:buNone/>
               </a:pPr>
-              <a:r>
-                <a:t/>
-              </a:r>
               <a:endParaRPr/>
             </a:p>
           </p:txBody>
@@ -3817,7 +3803,7 @@
             </a:xfrm>
             <a:prstGeom prst="parallelogram">
               <a:avLst>
-                <a:gd fmla="val 158024" name="adj"/>
+                <a:gd name="adj" fmla="val 158024"/>
               </a:avLst>
             </a:prstGeom>
             <a:solidFill>
@@ -3828,12 +3814,12 @@
             </a:ln>
           </p:spPr>
           <p:txBody>
-            <a:bodyPr anchorCtr="0" anchor="ctr" bIns="91425" lIns="91425" spcFirstLastPara="1" rIns="91425" wrap="square" tIns="91425">
+            <a:bodyPr spcFirstLastPara="1" wrap="square" lIns="91425" tIns="91425" rIns="91425" bIns="91425" anchor="ctr" anchorCtr="0">
               <a:noAutofit/>
             </a:bodyPr>
             <a:lstStyle/>
             <a:p>
-              <a:pPr indent="0" lvl="0" marL="0" rtl="0" algn="l">
+              <a:pPr marL="0" lvl="0" indent="0" algn="l" rtl="0">
                 <a:spcBef>
                   <a:spcPts val="0"/>
                 </a:spcBef>
@@ -3842,9 +3828,6 @@
                 </a:spcAft>
                 <a:buNone/>
               </a:pPr>
-              <a:r>
-                <a:t/>
-              </a:r>
               <a:endParaRPr/>
             </a:p>
           </p:txBody>
@@ -3877,7 +3860,7 @@
             </a:xfrm>
             <a:prstGeom prst="parallelogram">
               <a:avLst>
-                <a:gd fmla="val 158024" name="adj"/>
+                <a:gd name="adj" fmla="val 158024"/>
               </a:avLst>
             </a:prstGeom>
             <a:solidFill>
@@ -3888,12 +3871,12 @@
             </a:ln>
           </p:spPr>
           <p:txBody>
-            <a:bodyPr anchorCtr="0" anchor="ctr" bIns="91425" lIns="91425" spcFirstLastPara="1" rIns="91425" wrap="square" tIns="91425">
+            <a:bodyPr spcFirstLastPara="1" wrap="square" lIns="91425" tIns="91425" rIns="91425" bIns="91425" anchor="ctr" anchorCtr="0">
               <a:noAutofit/>
             </a:bodyPr>
             <a:lstStyle/>
             <a:p>
-              <a:pPr indent="0" lvl="0" marL="0" rtl="0" algn="l">
+              <a:pPr marL="0" lvl="0" indent="0" algn="l" rtl="0">
                 <a:spcBef>
                   <a:spcPts val="0"/>
                 </a:spcBef>
@@ -3902,9 +3885,6 @@
                 </a:spcAft>
                 <a:buNone/>
               </a:pPr>
-              <a:r>
-                <a:t/>
-              </a:r>
               <a:endParaRPr/>
             </a:p>
           </p:txBody>
@@ -3922,7 +3902,7 @@
             </a:xfrm>
             <a:prstGeom prst="parallelogram">
               <a:avLst>
-                <a:gd fmla="val 158024" name="adj"/>
+                <a:gd name="adj" fmla="val 158024"/>
               </a:avLst>
             </a:prstGeom>
             <a:solidFill>
@@ -3933,12 +3913,12 @@
             </a:ln>
           </p:spPr>
           <p:txBody>
-            <a:bodyPr anchorCtr="0" anchor="ctr" bIns="91425" lIns="91425" spcFirstLastPara="1" rIns="91425" wrap="square" tIns="91425">
+            <a:bodyPr spcFirstLastPara="1" wrap="square" lIns="91425" tIns="91425" rIns="91425" bIns="91425" anchor="ctr" anchorCtr="0">
               <a:noAutofit/>
             </a:bodyPr>
             <a:lstStyle/>
             <a:p>
-              <a:pPr indent="0" lvl="0" marL="0" rtl="0" algn="l">
+              <a:pPr marL="0" lvl="0" indent="0" algn="l" rtl="0">
                 <a:spcBef>
                   <a:spcPts val="0"/>
                 </a:spcBef>
@@ -3947,9 +3927,6 @@
                 </a:spcAft>
                 <a:buNone/>
               </a:pPr>
-              <a:r>
-                <a:t/>
-              </a:r>
               <a:endParaRPr/>
             </a:p>
           </p:txBody>
@@ -3967,7 +3944,7 @@
             </a:xfrm>
             <a:prstGeom prst="parallelogram">
               <a:avLst>
-                <a:gd fmla="val 158024" name="adj"/>
+                <a:gd name="adj" fmla="val 158024"/>
               </a:avLst>
             </a:prstGeom>
             <a:solidFill>
@@ -3978,12 +3955,12 @@
             </a:ln>
           </p:spPr>
           <p:txBody>
-            <a:bodyPr anchorCtr="0" anchor="ctr" bIns="91425" lIns="91425" spcFirstLastPara="1" rIns="91425" wrap="square" tIns="91425">
+            <a:bodyPr spcFirstLastPara="1" wrap="square" lIns="91425" tIns="91425" rIns="91425" bIns="91425" anchor="ctr" anchorCtr="0">
               <a:noAutofit/>
             </a:bodyPr>
             <a:lstStyle/>
             <a:p>
-              <a:pPr indent="0" lvl="0" marL="0" rtl="0" algn="l">
+              <a:pPr marL="0" lvl="0" indent="0" algn="l" rtl="0">
                 <a:spcBef>
                   <a:spcPts val="0"/>
                 </a:spcBef>
@@ -3992,9 +3969,6 @@
                 </a:spcAft>
                 <a:buNone/>
               </a:pPr>
-              <a:r>
-                <a:t/>
-              </a:r>
               <a:endParaRPr/>
             </a:p>
           </p:txBody>
@@ -4003,7 +3977,9 @@
       <p:sp>
         <p:nvSpPr>
           <p:cNvPr id="47" name="Google Shape;47;p3"/>
-          <p:cNvSpPr txBox="1"/>
+          <p:cNvSpPr txBox="1">
+            <a:spLocks noGrp="1"/>
+          </p:cNvSpPr>
           <p:nvPr>
             <p:ph type="title"/>
           </p:nvPr>
@@ -4018,7 +3994,7 @@
           </a:prstGeom>
         </p:spPr>
         <p:txBody>
-          <a:bodyPr anchorCtr="0" anchor="ctr" bIns="91425" lIns="91425" spcFirstLastPara="1" rIns="91425" wrap="square" tIns="91425"/>
+          <a:bodyPr spcFirstLastPara="1" wrap="square" lIns="91425" tIns="91425" rIns="91425" bIns="91425" anchor="ctr" anchorCtr="0"/>
           <a:lstStyle>
             <a:lvl1pPr lvl="0" algn="ctr">
               <a:spcBef>
@@ -4183,15 +4159,19 @@
               </a:defRPr>
             </a:lvl9pPr>
           </a:lstStyle>
-          <a:p/>
+          <a:p>
+            <a:endParaRPr/>
+          </a:p>
         </p:txBody>
       </p:sp>
       <p:sp>
         <p:nvSpPr>
           <p:cNvPr id="48" name="Google Shape;48;p3"/>
-          <p:cNvSpPr txBox="1"/>
+          <p:cNvSpPr txBox="1">
+            <a:spLocks noGrp="1"/>
+          </p:cNvSpPr>
           <p:nvPr>
-            <p:ph idx="12" type="sldNum"/>
+            <p:ph type="sldNum" idx="12"/>
           </p:nvPr>
         </p:nvSpPr>
         <p:spPr>
@@ -4204,7 +4184,7 @@
           </a:prstGeom>
         </p:spPr>
         <p:txBody>
-          <a:bodyPr anchorCtr="0" anchor="ctr" bIns="91425" lIns="91425" spcFirstLastPara="1" rIns="91425" wrap="square" tIns="91425">
+          <a:bodyPr spcFirstLastPara="1" wrap="square" lIns="91425" tIns="91425" rIns="91425" bIns="91425" anchor="ctr" anchorCtr="0">
             <a:noAutofit/>
           </a:bodyPr>
           <a:lstStyle>
@@ -4246,7 +4226,7 @@
             </a:lvl9pPr>
           </a:lstStyle>
           <a:p>
-            <a:pPr indent="0" lvl="0" marL="0" rtl="0" algn="r">
+            <a:pPr marL="0" lvl="0" indent="0" algn="r" rtl="0">
               <a:spcBef>
                 <a:spcPts val="0"/>
               </a:spcBef>
@@ -4272,18 +4252,19 @@
 </file>
 
 <file path=ppt/slideLayouts/slideLayout3.xml><?xml version="1.0" encoding="utf-8"?>
-<p:sldLayout xmlns:a="http://schemas.openxmlformats.org/drawingml/2006/main" xmlns:r="http://schemas.openxmlformats.org/officeDocument/2006/relationships" xmlns:mc="http://schemas.openxmlformats.org/markup-compatibility/2006" xmlns:mv="urn:schemas-microsoft-com:mac:vml" xmlns:p="http://schemas.openxmlformats.org/presentationml/2006/main" xmlns:c="http://schemas.openxmlformats.org/drawingml/2006/chart" xmlns:dgm="http://schemas.openxmlformats.org/drawingml/2006/diagram" xmlns:o="urn:schemas-microsoft-com:office:office" xmlns:v="urn:schemas-microsoft-com:vml" xmlns:pvml="urn:schemas-microsoft-com:office:powerpoint" xmlns:com="http://schemas.openxmlformats.org/drawingml/2006/compatibility" xmlns:p14="http://schemas.microsoft.com/office/powerpoint/2010/main" xmlns:p15="http://schemas.microsoft.com/office/powerpoint/2012/main" matchingName="Title and body" type="tx">
+<p:sldLayout xmlns:a="http://schemas.openxmlformats.org/drawingml/2006/main" xmlns:r="http://schemas.openxmlformats.org/officeDocument/2006/relationships" xmlns:p="http://schemas.openxmlformats.org/presentationml/2006/main" matchingName="Title and body" type="tx">
   <p:cSld name="TITLE_AND_BODY">
     <p:bg>
       <p:bgPr>
         <a:solidFill>
           <a:schemeClr val="dk2"/>
         </a:solidFill>
+        <a:effectLst/>
       </p:bgPr>
     </p:bg>
     <p:spTree>
       <p:nvGrpSpPr>
-        <p:cNvPr id="49" name="Shape 49"/>
+        <p:cNvPr id="1" name="Shape 49"/>
         <p:cNvGrpSpPr/>
         <p:nvPr/>
       </p:nvGrpSpPr>
@@ -4317,12 +4298,12 @@
           </a:ln>
         </p:spPr>
         <p:txBody>
-          <a:bodyPr anchorCtr="0" anchor="ctr" bIns="91425" lIns="91425" spcFirstLastPara="1" rIns="91425" wrap="square" tIns="91425">
+          <a:bodyPr spcFirstLastPara="1" wrap="square" lIns="91425" tIns="91425" rIns="91425" bIns="91425" anchor="ctr" anchorCtr="0">
             <a:noAutofit/>
           </a:bodyPr>
           <a:lstStyle/>
           <a:p>
-            <a:pPr indent="0" lvl="0" marL="0" rtl="0" algn="l">
+            <a:pPr marL="0" lvl="0" indent="0" algn="l" rtl="0">
               <a:spcBef>
                 <a:spcPts val="0"/>
               </a:spcBef>
@@ -4331,9 +4312,6 @@
               </a:spcAft>
               <a:buNone/>
             </a:pPr>
-            <a:r>
-              <a:t/>
-            </a:r>
             <a:endParaRPr/>
           </a:p>
         </p:txBody>
@@ -4360,12 +4338,12 @@
           </a:ln>
         </p:spPr>
         <p:txBody>
-          <a:bodyPr anchorCtr="0" anchor="ctr" bIns="91425" lIns="91425" spcFirstLastPara="1" rIns="91425" wrap="square" tIns="91425">
+          <a:bodyPr spcFirstLastPara="1" wrap="square" lIns="91425" tIns="91425" rIns="91425" bIns="91425" anchor="ctr" anchorCtr="0">
             <a:noAutofit/>
           </a:bodyPr>
           <a:lstStyle/>
           <a:p>
-            <a:pPr indent="0" lvl="0" marL="0" rtl="0" algn="l">
+            <a:pPr marL="0" lvl="0" indent="0" algn="l" rtl="0">
               <a:spcBef>
                 <a:spcPts val="0"/>
               </a:spcBef>
@@ -4374,9 +4352,6 @@
               </a:spcAft>
               <a:buNone/>
             </a:pPr>
-            <a:r>
-              <a:t/>
-            </a:r>
             <a:endParaRPr/>
           </a:p>
         </p:txBody>
@@ -4402,7 +4377,7 @@
             <a:noFill/>
           </a:ln>
           <a:effectLst>
-            <a:outerShdw blurRad="228600" sx="101000" rotWithShape="0" algn="ctr" sy="101000">
+            <a:outerShdw blurRad="228600" sx="101000" sy="101000" algn="ctr" rotWithShape="0">
               <a:srgbClr val="000000">
                 <a:alpha val="40000"/>
               </a:srgbClr>
@@ -4410,12 +4385,12 @@
           </a:effectLst>
         </p:spPr>
         <p:txBody>
-          <a:bodyPr anchorCtr="0" anchor="ctr" bIns="91425" lIns="91425" spcFirstLastPara="1" rIns="91425" wrap="square" tIns="91425">
+          <a:bodyPr spcFirstLastPara="1" wrap="square" lIns="91425" tIns="91425" rIns="91425" bIns="91425" anchor="ctr" anchorCtr="0">
             <a:noAutofit/>
           </a:bodyPr>
           <a:lstStyle/>
           <a:p>
-            <a:pPr indent="0" lvl="0" marL="0" rtl="0" algn="l">
+            <a:pPr marL="0" lvl="0" indent="0" algn="l" rtl="0">
               <a:spcBef>
                 <a:spcPts val="0"/>
               </a:spcBef>
@@ -4424,9 +4399,6 @@
               </a:spcAft>
               <a:buNone/>
             </a:pPr>
-            <a:r>
-              <a:t/>
-            </a:r>
             <a:endParaRPr/>
           </a:p>
         </p:txBody>
@@ -4434,7 +4406,9 @@
       <p:sp>
         <p:nvSpPr>
           <p:cNvPr id="53" name="Google Shape;53;p4"/>
-          <p:cNvSpPr txBox="1"/>
+          <p:cNvSpPr txBox="1">
+            <a:spLocks noGrp="1"/>
+          </p:cNvSpPr>
           <p:nvPr>
             <p:ph type="title"/>
           </p:nvPr>
@@ -4449,7 +4423,7 @@
           </a:prstGeom>
         </p:spPr>
         <p:txBody>
-          <a:bodyPr anchorCtr="0" anchor="t" bIns="91425" lIns="91425" spcFirstLastPara="1" rIns="91425" wrap="square" tIns="91425"/>
+          <a:bodyPr spcFirstLastPara="1" wrap="square" lIns="91425" tIns="91425" rIns="91425" bIns="91425" anchor="t" anchorCtr="0"/>
           <a:lstStyle>
             <a:lvl1pPr lvl="0">
               <a:spcBef>
@@ -4551,15 +4525,19 @@
               <a:defRPr sz="3000"/>
             </a:lvl9pPr>
           </a:lstStyle>
-          <a:p/>
+          <a:p>
+            <a:endParaRPr/>
+          </a:p>
         </p:txBody>
       </p:sp>
       <p:sp>
         <p:nvSpPr>
           <p:cNvPr id="54" name="Google Shape;54;p4"/>
-          <p:cNvSpPr txBox="1"/>
+          <p:cNvSpPr txBox="1">
+            <a:spLocks noGrp="1"/>
+          </p:cNvSpPr>
           <p:nvPr>
-            <p:ph idx="1" type="body"/>
+            <p:ph type="body" idx="1"/>
           </p:nvPr>
         </p:nvSpPr>
         <p:spPr>
@@ -4572,9 +4550,9 @@
           </a:prstGeom>
         </p:spPr>
         <p:txBody>
-          <a:bodyPr anchorCtr="0" anchor="t" bIns="91425" lIns="91425" spcFirstLastPara="1" rIns="91425" wrap="square" tIns="91425"/>
+          <a:bodyPr spcFirstLastPara="1" wrap="square" lIns="91425" tIns="91425" rIns="91425" bIns="91425" anchor="t" anchorCtr="0"/>
           <a:lstStyle>
-            <a:lvl1pPr indent="-311150" lvl="0" marL="457200">
+            <a:lvl1pPr marL="457200" lvl="0" indent="-311150">
               <a:spcBef>
                 <a:spcPts val="0"/>
               </a:spcBef>
@@ -4585,7 +4563,7 @@
               <a:buChar char="●"/>
               <a:defRPr/>
             </a:lvl1pPr>
-            <a:lvl2pPr indent="-298450" lvl="1" marL="914400">
+            <a:lvl2pPr marL="914400" lvl="1" indent="-298450">
               <a:spcBef>
                 <a:spcPts val="1600"/>
               </a:spcBef>
@@ -4596,7 +4574,7 @@
               <a:buChar char="○"/>
               <a:defRPr/>
             </a:lvl2pPr>
-            <a:lvl3pPr indent="-298450" lvl="2" marL="1371600">
+            <a:lvl3pPr marL="1371600" lvl="2" indent="-298450">
               <a:spcBef>
                 <a:spcPts val="1600"/>
               </a:spcBef>
@@ -4607,7 +4585,7 @@
               <a:buChar char="■"/>
               <a:defRPr/>
             </a:lvl3pPr>
-            <a:lvl4pPr indent="-298450" lvl="3" marL="1828800">
+            <a:lvl4pPr marL="1828800" lvl="3" indent="-298450">
               <a:spcBef>
                 <a:spcPts val="1600"/>
               </a:spcBef>
@@ -4618,7 +4596,7 @@
               <a:buChar char="●"/>
               <a:defRPr/>
             </a:lvl4pPr>
-            <a:lvl5pPr indent="-298450" lvl="4" marL="2286000">
+            <a:lvl5pPr marL="2286000" lvl="4" indent="-298450">
               <a:spcBef>
                 <a:spcPts val="1600"/>
               </a:spcBef>
@@ -4629,7 +4607,7 @@
               <a:buChar char="○"/>
               <a:defRPr/>
             </a:lvl5pPr>
-            <a:lvl6pPr indent="-298450" lvl="5" marL="2743200">
+            <a:lvl6pPr marL="2743200" lvl="5" indent="-298450">
               <a:spcBef>
                 <a:spcPts val="1600"/>
               </a:spcBef>
@@ -4640,7 +4618,7 @@
               <a:buChar char="■"/>
               <a:defRPr/>
             </a:lvl6pPr>
-            <a:lvl7pPr indent="-298450" lvl="6" marL="3200400">
+            <a:lvl7pPr marL="3200400" lvl="6" indent="-298450">
               <a:spcBef>
                 <a:spcPts val="1600"/>
               </a:spcBef>
@@ -4651,7 +4629,7 @@
               <a:buChar char="●"/>
               <a:defRPr/>
             </a:lvl7pPr>
-            <a:lvl8pPr indent="-298450" lvl="7" marL="3657600">
+            <a:lvl8pPr marL="3657600" lvl="7" indent="-298450">
               <a:spcBef>
                 <a:spcPts val="1600"/>
               </a:spcBef>
@@ -4662,7 +4640,7 @@
               <a:buChar char="○"/>
               <a:defRPr/>
             </a:lvl8pPr>
-            <a:lvl9pPr indent="-298450" lvl="8" marL="4114800">
+            <a:lvl9pPr marL="4114800" lvl="8" indent="-298450">
               <a:spcBef>
                 <a:spcPts val="1600"/>
               </a:spcBef>
@@ -4674,15 +4652,19 @@
               <a:defRPr/>
             </a:lvl9pPr>
           </a:lstStyle>
-          <a:p/>
+          <a:p>
+            <a:endParaRPr/>
+          </a:p>
         </p:txBody>
       </p:sp>
       <p:sp>
         <p:nvSpPr>
           <p:cNvPr id="55" name="Google Shape;55;p4"/>
-          <p:cNvSpPr txBox="1"/>
+          <p:cNvSpPr txBox="1">
+            <a:spLocks noGrp="1"/>
+          </p:cNvSpPr>
           <p:nvPr>
-            <p:ph idx="12" type="sldNum"/>
+            <p:ph type="sldNum" idx="12"/>
           </p:nvPr>
         </p:nvSpPr>
         <p:spPr>
@@ -4695,7 +4677,7 @@
           </a:prstGeom>
         </p:spPr>
         <p:txBody>
-          <a:bodyPr anchorCtr="0" anchor="ctr" bIns="91425" lIns="91425" spcFirstLastPara="1" rIns="91425" wrap="square" tIns="91425">
+          <a:bodyPr spcFirstLastPara="1" wrap="square" lIns="91425" tIns="91425" rIns="91425" bIns="91425" anchor="ctr" anchorCtr="0">
             <a:noAutofit/>
           </a:bodyPr>
           <a:lstStyle>
@@ -4737,7 +4719,7 @@
             </a:lvl9pPr>
           </a:lstStyle>
           <a:p>
-            <a:pPr indent="0" lvl="0" marL="0" rtl="0" algn="r">
+            <a:pPr marL="0" lvl="0" indent="0" algn="r" rtl="0">
               <a:spcBef>
                 <a:spcPts val="0"/>
               </a:spcBef>
@@ -4763,18 +4745,19 @@
 </file>
 
 <file path=ppt/slideLayouts/slideLayout4.xml><?xml version="1.0" encoding="utf-8"?>
-<p:sldLayout xmlns:a="http://schemas.openxmlformats.org/drawingml/2006/main" xmlns:r="http://schemas.openxmlformats.org/officeDocument/2006/relationships" xmlns:mc="http://schemas.openxmlformats.org/markup-compatibility/2006" xmlns:mv="urn:schemas-microsoft-com:mac:vml" xmlns:p="http://schemas.openxmlformats.org/presentationml/2006/main" xmlns:c="http://schemas.openxmlformats.org/drawingml/2006/chart" xmlns:dgm="http://schemas.openxmlformats.org/drawingml/2006/diagram" xmlns:o="urn:schemas-microsoft-com:office:office" xmlns:v="urn:schemas-microsoft-com:vml" xmlns:pvml="urn:schemas-microsoft-com:office:powerpoint" xmlns:com="http://schemas.openxmlformats.org/drawingml/2006/compatibility" xmlns:p14="http://schemas.microsoft.com/office/powerpoint/2010/main" xmlns:p15="http://schemas.microsoft.com/office/powerpoint/2012/main" matchingName="Title and two columns" type="twoColTx">
+<p:sldLayout xmlns:a="http://schemas.openxmlformats.org/drawingml/2006/main" xmlns:r="http://schemas.openxmlformats.org/officeDocument/2006/relationships" xmlns:p="http://schemas.openxmlformats.org/presentationml/2006/main" matchingName="Title and two columns" type="twoColTx">
   <p:cSld name="TITLE_AND_TWO_COLUMNS">
     <p:bg>
       <p:bgPr>
         <a:solidFill>
           <a:schemeClr val="dk2"/>
         </a:solidFill>
+        <a:effectLst/>
       </p:bgPr>
     </p:bg>
     <p:spTree>
       <p:nvGrpSpPr>
-        <p:cNvPr id="56" name="Shape 56"/>
+        <p:cNvPr id="1" name="Shape 56"/>
         <p:cNvGrpSpPr/>
         <p:nvPr/>
       </p:nvGrpSpPr>
@@ -4808,12 +4791,12 @@
           </a:ln>
         </p:spPr>
         <p:txBody>
-          <a:bodyPr anchorCtr="0" anchor="ctr" bIns="91425" lIns="91425" spcFirstLastPara="1" rIns="91425" wrap="square" tIns="91425">
+          <a:bodyPr spcFirstLastPara="1" wrap="square" lIns="91425" tIns="91425" rIns="91425" bIns="91425" anchor="ctr" anchorCtr="0">
             <a:noAutofit/>
           </a:bodyPr>
           <a:lstStyle/>
           <a:p>
-            <a:pPr indent="0" lvl="0" marL="0" rtl="0" algn="l">
+            <a:pPr marL="0" lvl="0" indent="0" algn="l" rtl="0">
               <a:spcBef>
                 <a:spcPts val="0"/>
               </a:spcBef>
@@ -4822,9 +4805,6 @@
               </a:spcAft>
               <a:buNone/>
             </a:pPr>
-            <a:r>
-              <a:t/>
-            </a:r>
             <a:endParaRPr/>
           </a:p>
         </p:txBody>
@@ -4851,12 +4831,12 @@
           </a:ln>
         </p:spPr>
         <p:txBody>
-          <a:bodyPr anchorCtr="0" anchor="ctr" bIns="91425" lIns="91425" spcFirstLastPara="1" rIns="91425" wrap="square" tIns="91425">
+          <a:bodyPr spcFirstLastPara="1" wrap="square" lIns="91425" tIns="91425" rIns="91425" bIns="91425" anchor="ctr" anchorCtr="0">
             <a:noAutofit/>
           </a:bodyPr>
           <a:lstStyle/>
           <a:p>
-            <a:pPr indent="0" lvl="0" marL="0" rtl="0" algn="l">
+            <a:pPr marL="0" lvl="0" indent="0" algn="l" rtl="0">
               <a:spcBef>
                 <a:spcPts val="0"/>
               </a:spcBef>
@@ -4865,9 +4845,6 @@
               </a:spcAft>
               <a:buNone/>
             </a:pPr>
-            <a:r>
-              <a:t/>
-            </a:r>
             <a:endParaRPr/>
           </a:p>
         </p:txBody>
@@ -4893,7 +4870,7 @@
             <a:noFill/>
           </a:ln>
           <a:effectLst>
-            <a:outerShdw blurRad="228600" sx="101000" rotWithShape="0" algn="ctr" sy="101000">
+            <a:outerShdw blurRad="228600" sx="101000" sy="101000" algn="ctr" rotWithShape="0">
               <a:srgbClr val="000000">
                 <a:alpha val="40000"/>
               </a:srgbClr>
@@ -4901,12 +4878,12 @@
           </a:effectLst>
         </p:spPr>
         <p:txBody>
-          <a:bodyPr anchorCtr="0" anchor="ctr" bIns="91425" lIns="91425" spcFirstLastPara="1" rIns="91425" wrap="square" tIns="91425">
+          <a:bodyPr spcFirstLastPara="1" wrap="square" lIns="91425" tIns="91425" rIns="91425" bIns="91425" anchor="ctr" anchorCtr="0">
             <a:noAutofit/>
           </a:bodyPr>
           <a:lstStyle/>
           <a:p>
-            <a:pPr indent="0" lvl="0" marL="0" rtl="0" algn="l">
+            <a:pPr marL="0" lvl="0" indent="0" algn="l" rtl="0">
               <a:spcBef>
                 <a:spcPts val="0"/>
               </a:spcBef>
@@ -4915,9 +4892,6 @@
               </a:spcAft>
               <a:buNone/>
             </a:pPr>
-            <a:r>
-              <a:t/>
-            </a:r>
             <a:endParaRPr/>
           </a:p>
         </p:txBody>
@@ -4925,7 +4899,9 @@
       <p:sp>
         <p:nvSpPr>
           <p:cNvPr id="60" name="Google Shape;60;p5"/>
-          <p:cNvSpPr txBox="1"/>
+          <p:cNvSpPr txBox="1">
+            <a:spLocks noGrp="1"/>
+          </p:cNvSpPr>
           <p:nvPr>
             <p:ph type="title"/>
           </p:nvPr>
@@ -4940,7 +4916,7 @@
           </a:prstGeom>
         </p:spPr>
         <p:txBody>
-          <a:bodyPr anchorCtr="0" anchor="t" bIns="91425" lIns="91425" spcFirstLastPara="1" rIns="91425" wrap="square" tIns="91425"/>
+          <a:bodyPr spcFirstLastPara="1" wrap="square" lIns="91425" tIns="91425" rIns="91425" bIns="91425" anchor="t" anchorCtr="0"/>
           <a:lstStyle>
             <a:lvl1pPr lvl="0">
               <a:spcBef>
@@ -5042,15 +5018,19 @@
               <a:defRPr sz="3000"/>
             </a:lvl9pPr>
           </a:lstStyle>
-          <a:p/>
+          <a:p>
+            <a:endParaRPr/>
+          </a:p>
         </p:txBody>
       </p:sp>
       <p:sp>
         <p:nvSpPr>
           <p:cNvPr id="61" name="Google Shape;61;p5"/>
-          <p:cNvSpPr txBox="1"/>
+          <p:cNvSpPr txBox="1">
+            <a:spLocks noGrp="1"/>
+          </p:cNvSpPr>
           <p:nvPr>
-            <p:ph idx="1" type="body"/>
+            <p:ph type="body" idx="1"/>
           </p:nvPr>
         </p:nvSpPr>
         <p:spPr>
@@ -5063,9 +5043,9 @@
           </a:prstGeom>
         </p:spPr>
         <p:txBody>
-          <a:bodyPr anchorCtr="0" anchor="t" bIns="91425" lIns="91425" spcFirstLastPara="1" rIns="91425" wrap="square" tIns="91425"/>
+          <a:bodyPr spcFirstLastPara="1" wrap="square" lIns="91425" tIns="91425" rIns="91425" bIns="91425" anchor="t" anchorCtr="0"/>
           <a:lstStyle>
-            <a:lvl1pPr indent="-311150" lvl="0" marL="457200">
+            <a:lvl1pPr marL="457200" lvl="0" indent="-311150">
               <a:spcBef>
                 <a:spcPts val="0"/>
               </a:spcBef>
@@ -5076,7 +5056,7 @@
               <a:buChar char="●"/>
               <a:defRPr/>
             </a:lvl1pPr>
-            <a:lvl2pPr indent="-298450" lvl="1" marL="914400">
+            <a:lvl2pPr marL="914400" lvl="1" indent="-298450">
               <a:spcBef>
                 <a:spcPts val="1600"/>
               </a:spcBef>
@@ -5087,7 +5067,7 @@
               <a:buChar char="○"/>
               <a:defRPr/>
             </a:lvl2pPr>
-            <a:lvl3pPr indent="-298450" lvl="2" marL="1371600">
+            <a:lvl3pPr marL="1371600" lvl="2" indent="-298450">
               <a:spcBef>
                 <a:spcPts val="1600"/>
               </a:spcBef>
@@ -5098,7 +5078,7 @@
               <a:buChar char="■"/>
               <a:defRPr/>
             </a:lvl3pPr>
-            <a:lvl4pPr indent="-298450" lvl="3" marL="1828800">
+            <a:lvl4pPr marL="1828800" lvl="3" indent="-298450">
               <a:spcBef>
                 <a:spcPts val="1600"/>
               </a:spcBef>
@@ -5109,7 +5089,7 @@
               <a:buChar char="●"/>
               <a:defRPr/>
             </a:lvl4pPr>
-            <a:lvl5pPr indent="-298450" lvl="4" marL="2286000">
+            <a:lvl5pPr marL="2286000" lvl="4" indent="-298450">
               <a:spcBef>
                 <a:spcPts val="1600"/>
               </a:spcBef>
@@ -5120,7 +5100,7 @@
               <a:buChar char="○"/>
               <a:defRPr/>
             </a:lvl5pPr>
-            <a:lvl6pPr indent="-298450" lvl="5" marL="2743200">
+            <a:lvl6pPr marL="2743200" lvl="5" indent="-298450">
               <a:spcBef>
                 <a:spcPts val="1600"/>
               </a:spcBef>
@@ -5131,7 +5111,7 @@
               <a:buChar char="■"/>
               <a:defRPr/>
             </a:lvl6pPr>
-            <a:lvl7pPr indent="-298450" lvl="6" marL="3200400">
+            <a:lvl7pPr marL="3200400" lvl="6" indent="-298450">
               <a:spcBef>
                 <a:spcPts val="1600"/>
               </a:spcBef>
@@ -5142,7 +5122,7 @@
               <a:buChar char="●"/>
               <a:defRPr/>
             </a:lvl7pPr>
-            <a:lvl8pPr indent="-298450" lvl="7" marL="3657600">
+            <a:lvl8pPr marL="3657600" lvl="7" indent="-298450">
               <a:spcBef>
                 <a:spcPts val="1600"/>
               </a:spcBef>
@@ -5153,7 +5133,7 @@
               <a:buChar char="○"/>
               <a:defRPr/>
             </a:lvl8pPr>
-            <a:lvl9pPr indent="-298450" lvl="8" marL="4114800">
+            <a:lvl9pPr marL="4114800" lvl="8" indent="-298450">
               <a:spcBef>
                 <a:spcPts val="1600"/>
               </a:spcBef>
@@ -5165,15 +5145,19 @@
               <a:defRPr/>
             </a:lvl9pPr>
           </a:lstStyle>
-          <a:p/>
+          <a:p>
+            <a:endParaRPr/>
+          </a:p>
         </p:txBody>
       </p:sp>
       <p:sp>
         <p:nvSpPr>
           <p:cNvPr id="62" name="Google Shape;62;p5"/>
-          <p:cNvSpPr txBox="1"/>
+          <p:cNvSpPr txBox="1">
+            <a:spLocks noGrp="1"/>
+          </p:cNvSpPr>
           <p:nvPr>
-            <p:ph idx="2" type="body"/>
+            <p:ph type="body" idx="2"/>
           </p:nvPr>
         </p:nvSpPr>
         <p:spPr>
@@ -5186,9 +5170,9 @@
           </a:prstGeom>
         </p:spPr>
         <p:txBody>
-          <a:bodyPr anchorCtr="0" anchor="t" bIns="91425" lIns="91425" spcFirstLastPara="1" rIns="91425" wrap="square" tIns="91425"/>
+          <a:bodyPr spcFirstLastPara="1" wrap="square" lIns="91425" tIns="91425" rIns="91425" bIns="91425" anchor="t" anchorCtr="0"/>
           <a:lstStyle>
-            <a:lvl1pPr indent="-311150" lvl="0" marL="457200">
+            <a:lvl1pPr marL="457200" lvl="0" indent="-311150">
               <a:spcBef>
                 <a:spcPts val="0"/>
               </a:spcBef>
@@ -5199,7 +5183,7 @@
               <a:buChar char="●"/>
               <a:defRPr/>
             </a:lvl1pPr>
-            <a:lvl2pPr indent="-298450" lvl="1" marL="914400">
+            <a:lvl2pPr marL="914400" lvl="1" indent="-298450">
               <a:spcBef>
                 <a:spcPts val="1600"/>
               </a:spcBef>
@@ -5210,7 +5194,7 @@
               <a:buChar char="○"/>
               <a:defRPr/>
             </a:lvl2pPr>
-            <a:lvl3pPr indent="-298450" lvl="2" marL="1371600">
+            <a:lvl3pPr marL="1371600" lvl="2" indent="-298450">
               <a:spcBef>
                 <a:spcPts val="1600"/>
               </a:spcBef>
@@ -5221,7 +5205,7 @@
               <a:buChar char="■"/>
               <a:defRPr/>
             </a:lvl3pPr>
-            <a:lvl4pPr indent="-298450" lvl="3" marL="1828800">
+            <a:lvl4pPr marL="1828800" lvl="3" indent="-298450">
               <a:spcBef>
                 <a:spcPts val="1600"/>
               </a:spcBef>
@@ -5232,7 +5216,7 @@
               <a:buChar char="●"/>
               <a:defRPr/>
             </a:lvl4pPr>
-            <a:lvl5pPr indent="-298450" lvl="4" marL="2286000">
+            <a:lvl5pPr marL="2286000" lvl="4" indent="-298450">
               <a:spcBef>
                 <a:spcPts val="1600"/>
               </a:spcBef>
@@ -5243,7 +5227,7 @@
               <a:buChar char="○"/>
               <a:defRPr/>
             </a:lvl5pPr>
-            <a:lvl6pPr indent="-298450" lvl="5" marL="2743200">
+            <a:lvl6pPr marL="2743200" lvl="5" indent="-298450">
               <a:spcBef>
                 <a:spcPts val="1600"/>
               </a:spcBef>
@@ -5254,7 +5238,7 @@
               <a:buChar char="■"/>
               <a:defRPr/>
             </a:lvl6pPr>
-            <a:lvl7pPr indent="-298450" lvl="6" marL="3200400">
+            <a:lvl7pPr marL="3200400" lvl="6" indent="-298450">
               <a:spcBef>
                 <a:spcPts val="1600"/>
               </a:spcBef>
@@ -5265,7 +5249,7 @@
               <a:buChar char="●"/>
               <a:defRPr/>
             </a:lvl7pPr>
-            <a:lvl8pPr indent="-298450" lvl="7" marL="3657600">
+            <a:lvl8pPr marL="3657600" lvl="7" indent="-298450">
               <a:spcBef>
                 <a:spcPts val="1600"/>
               </a:spcBef>
@@ -5276,7 +5260,7 @@
               <a:buChar char="○"/>
               <a:defRPr/>
             </a:lvl8pPr>
-            <a:lvl9pPr indent="-298450" lvl="8" marL="4114800">
+            <a:lvl9pPr marL="4114800" lvl="8" indent="-298450">
               <a:spcBef>
                 <a:spcPts val="1600"/>
               </a:spcBef>
@@ -5288,15 +5272,19 @@
               <a:defRPr/>
             </a:lvl9pPr>
           </a:lstStyle>
-          <a:p/>
+          <a:p>
+            <a:endParaRPr/>
+          </a:p>
         </p:txBody>
       </p:sp>
       <p:sp>
         <p:nvSpPr>
           <p:cNvPr id="63" name="Google Shape;63;p5"/>
-          <p:cNvSpPr txBox="1"/>
+          <p:cNvSpPr txBox="1">
+            <a:spLocks noGrp="1"/>
+          </p:cNvSpPr>
           <p:nvPr>
-            <p:ph idx="12" type="sldNum"/>
+            <p:ph type="sldNum" idx="12"/>
           </p:nvPr>
         </p:nvSpPr>
         <p:spPr>
@@ -5309,7 +5297,7 @@
           </a:prstGeom>
         </p:spPr>
         <p:txBody>
-          <a:bodyPr anchorCtr="0" anchor="ctr" bIns="91425" lIns="91425" spcFirstLastPara="1" rIns="91425" wrap="square" tIns="91425">
+          <a:bodyPr spcFirstLastPara="1" wrap="square" lIns="91425" tIns="91425" rIns="91425" bIns="91425" anchor="ctr" anchorCtr="0">
             <a:noAutofit/>
           </a:bodyPr>
           <a:lstStyle>
@@ -5351,7 +5339,7 @@
             </a:lvl9pPr>
           </a:lstStyle>
           <a:p>
-            <a:pPr indent="0" lvl="0" marL="0" rtl="0" algn="r">
+            <a:pPr marL="0" lvl="0" indent="0" algn="r" rtl="0">
               <a:spcBef>
                 <a:spcPts val="0"/>
               </a:spcBef>
@@ -5377,18 +5365,19 @@
 </file>
 
 <file path=ppt/slideLayouts/slideLayout5.xml><?xml version="1.0" encoding="utf-8"?>
-<p:sldLayout xmlns:a="http://schemas.openxmlformats.org/drawingml/2006/main" xmlns:r="http://schemas.openxmlformats.org/officeDocument/2006/relationships" xmlns:mc="http://schemas.openxmlformats.org/markup-compatibility/2006" xmlns:mv="urn:schemas-microsoft-com:mac:vml" xmlns:p="http://schemas.openxmlformats.org/presentationml/2006/main" xmlns:c="http://schemas.openxmlformats.org/drawingml/2006/chart" xmlns:dgm="http://schemas.openxmlformats.org/drawingml/2006/diagram" xmlns:o="urn:schemas-microsoft-com:office:office" xmlns:v="urn:schemas-microsoft-com:vml" xmlns:pvml="urn:schemas-microsoft-com:office:powerpoint" xmlns:com="http://schemas.openxmlformats.org/drawingml/2006/compatibility" xmlns:p14="http://schemas.microsoft.com/office/powerpoint/2010/main" xmlns:p15="http://schemas.microsoft.com/office/powerpoint/2012/main" matchingName="Title only" type="titleOnly">
+<p:sldLayout xmlns:a="http://schemas.openxmlformats.org/drawingml/2006/main" xmlns:r="http://schemas.openxmlformats.org/officeDocument/2006/relationships" xmlns:p="http://schemas.openxmlformats.org/presentationml/2006/main" matchingName="Title only" type="titleOnly">
   <p:cSld name="TITLE_ONLY">
     <p:bg>
       <p:bgPr>
         <a:solidFill>
           <a:schemeClr val="dk2"/>
         </a:solidFill>
+        <a:effectLst/>
       </p:bgPr>
     </p:bg>
     <p:spTree>
       <p:nvGrpSpPr>
-        <p:cNvPr id="64" name="Shape 64"/>
+        <p:cNvPr id="1" name="Shape 64"/>
         <p:cNvGrpSpPr/>
         <p:nvPr/>
       </p:nvGrpSpPr>
@@ -5422,12 +5411,12 @@
           </a:ln>
         </p:spPr>
         <p:txBody>
-          <a:bodyPr anchorCtr="0" anchor="ctr" bIns="91425" lIns="91425" spcFirstLastPara="1" rIns="91425" wrap="square" tIns="91425">
+          <a:bodyPr spcFirstLastPara="1" wrap="square" lIns="91425" tIns="91425" rIns="91425" bIns="91425" anchor="ctr" anchorCtr="0">
             <a:noAutofit/>
           </a:bodyPr>
           <a:lstStyle/>
           <a:p>
-            <a:pPr indent="0" lvl="0" marL="0" rtl="0" algn="l">
+            <a:pPr marL="0" lvl="0" indent="0" algn="l" rtl="0">
               <a:spcBef>
                 <a:spcPts val="0"/>
               </a:spcBef>
@@ -5436,9 +5425,6 @@
               </a:spcAft>
               <a:buNone/>
             </a:pPr>
-            <a:r>
-              <a:t/>
-            </a:r>
             <a:endParaRPr/>
           </a:p>
         </p:txBody>
@@ -5465,12 +5451,12 @@
           </a:ln>
         </p:spPr>
         <p:txBody>
-          <a:bodyPr anchorCtr="0" anchor="ctr" bIns="91425" lIns="91425" spcFirstLastPara="1" rIns="91425" wrap="square" tIns="91425">
+          <a:bodyPr spcFirstLastPara="1" wrap="square" lIns="91425" tIns="91425" rIns="91425" bIns="91425" anchor="ctr" anchorCtr="0">
             <a:noAutofit/>
           </a:bodyPr>
           <a:lstStyle/>
           <a:p>
-            <a:pPr indent="0" lvl="0" marL="0" rtl="0" algn="l">
+            <a:pPr marL="0" lvl="0" indent="0" algn="l" rtl="0">
               <a:spcBef>
                 <a:spcPts val="0"/>
               </a:spcBef>
@@ -5479,9 +5465,6 @@
               </a:spcAft>
               <a:buNone/>
             </a:pPr>
-            <a:r>
-              <a:t/>
-            </a:r>
             <a:endParaRPr/>
           </a:p>
         </p:txBody>
@@ -5507,7 +5490,7 @@
             <a:noFill/>
           </a:ln>
           <a:effectLst>
-            <a:outerShdw blurRad="228600" sx="101000" rotWithShape="0" algn="ctr" sy="101000">
+            <a:outerShdw blurRad="228600" sx="101000" sy="101000" algn="ctr" rotWithShape="0">
               <a:srgbClr val="000000">
                 <a:alpha val="40000"/>
               </a:srgbClr>
@@ -5515,12 +5498,12 @@
           </a:effectLst>
         </p:spPr>
         <p:txBody>
-          <a:bodyPr anchorCtr="0" anchor="ctr" bIns="91425" lIns="91425" spcFirstLastPara="1" rIns="91425" wrap="square" tIns="91425">
+          <a:bodyPr spcFirstLastPara="1" wrap="square" lIns="91425" tIns="91425" rIns="91425" bIns="91425" anchor="ctr" anchorCtr="0">
             <a:noAutofit/>
           </a:bodyPr>
           <a:lstStyle/>
           <a:p>
-            <a:pPr indent="0" lvl="0" marL="0" rtl="0" algn="l">
+            <a:pPr marL="0" lvl="0" indent="0" algn="l" rtl="0">
               <a:spcBef>
                 <a:spcPts val="0"/>
               </a:spcBef>
@@ -5529,9 +5512,6 @@
               </a:spcAft>
               <a:buNone/>
             </a:pPr>
-            <a:r>
-              <a:t/>
-            </a:r>
             <a:endParaRPr/>
           </a:p>
         </p:txBody>
@@ -5539,7 +5519,9 @@
       <p:sp>
         <p:nvSpPr>
           <p:cNvPr id="68" name="Google Shape;68;p6"/>
-          <p:cNvSpPr txBox="1"/>
+          <p:cNvSpPr txBox="1">
+            <a:spLocks noGrp="1"/>
+          </p:cNvSpPr>
           <p:nvPr>
             <p:ph type="title"/>
           </p:nvPr>
@@ -5554,7 +5536,7 @@
           </a:prstGeom>
         </p:spPr>
         <p:txBody>
-          <a:bodyPr anchorCtr="0" anchor="t" bIns="91425" lIns="91425" spcFirstLastPara="1" rIns="91425" wrap="square" tIns="91425"/>
+          <a:bodyPr spcFirstLastPara="1" wrap="square" lIns="91425" tIns="91425" rIns="91425" bIns="91425" anchor="t" anchorCtr="0"/>
           <a:lstStyle>
             <a:lvl1pPr lvl="0">
               <a:spcBef>
@@ -5656,15 +5638,19 @@
               <a:defRPr sz="3000"/>
             </a:lvl9pPr>
           </a:lstStyle>
-          <a:p/>
+          <a:p>
+            <a:endParaRPr/>
+          </a:p>
         </p:txBody>
       </p:sp>
       <p:sp>
         <p:nvSpPr>
           <p:cNvPr id="69" name="Google Shape;69;p6"/>
-          <p:cNvSpPr txBox="1"/>
+          <p:cNvSpPr txBox="1">
+            <a:spLocks noGrp="1"/>
+          </p:cNvSpPr>
           <p:nvPr>
-            <p:ph idx="12" type="sldNum"/>
+            <p:ph type="sldNum" idx="12"/>
           </p:nvPr>
         </p:nvSpPr>
         <p:spPr>
@@ -5677,7 +5663,7 @@
           </a:prstGeom>
         </p:spPr>
         <p:txBody>
-          <a:bodyPr anchorCtr="0" anchor="ctr" bIns="91425" lIns="91425" spcFirstLastPara="1" rIns="91425" wrap="square" tIns="91425">
+          <a:bodyPr spcFirstLastPara="1" wrap="square" lIns="91425" tIns="91425" rIns="91425" bIns="91425" anchor="ctr" anchorCtr="0">
             <a:noAutofit/>
           </a:bodyPr>
           <a:lstStyle>
@@ -5719,7 +5705,7 @@
             </a:lvl9pPr>
           </a:lstStyle>
           <a:p>
-            <a:pPr indent="0" lvl="0" marL="0" rtl="0" algn="r">
+            <a:pPr marL="0" lvl="0" indent="0" algn="r" rtl="0">
               <a:spcBef>
                 <a:spcPts val="0"/>
               </a:spcBef>
@@ -5745,18 +5731,19 @@
 </file>
 
 <file path=ppt/slideLayouts/slideLayout6.xml><?xml version="1.0" encoding="utf-8"?>
-<p:sldLayout xmlns:a="http://schemas.openxmlformats.org/drawingml/2006/main" xmlns:r="http://schemas.openxmlformats.org/officeDocument/2006/relationships" xmlns:mc="http://schemas.openxmlformats.org/markup-compatibility/2006" xmlns:mv="urn:schemas-microsoft-com:mac:vml" xmlns:p="http://schemas.openxmlformats.org/presentationml/2006/main" xmlns:c="http://schemas.openxmlformats.org/drawingml/2006/chart" xmlns:dgm="http://schemas.openxmlformats.org/drawingml/2006/diagram" xmlns:o="urn:schemas-microsoft-com:office:office" xmlns:v="urn:schemas-microsoft-com:vml" xmlns:pvml="urn:schemas-microsoft-com:office:powerpoint" xmlns:com="http://schemas.openxmlformats.org/drawingml/2006/compatibility" xmlns:p14="http://schemas.microsoft.com/office/powerpoint/2010/main" xmlns:p15="http://schemas.microsoft.com/office/powerpoint/2012/main" matchingName="One column text">
+<p:sldLayout xmlns:a="http://schemas.openxmlformats.org/drawingml/2006/main" xmlns:r="http://schemas.openxmlformats.org/officeDocument/2006/relationships" xmlns:p="http://schemas.openxmlformats.org/presentationml/2006/main" matchingName="One column text">
   <p:cSld name="ONE_COLUMN_TEXT">
     <p:bg>
       <p:bgPr>
         <a:solidFill>
           <a:schemeClr val="accent3"/>
         </a:solidFill>
+        <a:effectLst/>
       </p:bgPr>
     </p:bg>
     <p:spTree>
       <p:nvGrpSpPr>
-        <p:cNvPr id="70" name="Shape 70"/>
+        <p:cNvPr id="1" name="Shape 70"/>
         <p:cNvGrpSpPr/>
         <p:nvPr/>
       </p:nvGrpSpPr>
@@ -5790,12 +5777,12 @@
           </a:ln>
         </p:spPr>
         <p:txBody>
-          <a:bodyPr anchorCtr="0" anchor="ctr" bIns="91425" lIns="91425" spcFirstLastPara="1" rIns="91425" wrap="square" tIns="91425">
+          <a:bodyPr spcFirstLastPara="1" wrap="square" lIns="91425" tIns="91425" rIns="91425" bIns="91425" anchor="ctr" anchorCtr="0">
             <a:noAutofit/>
           </a:bodyPr>
           <a:lstStyle/>
           <a:p>
-            <a:pPr indent="0" lvl="0" marL="0" rtl="0" algn="l">
+            <a:pPr marL="0" lvl="0" indent="0" algn="l" rtl="0">
               <a:spcBef>
                 <a:spcPts val="0"/>
               </a:spcBef>
@@ -5804,9 +5791,6 @@
               </a:spcAft>
               <a:buNone/>
             </a:pPr>
-            <a:r>
-              <a:t/>
-            </a:r>
             <a:endParaRPr/>
           </a:p>
         </p:txBody>
@@ -5833,12 +5817,12 @@
           </a:ln>
         </p:spPr>
         <p:txBody>
-          <a:bodyPr anchorCtr="0" anchor="ctr" bIns="91425" lIns="91425" spcFirstLastPara="1" rIns="91425" wrap="square" tIns="91425">
+          <a:bodyPr spcFirstLastPara="1" wrap="square" lIns="91425" tIns="91425" rIns="91425" bIns="91425" anchor="ctr" anchorCtr="0">
             <a:noAutofit/>
           </a:bodyPr>
           <a:lstStyle/>
           <a:p>
-            <a:pPr indent="0" lvl="0" marL="0" rtl="0" algn="l">
+            <a:pPr marL="0" lvl="0" indent="0" algn="l" rtl="0">
               <a:spcBef>
                 <a:spcPts val="0"/>
               </a:spcBef>
@@ -5847,9 +5831,6 @@
               </a:spcAft>
               <a:buNone/>
             </a:pPr>
-            <a:r>
-              <a:t/>
-            </a:r>
             <a:endParaRPr/>
           </a:p>
         </p:txBody>
@@ -5875,7 +5856,7 @@
             <a:noFill/>
           </a:ln>
           <a:effectLst>
-            <a:outerShdw blurRad="228600" sx="101000" rotWithShape="0" algn="ctr" sy="101000">
+            <a:outerShdw blurRad="228600" sx="101000" sy="101000" algn="ctr" rotWithShape="0">
               <a:srgbClr val="000000">
                 <a:alpha val="40000"/>
               </a:srgbClr>
@@ -5883,12 +5864,12 @@
           </a:effectLst>
         </p:spPr>
         <p:txBody>
-          <a:bodyPr anchorCtr="0" anchor="ctr" bIns="91425" lIns="91425" spcFirstLastPara="1" rIns="91425" wrap="square" tIns="91425">
+          <a:bodyPr spcFirstLastPara="1" wrap="square" lIns="91425" tIns="91425" rIns="91425" bIns="91425" anchor="ctr" anchorCtr="0">
             <a:noAutofit/>
           </a:bodyPr>
           <a:lstStyle/>
           <a:p>
-            <a:pPr indent="0" lvl="0" marL="0" rtl="0" algn="l">
+            <a:pPr marL="0" lvl="0" indent="0" algn="l" rtl="0">
               <a:spcBef>
                 <a:spcPts val="0"/>
               </a:spcBef>
@@ -5897,9 +5878,6 @@
               </a:spcAft>
               <a:buNone/>
             </a:pPr>
-            <a:r>
-              <a:t/>
-            </a:r>
             <a:endParaRPr/>
           </a:p>
         </p:txBody>
@@ -5907,7 +5885,9 @@
       <p:sp>
         <p:nvSpPr>
           <p:cNvPr id="74" name="Google Shape;74;p7"/>
-          <p:cNvSpPr txBox="1"/>
+          <p:cNvSpPr txBox="1">
+            <a:spLocks noGrp="1"/>
+          </p:cNvSpPr>
           <p:nvPr>
             <p:ph type="title"/>
           </p:nvPr>
@@ -5922,7 +5902,7 @@
           </a:prstGeom>
         </p:spPr>
         <p:txBody>
-          <a:bodyPr anchorCtr="0" anchor="t" bIns="91425" lIns="91425" spcFirstLastPara="1" rIns="91425" wrap="square" tIns="91425"/>
+          <a:bodyPr spcFirstLastPara="1" wrap="square" lIns="91425" tIns="91425" rIns="91425" bIns="91425" anchor="t" anchorCtr="0"/>
           <a:lstStyle>
             <a:lvl1pPr lvl="0">
               <a:spcBef>
@@ -6024,15 +6004,19 @@
               <a:defRPr sz="3000"/>
             </a:lvl9pPr>
           </a:lstStyle>
-          <a:p/>
+          <a:p>
+            <a:endParaRPr/>
+          </a:p>
         </p:txBody>
       </p:sp>
       <p:sp>
         <p:nvSpPr>
           <p:cNvPr id="75" name="Google Shape;75;p7"/>
-          <p:cNvSpPr txBox="1"/>
+          <p:cNvSpPr txBox="1">
+            <a:spLocks noGrp="1"/>
+          </p:cNvSpPr>
           <p:nvPr>
-            <p:ph idx="1" type="body"/>
+            <p:ph type="body" idx="1"/>
           </p:nvPr>
         </p:nvSpPr>
         <p:spPr>
@@ -6045,9 +6029,9 @@
           </a:prstGeom>
         </p:spPr>
         <p:txBody>
-          <a:bodyPr anchorCtr="0" anchor="t" bIns="91425" lIns="91425" spcFirstLastPara="1" rIns="91425" wrap="square" tIns="91425"/>
+          <a:bodyPr spcFirstLastPara="1" wrap="square" lIns="91425" tIns="91425" rIns="91425" bIns="91425" anchor="t" anchorCtr="0"/>
           <a:lstStyle>
-            <a:lvl1pPr indent="-311150" lvl="0" marL="457200">
+            <a:lvl1pPr marL="457200" lvl="0" indent="-311150">
               <a:spcBef>
                 <a:spcPts val="0"/>
               </a:spcBef>
@@ -6058,7 +6042,7 @@
               <a:buChar char="●"/>
               <a:defRPr/>
             </a:lvl1pPr>
-            <a:lvl2pPr indent="-298450" lvl="1" marL="914400">
+            <a:lvl2pPr marL="914400" lvl="1" indent="-298450">
               <a:spcBef>
                 <a:spcPts val="1600"/>
               </a:spcBef>
@@ -6069,7 +6053,7 @@
               <a:buChar char="○"/>
               <a:defRPr/>
             </a:lvl2pPr>
-            <a:lvl3pPr indent="-298450" lvl="2" marL="1371600">
+            <a:lvl3pPr marL="1371600" lvl="2" indent="-298450">
               <a:spcBef>
                 <a:spcPts val="1600"/>
               </a:spcBef>
@@ -6080,7 +6064,7 @@
               <a:buChar char="■"/>
               <a:defRPr/>
             </a:lvl3pPr>
-            <a:lvl4pPr indent="-298450" lvl="3" marL="1828800">
+            <a:lvl4pPr marL="1828800" lvl="3" indent="-298450">
               <a:spcBef>
                 <a:spcPts val="1600"/>
               </a:spcBef>
@@ -6091,7 +6075,7 @@
               <a:buChar char="●"/>
               <a:defRPr/>
             </a:lvl4pPr>
-            <a:lvl5pPr indent="-298450" lvl="4" marL="2286000">
+            <a:lvl5pPr marL="2286000" lvl="4" indent="-298450">
               <a:spcBef>
                 <a:spcPts val="1600"/>
               </a:spcBef>
@@ -6102,7 +6086,7 @@
               <a:buChar char="○"/>
               <a:defRPr/>
             </a:lvl5pPr>
-            <a:lvl6pPr indent="-298450" lvl="5" marL="2743200">
+            <a:lvl6pPr marL="2743200" lvl="5" indent="-298450">
               <a:spcBef>
                 <a:spcPts val="1600"/>
               </a:spcBef>
@@ -6113,7 +6097,7 @@
               <a:buChar char="■"/>
               <a:defRPr/>
             </a:lvl6pPr>
-            <a:lvl7pPr indent="-298450" lvl="6" marL="3200400">
+            <a:lvl7pPr marL="3200400" lvl="6" indent="-298450">
               <a:spcBef>
                 <a:spcPts val="1600"/>
               </a:spcBef>
@@ -6124,7 +6108,7 @@
               <a:buChar char="●"/>
               <a:defRPr/>
             </a:lvl7pPr>
-            <a:lvl8pPr indent="-298450" lvl="7" marL="3657600">
+            <a:lvl8pPr marL="3657600" lvl="7" indent="-298450">
               <a:spcBef>
                 <a:spcPts val="1600"/>
               </a:spcBef>
@@ -6135,7 +6119,7 @@
               <a:buChar char="○"/>
               <a:defRPr/>
             </a:lvl8pPr>
-            <a:lvl9pPr indent="-298450" lvl="8" marL="4114800">
+            <a:lvl9pPr marL="4114800" lvl="8" indent="-298450">
               <a:spcBef>
                 <a:spcPts val="1600"/>
               </a:spcBef>
@@ -6147,15 +6131,19 @@
               <a:defRPr/>
             </a:lvl9pPr>
           </a:lstStyle>
-          <a:p/>
+          <a:p>
+            <a:endParaRPr/>
+          </a:p>
         </p:txBody>
       </p:sp>
       <p:sp>
         <p:nvSpPr>
           <p:cNvPr id="76" name="Google Shape;76;p7"/>
-          <p:cNvSpPr txBox="1"/>
+          <p:cNvSpPr txBox="1">
+            <a:spLocks noGrp="1"/>
+          </p:cNvSpPr>
           <p:nvPr>
-            <p:ph idx="12" type="sldNum"/>
+            <p:ph type="sldNum" idx="12"/>
           </p:nvPr>
         </p:nvSpPr>
         <p:spPr>
@@ -6168,7 +6156,7 @@
           </a:prstGeom>
         </p:spPr>
         <p:txBody>
-          <a:bodyPr anchorCtr="0" anchor="ctr" bIns="91425" lIns="91425" spcFirstLastPara="1" rIns="91425" wrap="square" tIns="91425">
+          <a:bodyPr spcFirstLastPara="1" wrap="square" lIns="91425" tIns="91425" rIns="91425" bIns="91425" anchor="ctr" anchorCtr="0">
             <a:noAutofit/>
           </a:bodyPr>
           <a:lstStyle>
@@ -6210,7 +6198,7 @@
             </a:lvl9pPr>
           </a:lstStyle>
           <a:p>
-            <a:pPr indent="0" lvl="0" marL="0" rtl="0" algn="r">
+            <a:pPr marL="0" lvl="0" indent="0" algn="r" rtl="0">
               <a:spcBef>
                 <a:spcPts val="0"/>
               </a:spcBef>
@@ -6236,18 +6224,19 @@
 </file>
 
 <file path=ppt/slideLayouts/slideLayout7.xml><?xml version="1.0" encoding="utf-8"?>
-<p:sldLayout xmlns:a="http://schemas.openxmlformats.org/drawingml/2006/main" xmlns:r="http://schemas.openxmlformats.org/officeDocument/2006/relationships" xmlns:mc="http://schemas.openxmlformats.org/markup-compatibility/2006" xmlns:mv="urn:schemas-microsoft-com:mac:vml" xmlns:p="http://schemas.openxmlformats.org/presentationml/2006/main" xmlns:c="http://schemas.openxmlformats.org/drawingml/2006/chart" xmlns:dgm="http://schemas.openxmlformats.org/drawingml/2006/diagram" xmlns:o="urn:schemas-microsoft-com:office:office" xmlns:v="urn:schemas-microsoft-com:vml" xmlns:pvml="urn:schemas-microsoft-com:office:powerpoint" xmlns:com="http://schemas.openxmlformats.org/drawingml/2006/compatibility" xmlns:p14="http://schemas.microsoft.com/office/powerpoint/2010/main" xmlns:p15="http://schemas.microsoft.com/office/powerpoint/2012/main" matchingName="Main point">
+<p:sldLayout xmlns:a="http://schemas.openxmlformats.org/drawingml/2006/main" xmlns:r="http://schemas.openxmlformats.org/officeDocument/2006/relationships" xmlns:p="http://schemas.openxmlformats.org/presentationml/2006/main" matchingName="Main point">
   <p:cSld name="MAIN_POINT">
     <p:bg>
       <p:bgPr>
         <a:solidFill>
           <a:schemeClr val="accent1"/>
         </a:solidFill>
+        <a:effectLst/>
       </p:bgPr>
     </p:bg>
     <p:spTree>
       <p:nvGrpSpPr>
-        <p:cNvPr id="77" name="Shape 77"/>
+        <p:cNvPr id="1" name="Shape 77"/>
         <p:cNvGrpSpPr/>
         <p:nvPr/>
       </p:nvGrpSpPr>
@@ -6281,12 +6270,12 @@
           </a:ln>
         </p:spPr>
         <p:txBody>
-          <a:bodyPr anchorCtr="0" anchor="ctr" bIns="91425" lIns="91425" spcFirstLastPara="1" rIns="91425" wrap="square" tIns="91425">
+          <a:bodyPr spcFirstLastPara="1" wrap="square" lIns="91425" tIns="91425" rIns="91425" bIns="91425" anchor="ctr" anchorCtr="0">
             <a:noAutofit/>
           </a:bodyPr>
           <a:lstStyle/>
           <a:p>
-            <a:pPr indent="0" lvl="0" marL="0" rtl="0" algn="l">
+            <a:pPr marL="0" lvl="0" indent="0" algn="l" rtl="0">
               <a:spcBef>
                 <a:spcPts val="0"/>
               </a:spcBef>
@@ -6295,9 +6284,6 @@
               </a:spcAft>
               <a:buNone/>
             </a:pPr>
-            <a:r>
-              <a:t/>
-            </a:r>
             <a:endParaRPr/>
           </a:p>
         </p:txBody>
@@ -6324,12 +6310,12 @@
           </a:ln>
         </p:spPr>
         <p:txBody>
-          <a:bodyPr anchorCtr="0" anchor="ctr" bIns="91425" lIns="91425" spcFirstLastPara="1" rIns="91425" wrap="square" tIns="91425">
+          <a:bodyPr spcFirstLastPara="1" wrap="square" lIns="91425" tIns="91425" rIns="91425" bIns="91425" anchor="ctr" anchorCtr="0">
             <a:noAutofit/>
           </a:bodyPr>
           <a:lstStyle/>
           <a:p>
-            <a:pPr indent="0" lvl="0" marL="0" rtl="0" algn="l">
+            <a:pPr marL="0" lvl="0" indent="0" algn="l" rtl="0">
               <a:spcBef>
                 <a:spcPts val="0"/>
               </a:spcBef>
@@ -6338,9 +6324,6 @@
               </a:spcAft>
               <a:buNone/>
             </a:pPr>
-            <a:r>
-              <a:t/>
-            </a:r>
             <a:endParaRPr/>
           </a:p>
         </p:txBody>
@@ -6372,7 +6355,7 @@
             </a:xfrm>
             <a:prstGeom prst="parallelogram">
               <a:avLst>
-                <a:gd fmla="val 153193" name="adj"/>
+                <a:gd name="adj" fmla="val 153193"/>
               </a:avLst>
             </a:prstGeom>
             <a:solidFill>
@@ -6383,12 +6366,12 @@
             </a:ln>
           </p:spPr>
           <p:txBody>
-            <a:bodyPr anchorCtr="0" anchor="ctr" bIns="91425" lIns="91425" spcFirstLastPara="1" rIns="91425" wrap="square" tIns="91425">
+            <a:bodyPr spcFirstLastPara="1" wrap="square" lIns="91425" tIns="91425" rIns="91425" bIns="91425" anchor="ctr" anchorCtr="0">
               <a:noAutofit/>
             </a:bodyPr>
             <a:lstStyle/>
             <a:p>
-              <a:pPr indent="0" lvl="0" marL="0" rtl="0" algn="l">
+              <a:pPr marL="0" lvl="0" indent="0" algn="l" rtl="0">
                 <a:spcBef>
                   <a:spcPts val="0"/>
                 </a:spcBef>
@@ -6397,9 +6380,6 @@
                 </a:spcAft>
                 <a:buNone/>
               </a:pPr>
-              <a:r>
-                <a:t/>
-              </a:r>
               <a:endParaRPr/>
             </a:p>
           </p:txBody>
@@ -6417,7 +6397,7 @@
             </a:xfrm>
             <a:prstGeom prst="parallelogram">
               <a:avLst>
-                <a:gd fmla="val 153193" name="adj"/>
+                <a:gd name="adj" fmla="val 153193"/>
               </a:avLst>
             </a:prstGeom>
             <a:solidFill>
@@ -6428,12 +6408,12 @@
             </a:ln>
           </p:spPr>
           <p:txBody>
-            <a:bodyPr anchorCtr="0" anchor="ctr" bIns="91425" lIns="91425" spcFirstLastPara="1" rIns="91425" wrap="square" tIns="91425">
+            <a:bodyPr spcFirstLastPara="1" wrap="square" lIns="91425" tIns="91425" rIns="91425" bIns="91425" anchor="ctr" anchorCtr="0">
               <a:noAutofit/>
             </a:bodyPr>
             <a:lstStyle/>
             <a:p>
-              <a:pPr indent="0" lvl="0" marL="0" rtl="0" algn="l">
+              <a:pPr marL="0" lvl="0" indent="0" algn="l" rtl="0">
                 <a:spcBef>
                   <a:spcPts val="0"/>
                 </a:spcBef>
@@ -6442,9 +6422,6 @@
                 </a:spcAft>
                 <a:buNone/>
               </a:pPr>
-              <a:r>
-                <a:t/>
-              </a:r>
               <a:endParaRPr/>
             </a:p>
           </p:txBody>
@@ -6462,7 +6439,7 @@
             </a:xfrm>
             <a:prstGeom prst="parallelogram">
               <a:avLst>
-                <a:gd fmla="val 153193" name="adj"/>
+                <a:gd name="adj" fmla="val 153193"/>
               </a:avLst>
             </a:prstGeom>
             <a:solidFill>
@@ -6473,12 +6450,12 @@
             </a:ln>
           </p:spPr>
           <p:txBody>
-            <a:bodyPr anchorCtr="0" anchor="ctr" bIns="91425" lIns="91425" spcFirstLastPara="1" rIns="91425" wrap="square" tIns="91425">
+            <a:bodyPr spcFirstLastPara="1" wrap="square" lIns="91425" tIns="91425" rIns="91425" bIns="91425" anchor="ctr" anchorCtr="0">
               <a:noAutofit/>
             </a:bodyPr>
             <a:lstStyle/>
             <a:p>
-              <a:pPr indent="0" lvl="0" marL="0" rtl="0" algn="l">
+              <a:pPr marL="0" lvl="0" indent="0" algn="l" rtl="0">
                 <a:spcBef>
                   <a:spcPts val="0"/>
                 </a:spcBef>
@@ -6487,9 +6464,6 @@
                 </a:spcAft>
                 <a:buNone/>
               </a:pPr>
-              <a:r>
-                <a:t/>
-              </a:r>
               <a:endParaRPr/>
             </a:p>
           </p:txBody>
@@ -6516,7 +6490,7 @@
             <a:noFill/>
           </a:ln>
           <a:effectLst>
-            <a:outerShdw blurRad="228600" sx="101000" rotWithShape="0" algn="ctr" sy="101000">
+            <a:outerShdw blurRad="228600" sx="101000" sy="101000" algn="ctr" rotWithShape="0">
               <a:srgbClr val="000000">
                 <a:alpha val="40000"/>
               </a:srgbClr>
@@ -6524,12 +6498,12 @@
           </a:effectLst>
         </p:spPr>
         <p:txBody>
-          <a:bodyPr anchorCtr="0" anchor="ctr" bIns="91425" lIns="91425" spcFirstLastPara="1" rIns="91425" wrap="square" tIns="91425">
+          <a:bodyPr spcFirstLastPara="1" wrap="square" lIns="91425" tIns="91425" rIns="91425" bIns="91425" anchor="ctr" anchorCtr="0">
             <a:noAutofit/>
           </a:bodyPr>
           <a:lstStyle/>
           <a:p>
-            <a:pPr indent="0" lvl="0" marL="0" rtl="0" algn="l">
+            <a:pPr marL="0" lvl="0" indent="0" algn="l" rtl="0">
               <a:spcBef>
                 <a:spcPts val="0"/>
               </a:spcBef>
@@ -6538,9 +6512,6 @@
               </a:spcAft>
               <a:buNone/>
             </a:pPr>
-            <a:r>
-              <a:t/>
-            </a:r>
             <a:endParaRPr/>
           </a:p>
         </p:txBody>
@@ -6572,7 +6543,7 @@
             </a:xfrm>
             <a:prstGeom prst="parallelogram">
               <a:avLst>
-                <a:gd fmla="val 158024" name="adj"/>
+                <a:gd name="adj" fmla="val 158024"/>
               </a:avLst>
             </a:prstGeom>
             <a:solidFill>
@@ -6583,12 +6554,12 @@
             </a:ln>
           </p:spPr>
           <p:txBody>
-            <a:bodyPr anchorCtr="0" anchor="ctr" bIns="91425" lIns="91425" spcFirstLastPara="1" rIns="91425" wrap="square" tIns="91425">
+            <a:bodyPr spcFirstLastPara="1" wrap="square" lIns="91425" tIns="91425" rIns="91425" bIns="91425" anchor="ctr" anchorCtr="0">
               <a:noAutofit/>
             </a:bodyPr>
             <a:lstStyle/>
             <a:p>
-              <a:pPr indent="0" lvl="0" marL="0" rtl="0" algn="l">
+              <a:pPr marL="0" lvl="0" indent="0" algn="l" rtl="0">
                 <a:spcBef>
                   <a:spcPts val="0"/>
                 </a:spcBef>
@@ -6597,9 +6568,6 @@
                 </a:spcAft>
                 <a:buNone/>
               </a:pPr>
-              <a:r>
-                <a:t/>
-              </a:r>
               <a:endParaRPr/>
             </a:p>
           </p:txBody>
@@ -6617,7 +6585,7 @@
             </a:xfrm>
             <a:prstGeom prst="parallelogram">
               <a:avLst>
-                <a:gd fmla="val 158024" name="adj"/>
+                <a:gd name="adj" fmla="val 158024"/>
               </a:avLst>
             </a:prstGeom>
             <a:solidFill>
@@ -6628,12 +6596,12 @@
             </a:ln>
           </p:spPr>
           <p:txBody>
-            <a:bodyPr anchorCtr="0" anchor="ctr" bIns="91425" lIns="91425" spcFirstLastPara="1" rIns="91425" wrap="square" tIns="91425">
+            <a:bodyPr spcFirstLastPara="1" wrap="square" lIns="91425" tIns="91425" rIns="91425" bIns="91425" anchor="ctr" anchorCtr="0">
               <a:noAutofit/>
             </a:bodyPr>
             <a:lstStyle/>
             <a:p>
-              <a:pPr indent="0" lvl="0" marL="0" rtl="0" algn="l">
+              <a:pPr marL="0" lvl="0" indent="0" algn="l" rtl="0">
                 <a:spcBef>
                   <a:spcPts val="0"/>
                 </a:spcBef>
@@ -6642,9 +6610,6 @@
                 </a:spcAft>
                 <a:buNone/>
               </a:pPr>
-              <a:r>
-                <a:t/>
-              </a:r>
               <a:endParaRPr/>
             </a:p>
           </p:txBody>
@@ -6662,7 +6627,7 @@
             </a:xfrm>
             <a:prstGeom prst="parallelogram">
               <a:avLst>
-                <a:gd fmla="val 158024" name="adj"/>
+                <a:gd name="adj" fmla="val 158024"/>
               </a:avLst>
             </a:prstGeom>
             <a:solidFill>
@@ -6673,12 +6638,12 @@
             </a:ln>
           </p:spPr>
           <p:txBody>
-            <a:bodyPr anchorCtr="0" anchor="ctr" bIns="91425" lIns="91425" spcFirstLastPara="1" rIns="91425" wrap="square" tIns="91425">
+            <a:bodyPr spcFirstLastPara="1" wrap="square" lIns="91425" tIns="91425" rIns="91425" bIns="91425" anchor="ctr" anchorCtr="0">
               <a:noAutofit/>
             </a:bodyPr>
             <a:lstStyle/>
             <a:p>
-              <a:pPr indent="0" lvl="0" marL="0" rtl="0" algn="l">
+              <a:pPr marL="0" lvl="0" indent="0" algn="l" rtl="0">
                 <a:spcBef>
                   <a:spcPts val="0"/>
                 </a:spcBef>
@@ -6687,9 +6652,6 @@
                 </a:spcAft>
                 <a:buNone/>
               </a:pPr>
-              <a:r>
-                <a:t/>
-              </a:r>
               <a:endParaRPr/>
             </a:p>
           </p:txBody>
@@ -6722,7 +6684,7 @@
             </a:xfrm>
             <a:prstGeom prst="parallelogram">
               <a:avLst>
-                <a:gd fmla="val 158024" name="adj"/>
+                <a:gd name="adj" fmla="val 158024"/>
               </a:avLst>
             </a:prstGeom>
             <a:solidFill>
@@ -6733,12 +6695,12 @@
             </a:ln>
           </p:spPr>
           <p:txBody>
-            <a:bodyPr anchorCtr="0" anchor="ctr" bIns="91425" lIns="91425" spcFirstLastPara="1" rIns="91425" wrap="square" tIns="91425">
+            <a:bodyPr spcFirstLastPara="1" wrap="square" lIns="91425" tIns="91425" rIns="91425" bIns="91425" anchor="ctr" anchorCtr="0">
               <a:noAutofit/>
             </a:bodyPr>
             <a:lstStyle/>
             <a:p>
-              <a:pPr indent="0" lvl="0" marL="0" rtl="0" algn="l">
+              <a:pPr marL="0" lvl="0" indent="0" algn="l" rtl="0">
                 <a:spcBef>
                   <a:spcPts val="0"/>
                 </a:spcBef>
@@ -6747,9 +6709,6 @@
                 </a:spcAft>
                 <a:buNone/>
               </a:pPr>
-              <a:r>
-                <a:t/>
-              </a:r>
               <a:endParaRPr/>
             </a:p>
           </p:txBody>
@@ -6767,7 +6726,7 @@
             </a:xfrm>
             <a:prstGeom prst="parallelogram">
               <a:avLst>
-                <a:gd fmla="val 158024" name="adj"/>
+                <a:gd name="adj" fmla="val 158024"/>
               </a:avLst>
             </a:prstGeom>
             <a:solidFill>
@@ -6778,12 +6737,12 @@
             </a:ln>
           </p:spPr>
           <p:txBody>
-            <a:bodyPr anchorCtr="0" anchor="ctr" bIns="91425" lIns="91425" spcFirstLastPara="1" rIns="91425" wrap="square" tIns="91425">
+            <a:bodyPr spcFirstLastPara="1" wrap="square" lIns="91425" tIns="91425" rIns="91425" bIns="91425" anchor="ctr" anchorCtr="0">
               <a:noAutofit/>
             </a:bodyPr>
             <a:lstStyle/>
             <a:p>
-              <a:pPr indent="0" lvl="0" marL="0" rtl="0" algn="l">
+              <a:pPr marL="0" lvl="0" indent="0" algn="l" rtl="0">
                 <a:spcBef>
                   <a:spcPts val="0"/>
                 </a:spcBef>
@@ -6792,9 +6751,6 @@
                 </a:spcAft>
                 <a:buNone/>
               </a:pPr>
-              <a:r>
-                <a:t/>
-              </a:r>
               <a:endParaRPr/>
             </a:p>
           </p:txBody>
@@ -6812,7 +6768,7 @@
             </a:xfrm>
             <a:prstGeom prst="parallelogram">
               <a:avLst>
-                <a:gd fmla="val 158024" name="adj"/>
+                <a:gd name="adj" fmla="val 158024"/>
               </a:avLst>
             </a:prstGeom>
             <a:solidFill>
@@ -6823,12 +6779,12 @@
             </a:ln>
           </p:spPr>
           <p:txBody>
-            <a:bodyPr anchorCtr="0" anchor="ctr" bIns="91425" lIns="91425" spcFirstLastPara="1" rIns="91425" wrap="square" tIns="91425">
+            <a:bodyPr spcFirstLastPara="1" wrap="square" lIns="91425" tIns="91425" rIns="91425" bIns="91425" anchor="ctr" anchorCtr="0">
               <a:noAutofit/>
             </a:bodyPr>
             <a:lstStyle/>
             <a:p>
-              <a:pPr indent="0" lvl="0" marL="0" rtl="0" algn="l">
+              <a:pPr marL="0" lvl="0" indent="0" algn="l" rtl="0">
                 <a:spcBef>
                   <a:spcPts val="0"/>
                 </a:spcBef>
@@ -6837,9 +6793,6 @@
                 </a:spcAft>
                 <a:buNone/>
               </a:pPr>
-              <a:r>
-                <a:t/>
-              </a:r>
               <a:endParaRPr/>
             </a:p>
           </p:txBody>
@@ -6848,7 +6801,9 @@
       <p:sp>
         <p:nvSpPr>
           <p:cNvPr id="93" name="Google Shape;93;p8"/>
-          <p:cNvSpPr txBox="1"/>
+          <p:cNvSpPr txBox="1">
+            <a:spLocks noGrp="1"/>
+          </p:cNvSpPr>
           <p:nvPr>
             <p:ph type="title"/>
           </p:nvPr>
@@ -6863,7 +6818,7 @@
           </a:prstGeom>
         </p:spPr>
         <p:txBody>
-          <a:bodyPr anchorCtr="0" anchor="ctr" bIns="91425" lIns="91425" spcFirstLastPara="1" rIns="91425" wrap="square" tIns="91425"/>
+          <a:bodyPr spcFirstLastPara="1" wrap="square" lIns="91425" tIns="91425" rIns="91425" bIns="91425" anchor="ctr" anchorCtr="0"/>
           <a:lstStyle>
             <a:lvl1pPr lvl="0" algn="ctr">
               <a:spcBef>
@@ -6965,15 +6920,19 @@
               <a:defRPr sz="3200"/>
             </a:lvl9pPr>
           </a:lstStyle>
-          <a:p/>
+          <a:p>
+            <a:endParaRPr/>
+          </a:p>
         </p:txBody>
       </p:sp>
       <p:sp>
         <p:nvSpPr>
           <p:cNvPr id="94" name="Google Shape;94;p8"/>
-          <p:cNvSpPr txBox="1"/>
+          <p:cNvSpPr txBox="1">
+            <a:spLocks noGrp="1"/>
+          </p:cNvSpPr>
           <p:nvPr>
-            <p:ph idx="12" type="sldNum"/>
+            <p:ph type="sldNum" idx="12"/>
           </p:nvPr>
         </p:nvSpPr>
         <p:spPr>
@@ -6986,7 +6945,7 @@
           </a:prstGeom>
         </p:spPr>
         <p:txBody>
-          <a:bodyPr anchorCtr="0" anchor="ctr" bIns="91425" lIns="91425" spcFirstLastPara="1" rIns="91425" wrap="square" tIns="91425">
+          <a:bodyPr spcFirstLastPara="1" wrap="square" lIns="91425" tIns="91425" rIns="91425" bIns="91425" anchor="ctr" anchorCtr="0">
             <a:noAutofit/>
           </a:bodyPr>
           <a:lstStyle>
@@ -7028,7 +6987,7 @@
             </a:lvl9pPr>
           </a:lstStyle>
           <a:p>
-            <a:pPr indent="0" lvl="0" marL="0" rtl="0" algn="r">
+            <a:pPr marL="0" lvl="0" indent="0" algn="r" rtl="0">
               <a:spcBef>
                 <a:spcPts val="0"/>
               </a:spcBef>
@@ -7054,18 +7013,19 @@
 </file>
 
 <file path=ppt/slideLayouts/slideLayout8.xml><?xml version="1.0" encoding="utf-8"?>
-<p:sldLayout xmlns:a="http://schemas.openxmlformats.org/drawingml/2006/main" xmlns:r="http://schemas.openxmlformats.org/officeDocument/2006/relationships" xmlns:mc="http://schemas.openxmlformats.org/markup-compatibility/2006" xmlns:mv="urn:schemas-microsoft-com:mac:vml" xmlns:p="http://schemas.openxmlformats.org/presentationml/2006/main" xmlns:c="http://schemas.openxmlformats.org/drawingml/2006/chart" xmlns:dgm="http://schemas.openxmlformats.org/drawingml/2006/diagram" xmlns:o="urn:schemas-microsoft-com:office:office" xmlns:v="urn:schemas-microsoft-com:vml" xmlns:pvml="urn:schemas-microsoft-com:office:powerpoint" xmlns:com="http://schemas.openxmlformats.org/drawingml/2006/compatibility" xmlns:p14="http://schemas.microsoft.com/office/powerpoint/2010/main" xmlns:p15="http://schemas.microsoft.com/office/powerpoint/2012/main" matchingName="Section title and description">
+<p:sldLayout xmlns:a="http://schemas.openxmlformats.org/drawingml/2006/main" xmlns:r="http://schemas.openxmlformats.org/officeDocument/2006/relationships" xmlns:p="http://schemas.openxmlformats.org/presentationml/2006/main" matchingName="Section title and description">
   <p:cSld name="SECTION_TITLE_AND_DESCRIPTION">
     <p:bg>
       <p:bgPr>
         <a:solidFill>
           <a:schemeClr val="dk2"/>
         </a:solidFill>
+        <a:effectLst/>
       </p:bgPr>
     </p:bg>
     <p:spTree>
       <p:nvGrpSpPr>
-        <p:cNvPr id="95" name="Shape 95"/>
+        <p:cNvPr id="1" name="Shape 95"/>
         <p:cNvGrpSpPr/>
         <p:nvPr/>
       </p:nvGrpSpPr>
@@ -7099,12 +7059,12 @@
           </a:ln>
         </p:spPr>
         <p:txBody>
-          <a:bodyPr anchorCtr="0" anchor="ctr" bIns="91425" lIns="91425" spcFirstLastPara="1" rIns="91425" wrap="square" tIns="91425">
+          <a:bodyPr spcFirstLastPara="1" wrap="square" lIns="91425" tIns="91425" rIns="91425" bIns="91425" anchor="ctr" anchorCtr="0">
             <a:noAutofit/>
           </a:bodyPr>
           <a:lstStyle/>
           <a:p>
-            <a:pPr indent="0" lvl="0" marL="0" rtl="0" algn="l">
+            <a:pPr marL="0" lvl="0" indent="0" algn="l" rtl="0">
               <a:spcBef>
                 <a:spcPts val="0"/>
               </a:spcBef>
@@ -7113,9 +7073,6 @@
               </a:spcAft>
               <a:buNone/>
             </a:pPr>
-            <a:r>
-              <a:t/>
-            </a:r>
             <a:endParaRPr/>
           </a:p>
         </p:txBody>
@@ -7142,12 +7099,12 @@
           </a:ln>
         </p:spPr>
         <p:txBody>
-          <a:bodyPr anchorCtr="0" anchor="ctr" bIns="91425" lIns="91425" spcFirstLastPara="1" rIns="91425" wrap="square" tIns="91425">
+          <a:bodyPr spcFirstLastPara="1" wrap="square" lIns="91425" tIns="91425" rIns="91425" bIns="91425" anchor="ctr" anchorCtr="0">
             <a:noAutofit/>
           </a:bodyPr>
           <a:lstStyle/>
           <a:p>
-            <a:pPr indent="0" lvl="0" marL="0" rtl="0" algn="l">
+            <a:pPr marL="0" lvl="0" indent="0" algn="l" rtl="0">
               <a:spcBef>
                 <a:spcPts val="0"/>
               </a:spcBef>
@@ -7156,9 +7113,6 @@
               </a:spcAft>
               <a:buNone/>
             </a:pPr>
-            <a:r>
-              <a:t/>
-            </a:r>
             <a:endParaRPr/>
           </a:p>
         </p:txBody>
@@ -7184,7 +7138,7 @@
             <a:noFill/>
           </a:ln>
           <a:effectLst>
-            <a:outerShdw blurRad="228600" sx="101000" rotWithShape="0" algn="ctr" sy="101000">
+            <a:outerShdw blurRad="228600" sx="101000" sy="101000" algn="ctr" rotWithShape="0">
               <a:srgbClr val="000000">
                 <a:alpha val="40000"/>
               </a:srgbClr>
@@ -7192,12 +7146,12 @@
           </a:effectLst>
         </p:spPr>
         <p:txBody>
-          <a:bodyPr anchorCtr="0" anchor="ctr" bIns="91425" lIns="91425" spcFirstLastPara="1" rIns="91425" wrap="square" tIns="91425">
+          <a:bodyPr spcFirstLastPara="1" wrap="square" lIns="91425" tIns="91425" rIns="91425" bIns="91425" anchor="ctr" anchorCtr="0">
             <a:noAutofit/>
           </a:bodyPr>
           <a:lstStyle/>
           <a:p>
-            <a:pPr indent="0" lvl="0" marL="0" rtl="0" algn="l">
+            <a:pPr marL="0" lvl="0" indent="0" algn="l" rtl="0">
               <a:spcBef>
                 <a:spcPts val="0"/>
               </a:spcBef>
@@ -7206,9 +7160,6 @@
               </a:spcAft>
               <a:buNone/>
             </a:pPr>
-            <a:r>
-              <a:t/>
-            </a:r>
             <a:endParaRPr/>
           </a:p>
         </p:txBody>
@@ -7216,7 +7167,9 @@
       <p:sp>
         <p:nvSpPr>
           <p:cNvPr id="99" name="Google Shape;99;p9"/>
-          <p:cNvSpPr txBox="1"/>
+          <p:cNvSpPr txBox="1">
+            <a:spLocks noGrp="1"/>
+          </p:cNvSpPr>
           <p:nvPr>
             <p:ph type="title"/>
           </p:nvPr>
@@ -7231,7 +7184,7 @@
           </a:prstGeom>
         </p:spPr>
         <p:txBody>
-          <a:bodyPr anchorCtr="0" anchor="t" bIns="91425" lIns="91425" spcFirstLastPara="1" rIns="91425" wrap="square" tIns="91425"/>
+          <a:bodyPr spcFirstLastPara="1" wrap="square" lIns="91425" tIns="91425" rIns="91425" bIns="91425" anchor="t" anchorCtr="0"/>
           <a:lstStyle>
             <a:lvl1pPr lvl="0">
               <a:spcBef>
@@ -7333,15 +7286,19 @@
               <a:defRPr sz="3000"/>
             </a:lvl9pPr>
           </a:lstStyle>
-          <a:p/>
+          <a:p>
+            <a:endParaRPr/>
+          </a:p>
         </p:txBody>
       </p:sp>
       <p:sp>
         <p:nvSpPr>
           <p:cNvPr id="100" name="Google Shape;100;p9"/>
-          <p:cNvSpPr txBox="1"/>
+          <p:cNvSpPr txBox="1">
+            <a:spLocks noGrp="1"/>
+          </p:cNvSpPr>
           <p:nvPr>
-            <p:ph idx="1" type="subTitle"/>
+            <p:ph type="subTitle" idx="1"/>
           </p:nvPr>
         </p:nvSpPr>
         <p:spPr>
@@ -7354,7 +7311,7 @@
           </a:prstGeom>
         </p:spPr>
         <p:txBody>
-          <a:bodyPr anchorCtr="0" anchor="t" bIns="91425" lIns="91425" spcFirstLastPara="1" rIns="91425" wrap="square" tIns="91425"/>
+          <a:bodyPr spcFirstLastPara="1" wrap="square" lIns="91425" tIns="91425" rIns="91425" bIns="91425" anchor="t" anchorCtr="0"/>
           <a:lstStyle>
             <a:lvl1pPr lvl="0">
               <a:lnSpc>
@@ -7546,15 +7503,19 @@
               </a:defRPr>
             </a:lvl9pPr>
           </a:lstStyle>
-          <a:p/>
+          <a:p>
+            <a:endParaRPr/>
+          </a:p>
         </p:txBody>
       </p:sp>
       <p:sp>
         <p:nvSpPr>
           <p:cNvPr id="101" name="Google Shape;101;p9"/>
-          <p:cNvSpPr txBox="1"/>
+          <p:cNvSpPr txBox="1">
+            <a:spLocks noGrp="1"/>
+          </p:cNvSpPr>
           <p:nvPr>
-            <p:ph idx="2" type="body"/>
+            <p:ph type="body" idx="2"/>
           </p:nvPr>
         </p:nvSpPr>
         <p:spPr>
@@ -7567,9 +7528,9 @@
           </a:prstGeom>
         </p:spPr>
         <p:txBody>
-          <a:bodyPr anchorCtr="0" anchor="t" bIns="91425" lIns="91425" spcFirstLastPara="1" rIns="91425" wrap="square" tIns="91425"/>
+          <a:bodyPr spcFirstLastPara="1" wrap="square" lIns="91425" tIns="91425" rIns="91425" bIns="91425" anchor="t" anchorCtr="0"/>
           <a:lstStyle>
-            <a:lvl1pPr indent="-311150" lvl="0" marL="457200">
+            <a:lvl1pPr marL="457200" lvl="0" indent="-311150">
               <a:spcBef>
                 <a:spcPts val="0"/>
               </a:spcBef>
@@ -7580,7 +7541,7 @@
               <a:buChar char="●"/>
               <a:defRPr/>
             </a:lvl1pPr>
-            <a:lvl2pPr indent="-298450" lvl="1" marL="914400">
+            <a:lvl2pPr marL="914400" lvl="1" indent="-298450">
               <a:spcBef>
                 <a:spcPts val="1600"/>
               </a:spcBef>
@@ -7591,7 +7552,7 @@
               <a:buChar char="○"/>
               <a:defRPr/>
             </a:lvl2pPr>
-            <a:lvl3pPr indent="-298450" lvl="2" marL="1371600">
+            <a:lvl3pPr marL="1371600" lvl="2" indent="-298450">
               <a:spcBef>
                 <a:spcPts val="1600"/>
               </a:spcBef>
@@ -7602,7 +7563,7 @@
               <a:buChar char="■"/>
               <a:defRPr/>
             </a:lvl3pPr>
-            <a:lvl4pPr indent="-298450" lvl="3" marL="1828800">
+            <a:lvl4pPr marL="1828800" lvl="3" indent="-298450">
               <a:spcBef>
                 <a:spcPts val="1600"/>
               </a:spcBef>
@@ -7613,7 +7574,7 @@
               <a:buChar char="●"/>
               <a:defRPr/>
             </a:lvl4pPr>
-            <a:lvl5pPr indent="-298450" lvl="4" marL="2286000">
+            <a:lvl5pPr marL="2286000" lvl="4" indent="-298450">
               <a:spcBef>
                 <a:spcPts val="1600"/>
               </a:spcBef>
@@ -7624,7 +7585,7 @@
               <a:buChar char="○"/>
               <a:defRPr/>
             </a:lvl5pPr>
-            <a:lvl6pPr indent="-298450" lvl="5" marL="2743200">
+            <a:lvl6pPr marL="2743200" lvl="5" indent="-298450">
               <a:spcBef>
                 <a:spcPts val="1600"/>
               </a:spcBef>
@@ -7635,7 +7596,7 @@
               <a:buChar char="■"/>
               <a:defRPr/>
             </a:lvl6pPr>
-            <a:lvl7pPr indent="-298450" lvl="6" marL="3200400">
+            <a:lvl7pPr marL="3200400" lvl="6" indent="-298450">
               <a:spcBef>
                 <a:spcPts val="1600"/>
               </a:spcBef>
@@ -7646,7 +7607,7 @@
               <a:buChar char="●"/>
               <a:defRPr/>
             </a:lvl7pPr>
-            <a:lvl8pPr indent="-298450" lvl="7" marL="3657600">
+            <a:lvl8pPr marL="3657600" lvl="7" indent="-298450">
               <a:spcBef>
                 <a:spcPts val="1600"/>
               </a:spcBef>
@@ -7657,7 +7618,7 @@
               <a:buChar char="○"/>
               <a:defRPr/>
             </a:lvl8pPr>
-            <a:lvl9pPr indent="-298450" lvl="8" marL="4114800">
+            <a:lvl9pPr marL="4114800" lvl="8" indent="-298450">
               <a:spcBef>
                 <a:spcPts val="1600"/>
               </a:spcBef>
@@ -7669,15 +7630,19 @@
               <a:defRPr/>
             </a:lvl9pPr>
           </a:lstStyle>
-          <a:p/>
+          <a:p>
+            <a:endParaRPr/>
+          </a:p>
         </p:txBody>
       </p:sp>
       <p:sp>
         <p:nvSpPr>
           <p:cNvPr id="102" name="Google Shape;102;p9"/>
-          <p:cNvSpPr txBox="1"/>
+          <p:cNvSpPr txBox="1">
+            <a:spLocks noGrp="1"/>
+          </p:cNvSpPr>
           <p:nvPr>
-            <p:ph idx="12" type="sldNum"/>
+            <p:ph type="sldNum" idx="12"/>
           </p:nvPr>
         </p:nvSpPr>
         <p:spPr>
@@ -7690,7 +7655,7 @@
           </a:prstGeom>
         </p:spPr>
         <p:txBody>
-          <a:bodyPr anchorCtr="0" anchor="ctr" bIns="91425" lIns="91425" spcFirstLastPara="1" rIns="91425" wrap="square" tIns="91425">
+          <a:bodyPr spcFirstLastPara="1" wrap="square" lIns="91425" tIns="91425" rIns="91425" bIns="91425" anchor="ctr" anchorCtr="0">
             <a:noAutofit/>
           </a:bodyPr>
           <a:lstStyle>
@@ -7732,7 +7697,7 @@
             </a:lvl9pPr>
           </a:lstStyle>
           <a:p>
-            <a:pPr indent="0" lvl="0" marL="0" rtl="0" algn="r">
+            <a:pPr marL="0" lvl="0" indent="0" algn="r" rtl="0">
               <a:spcBef>
                 <a:spcPts val="0"/>
               </a:spcBef>
@@ -7758,18 +7723,19 @@
 </file>
 
 <file path=ppt/slideLayouts/slideLayout9.xml><?xml version="1.0" encoding="utf-8"?>
-<p:sldLayout xmlns:a="http://schemas.openxmlformats.org/drawingml/2006/main" xmlns:r="http://schemas.openxmlformats.org/officeDocument/2006/relationships" xmlns:mc="http://schemas.openxmlformats.org/markup-compatibility/2006" xmlns:mv="urn:schemas-microsoft-com:mac:vml" xmlns:p="http://schemas.openxmlformats.org/presentationml/2006/main" xmlns:c="http://schemas.openxmlformats.org/drawingml/2006/chart" xmlns:dgm="http://schemas.openxmlformats.org/drawingml/2006/diagram" xmlns:o="urn:schemas-microsoft-com:office:office" xmlns:v="urn:schemas-microsoft-com:vml" xmlns:pvml="urn:schemas-microsoft-com:office:powerpoint" xmlns:com="http://schemas.openxmlformats.org/drawingml/2006/compatibility" xmlns:p14="http://schemas.microsoft.com/office/powerpoint/2010/main" xmlns:p15="http://schemas.microsoft.com/office/powerpoint/2012/main" matchingName="Caption">
+<p:sldLayout xmlns:a="http://schemas.openxmlformats.org/drawingml/2006/main" xmlns:r="http://schemas.openxmlformats.org/officeDocument/2006/relationships" xmlns:p="http://schemas.openxmlformats.org/presentationml/2006/main" matchingName="Caption">
   <p:cSld name="CAPTION_ONLY">
     <p:bg>
       <p:bgPr>
         <a:solidFill>
           <a:schemeClr val="accent1"/>
         </a:solidFill>
+        <a:effectLst/>
       </p:bgPr>
     </p:bg>
     <p:spTree>
       <p:nvGrpSpPr>
-        <p:cNvPr id="103" name="Shape 103"/>
+        <p:cNvPr id="1" name="Shape 103"/>
         <p:cNvGrpSpPr/>
         <p:nvPr/>
       </p:nvGrpSpPr>
@@ -7803,12 +7769,12 @@
           </a:ln>
         </p:spPr>
         <p:txBody>
-          <a:bodyPr anchorCtr="0" anchor="ctr" bIns="91425" lIns="91425" spcFirstLastPara="1" rIns="91425" wrap="square" tIns="91425">
+          <a:bodyPr spcFirstLastPara="1" wrap="square" lIns="91425" tIns="91425" rIns="91425" bIns="91425" anchor="ctr" anchorCtr="0">
             <a:noAutofit/>
           </a:bodyPr>
           <a:lstStyle/>
           <a:p>
-            <a:pPr indent="0" lvl="0" marL="0" rtl="0" algn="l">
+            <a:pPr marL="0" lvl="0" indent="0" algn="l" rtl="0">
               <a:spcBef>
                 <a:spcPts val="0"/>
               </a:spcBef>
@@ -7817,9 +7783,6 @@
               </a:spcAft>
               <a:buNone/>
             </a:pPr>
-            <a:r>
-              <a:t/>
-            </a:r>
             <a:endParaRPr/>
           </a:p>
         </p:txBody>
@@ -7846,12 +7809,12 @@
           </a:ln>
         </p:spPr>
         <p:txBody>
-          <a:bodyPr anchorCtr="0" anchor="ctr" bIns="91425" lIns="91425" spcFirstLastPara="1" rIns="91425" wrap="square" tIns="91425">
+          <a:bodyPr spcFirstLastPara="1" wrap="square" lIns="91425" tIns="91425" rIns="91425" bIns="91425" anchor="ctr" anchorCtr="0">
             <a:noAutofit/>
           </a:bodyPr>
           <a:lstStyle/>
           <a:p>
-            <a:pPr indent="0" lvl="0" marL="0" rtl="0" algn="l">
+            <a:pPr marL="0" lvl="0" indent="0" algn="l" rtl="0">
               <a:spcBef>
                 <a:spcPts val="0"/>
               </a:spcBef>
@@ -7860,9 +7823,6 @@
               </a:spcAft>
               <a:buNone/>
             </a:pPr>
-            <a:r>
-              <a:t/>
-            </a:r>
             <a:endParaRPr/>
           </a:p>
         </p:txBody>
@@ -7888,7 +7848,7 @@
             <a:noFill/>
           </a:ln>
           <a:effectLst>
-            <a:outerShdw blurRad="228600" sx="101000" rotWithShape="0" algn="ctr" sy="101000">
+            <a:outerShdw blurRad="228600" sx="101000" sy="101000" algn="ctr" rotWithShape="0">
               <a:srgbClr val="000000">
                 <a:alpha val="40000"/>
               </a:srgbClr>
@@ -7896,12 +7856,12 @@
           </a:effectLst>
         </p:spPr>
         <p:txBody>
-          <a:bodyPr anchorCtr="0" anchor="ctr" bIns="91425" lIns="91425" spcFirstLastPara="1" rIns="91425" wrap="square" tIns="91425">
+          <a:bodyPr spcFirstLastPara="1" wrap="square" lIns="91425" tIns="91425" rIns="91425" bIns="91425" anchor="ctr" anchorCtr="0">
             <a:noAutofit/>
           </a:bodyPr>
           <a:lstStyle/>
           <a:p>
-            <a:pPr indent="0" lvl="0" marL="0" rtl="0" algn="l">
+            <a:pPr marL="0" lvl="0" indent="0" algn="l" rtl="0">
               <a:spcBef>
                 <a:spcPts val="0"/>
               </a:spcBef>
@@ -7910,9 +7870,6 @@
               </a:spcAft>
               <a:buNone/>
             </a:pPr>
-            <a:r>
-              <a:t/>
-            </a:r>
             <a:endParaRPr/>
           </a:p>
         </p:txBody>
@@ -7920,9 +7877,11 @@
       <p:sp>
         <p:nvSpPr>
           <p:cNvPr id="107" name="Google Shape;107;p10"/>
-          <p:cNvSpPr txBox="1"/>
+          <p:cNvSpPr txBox="1">
+            <a:spLocks noGrp="1"/>
+          </p:cNvSpPr>
           <p:nvPr>
-            <p:ph idx="1" type="body"/>
+            <p:ph type="body" idx="1"/>
           </p:nvPr>
         </p:nvSpPr>
         <p:spPr>
@@ -7935,9 +7894,9 @@
           </a:prstGeom>
         </p:spPr>
         <p:txBody>
-          <a:bodyPr anchorCtr="0" anchor="b" bIns="91425" lIns="91425" spcFirstLastPara="1" rIns="91425" wrap="square" tIns="91425"/>
+          <a:bodyPr spcFirstLastPara="1" wrap="square" lIns="91425" tIns="91425" rIns="91425" bIns="91425" anchor="b" anchorCtr="0"/>
           <a:lstStyle>
-            <a:lvl1pPr indent="-228600" lvl="0" marL="457200">
+            <a:lvl1pPr marL="457200" lvl="0" indent="-228600">
               <a:lnSpc>
                 <a:spcPct val="100000"/>
               </a:lnSpc>
@@ -7952,15 +7911,19 @@
               <a:defRPr/>
             </a:lvl1pPr>
           </a:lstStyle>
-          <a:p/>
+          <a:p>
+            <a:endParaRPr/>
+          </a:p>
         </p:txBody>
       </p:sp>
       <p:sp>
         <p:nvSpPr>
           <p:cNvPr id="108" name="Google Shape;108;p10"/>
-          <p:cNvSpPr txBox="1"/>
+          <p:cNvSpPr txBox="1">
+            <a:spLocks noGrp="1"/>
+          </p:cNvSpPr>
           <p:nvPr>
-            <p:ph idx="12" type="sldNum"/>
+            <p:ph type="sldNum" idx="12"/>
           </p:nvPr>
         </p:nvSpPr>
         <p:spPr>
@@ -7973,7 +7936,7 @@
           </a:prstGeom>
         </p:spPr>
         <p:txBody>
-          <a:bodyPr anchorCtr="0" anchor="ctr" bIns="91425" lIns="91425" spcFirstLastPara="1" rIns="91425" wrap="square" tIns="91425">
+          <a:bodyPr spcFirstLastPara="1" wrap="square" lIns="91425" tIns="91425" rIns="91425" bIns="91425" anchor="ctr" anchorCtr="0">
             <a:noAutofit/>
           </a:bodyPr>
           <a:lstStyle>
@@ -8015,7 +7978,7 @@
             </a:lvl9pPr>
           </a:lstStyle>
           <a:p>
-            <a:pPr indent="0" lvl="0" marL="0" rtl="0" algn="r">
+            <a:pPr marL="0" lvl="0" indent="0" algn="r" rtl="0">
               <a:spcBef>
                 <a:spcPts val="0"/>
               </a:spcBef>
@@ -8041,18 +8004,19 @@
 </file>
 
 <file path=ppt/slideMasters/slideMaster1.xml><?xml version="1.0" encoding="utf-8"?>
-<p:sldMaster xmlns:a="http://schemas.openxmlformats.org/drawingml/2006/main" xmlns:r="http://schemas.openxmlformats.org/officeDocument/2006/relationships" xmlns:mc="http://schemas.openxmlformats.org/markup-compatibility/2006" xmlns:mv="urn:schemas-microsoft-com:mac:vml" xmlns:p="http://schemas.openxmlformats.org/presentationml/2006/main" xmlns:c="http://schemas.openxmlformats.org/drawingml/2006/chart" xmlns:dgm="http://schemas.openxmlformats.org/drawingml/2006/diagram" xmlns:o="urn:schemas-microsoft-com:office:office" xmlns:v="urn:schemas-microsoft-com:vml" xmlns:pvml="urn:schemas-microsoft-com:office:powerpoint" xmlns:com="http://schemas.openxmlformats.org/drawingml/2006/compatibility" xmlns:p14="http://schemas.microsoft.com/office/powerpoint/2010/main" xmlns:p15="http://schemas.microsoft.com/office/powerpoint/2012/main">
+<p:sldMaster xmlns:a="http://schemas.openxmlformats.org/drawingml/2006/main" xmlns:r="http://schemas.openxmlformats.org/officeDocument/2006/relationships" xmlns:p="http://schemas.openxmlformats.org/presentationml/2006/main">
   <p:cSld name="shift">
     <p:bg>
       <p:bgPr>
         <a:solidFill>
           <a:schemeClr val="dk1"/>
         </a:solidFill>
+        <a:effectLst/>
       </p:bgPr>
     </p:bg>
     <p:spTree>
       <p:nvGrpSpPr>
-        <p:cNvPr id="5" name="Shape 5"/>
+        <p:cNvPr id="1" name="Shape 5"/>
         <p:cNvGrpSpPr/>
         <p:nvPr/>
       </p:nvGrpSpPr>
@@ -8067,7 +8031,9 @@
       <p:sp>
         <p:nvSpPr>
           <p:cNvPr id="6" name="Google Shape;6;p1"/>
-          <p:cNvSpPr txBox="1"/>
+          <p:cNvSpPr txBox="1">
+            <a:spLocks noGrp="1"/>
+          </p:cNvSpPr>
           <p:nvPr>
             <p:ph type="title"/>
           </p:nvPr>
@@ -8086,7 +8052,7 @@
           </a:ln>
         </p:spPr>
         <p:txBody>
-          <a:bodyPr anchorCtr="0" anchor="t" bIns="91425" lIns="91425" spcFirstLastPara="1" rIns="91425" wrap="square" tIns="91425"/>
+          <a:bodyPr spcFirstLastPara="1" wrap="square" lIns="91425" tIns="91425" rIns="91425" bIns="91425" anchor="t" anchorCtr="0"/>
           <a:lstStyle>
             <a:lvl1pPr lvl="0">
               <a:spcBef>
@@ -8296,15 +8262,19 @@
               </a:defRPr>
             </a:lvl9pPr>
           </a:lstStyle>
-          <a:p/>
+          <a:p>
+            <a:endParaRPr/>
+          </a:p>
         </p:txBody>
       </p:sp>
       <p:sp>
         <p:nvSpPr>
           <p:cNvPr id="7" name="Google Shape;7;p1"/>
-          <p:cNvSpPr txBox="1"/>
+          <p:cNvSpPr txBox="1">
+            <a:spLocks noGrp="1"/>
+          </p:cNvSpPr>
           <p:nvPr>
-            <p:ph idx="1" type="body"/>
+            <p:ph type="body" idx="1"/>
           </p:nvPr>
         </p:nvSpPr>
         <p:spPr>
@@ -8321,9 +8291,9 @@
           </a:ln>
         </p:spPr>
         <p:txBody>
-          <a:bodyPr anchorCtr="0" anchor="t" bIns="91425" lIns="91425" spcFirstLastPara="1" rIns="91425" wrap="square" tIns="91425"/>
+          <a:bodyPr spcFirstLastPara="1" wrap="square" lIns="91425" tIns="91425" rIns="91425" bIns="91425" anchor="t" anchorCtr="0"/>
           <a:lstStyle>
-            <a:lvl1pPr indent="-311150" lvl="0" marL="457200">
+            <a:lvl1pPr marL="457200" lvl="0" indent="-311150">
               <a:lnSpc>
                 <a:spcPct val="115000"/>
               </a:lnSpc>
@@ -8349,7 +8319,7 @@
                 <a:sym typeface="Calibri"/>
               </a:defRPr>
             </a:lvl1pPr>
-            <a:lvl2pPr indent="-298450" lvl="1" marL="914400">
+            <a:lvl2pPr marL="914400" lvl="1" indent="-298450">
               <a:lnSpc>
                 <a:spcPct val="115000"/>
               </a:lnSpc>
@@ -8375,7 +8345,7 @@
                 <a:sym typeface="Calibri"/>
               </a:defRPr>
             </a:lvl2pPr>
-            <a:lvl3pPr indent="-298450" lvl="2" marL="1371600">
+            <a:lvl3pPr marL="1371600" lvl="2" indent="-298450">
               <a:lnSpc>
                 <a:spcPct val="115000"/>
               </a:lnSpc>
@@ -8401,7 +8371,7 @@
                 <a:sym typeface="Calibri"/>
               </a:defRPr>
             </a:lvl3pPr>
-            <a:lvl4pPr indent="-298450" lvl="3" marL="1828800">
+            <a:lvl4pPr marL="1828800" lvl="3" indent="-298450">
               <a:lnSpc>
                 <a:spcPct val="115000"/>
               </a:lnSpc>
@@ -8427,7 +8397,7 @@
                 <a:sym typeface="Calibri"/>
               </a:defRPr>
             </a:lvl4pPr>
-            <a:lvl5pPr indent="-298450" lvl="4" marL="2286000">
+            <a:lvl5pPr marL="2286000" lvl="4" indent="-298450">
               <a:lnSpc>
                 <a:spcPct val="115000"/>
               </a:lnSpc>
@@ -8453,7 +8423,7 @@
                 <a:sym typeface="Calibri"/>
               </a:defRPr>
             </a:lvl5pPr>
-            <a:lvl6pPr indent="-298450" lvl="5" marL="2743200">
+            <a:lvl6pPr marL="2743200" lvl="5" indent="-298450">
               <a:lnSpc>
                 <a:spcPct val="115000"/>
               </a:lnSpc>
@@ -8479,7 +8449,7 @@
                 <a:sym typeface="Calibri"/>
               </a:defRPr>
             </a:lvl6pPr>
-            <a:lvl7pPr indent="-298450" lvl="6" marL="3200400">
+            <a:lvl7pPr marL="3200400" lvl="6" indent="-298450">
               <a:lnSpc>
                 <a:spcPct val="115000"/>
               </a:lnSpc>
@@ -8505,7 +8475,7 @@
                 <a:sym typeface="Calibri"/>
               </a:defRPr>
             </a:lvl7pPr>
-            <a:lvl8pPr indent="-298450" lvl="7" marL="3657600">
+            <a:lvl8pPr marL="3657600" lvl="7" indent="-298450">
               <a:lnSpc>
                 <a:spcPct val="115000"/>
               </a:lnSpc>
@@ -8531,7 +8501,7 @@
                 <a:sym typeface="Calibri"/>
               </a:defRPr>
             </a:lvl8pPr>
-            <a:lvl9pPr indent="-298450" lvl="8" marL="4114800">
+            <a:lvl9pPr marL="4114800" lvl="8" indent="-298450">
               <a:lnSpc>
                 <a:spcPct val="115000"/>
               </a:lnSpc>
@@ -8558,15 +8528,19 @@
               </a:defRPr>
             </a:lvl9pPr>
           </a:lstStyle>
-          <a:p/>
+          <a:p>
+            <a:endParaRPr/>
+          </a:p>
         </p:txBody>
       </p:sp>
       <p:sp>
         <p:nvSpPr>
           <p:cNvPr id="8" name="Google Shape;8;p1"/>
-          <p:cNvSpPr txBox="1"/>
+          <p:cNvSpPr txBox="1">
+            <a:spLocks noGrp="1"/>
+          </p:cNvSpPr>
           <p:nvPr>
-            <p:ph idx="12" type="sldNum"/>
+            <p:ph type="sldNum" idx="12"/>
           </p:nvPr>
         </p:nvSpPr>
         <p:spPr>
@@ -8583,7 +8557,7 @@
           </a:ln>
         </p:spPr>
         <p:txBody>
-          <a:bodyPr anchorCtr="0" anchor="ctr" bIns="91425" lIns="91425" spcFirstLastPara="1" rIns="91425" wrap="square" tIns="91425">
+          <a:bodyPr spcFirstLastPara="1" wrap="square" lIns="91425" tIns="91425" rIns="91425" bIns="91425" anchor="ctr" anchorCtr="0">
             <a:noAutofit/>
           </a:bodyPr>
           <a:lstStyle>
@@ -8697,7 +8671,7 @@
             </a:lvl9pPr>
           </a:lstStyle>
           <a:p>
-            <a:pPr indent="0" lvl="0" marL="0" rtl="0" algn="r">
+            <a:pPr marL="0" lvl="0" indent="0" algn="r" rtl="0">
               <a:spcBef>
                 <a:spcPts val="0"/>
               </a:spcBef>
@@ -8716,7 +8690,7 @@
       </p:sp>
     </p:spTree>
   </p:cSld>
-  <p:clrMap accent1="accent1" accent2="accent2" accent3="accent3" accent4="accent4" accent5="accent5" accent6="accent6" bg1="lt1" bg2="dk2" tx1="dk1" tx2="lt2" folHlink="folHlink" hlink="hlink"/>
+  <p:clrMap bg1="lt1" tx1="dk1" bg2="dk2" tx2="lt2" accent1="accent1" accent2="accent2" accent3="accent3" accent4="accent4" accent5="accent5" accent6="accent6" hlink="hlink" folHlink="folHlink"/>
   <p:sldLayoutIdLst>
     <p:sldLayoutId id="2147483648" r:id="rId1"/>
     <p:sldLayoutId id="2147483649" r:id="rId2"/>
@@ -8730,10 +8704,10 @@
     <p:sldLayoutId id="2147483657" r:id="rId10"/>
     <p:sldLayoutId id="2147483658" r:id="rId11"/>
   </p:sldLayoutIdLst>
-  <p:hf dt="0" ftr="0" hdr="0" sldNum="0"/>
+  <p:hf sldNum="0" hdr="0" ftr="0" dt="0"/>
   <p:txStyles>
     <p:titleStyle>
-      <a:defPPr lvl="0" marR="0" rtl="0" algn="l">
+      <a:defPPr marR="0" lvl="0" algn="l" rtl="0">
         <a:lnSpc>
           <a:spcPct val="100000"/>
         </a:lnSpc>
@@ -8744,7 +8718,7 @@
           <a:spcPts val="0"/>
         </a:spcAft>
       </a:defPPr>
-      <a:lvl1pPr lvl="0" marR="0" rtl="0" algn="l">
+      <a:lvl1pPr marR="0" lvl="0" algn="l" rtl="0">
         <a:lnSpc>
           <a:spcPct val="100000"/>
         </a:lnSpc>
@@ -8758,7 +8732,7 @@
           <a:srgbClr val="000000"/>
         </a:buClr>
         <a:buFont typeface="Arial"/>
-        <a:defRPr b="0" i="0" sz="1400" u="none" cap="none" strike="noStrike">
+        <a:defRPr sz="1400" b="0" i="0" u="none" strike="noStrike" cap="none">
           <a:solidFill>
             <a:srgbClr val="000000"/>
           </a:solidFill>
@@ -8768,7 +8742,7 @@
           <a:sym typeface="Arial"/>
         </a:defRPr>
       </a:lvl1pPr>
-      <a:lvl2pPr lvl="1" marR="0" rtl="0" algn="l">
+      <a:lvl2pPr marR="0" lvl="1" algn="l" rtl="0">
         <a:lnSpc>
           <a:spcPct val="100000"/>
         </a:lnSpc>
@@ -8782,7 +8756,7 @@
           <a:srgbClr val="000000"/>
         </a:buClr>
         <a:buFont typeface="Arial"/>
-        <a:defRPr b="0" i="0" sz="1400" u="none" cap="none" strike="noStrike">
+        <a:defRPr sz="1400" b="0" i="0" u="none" strike="noStrike" cap="none">
           <a:solidFill>
             <a:srgbClr val="000000"/>
           </a:solidFill>
@@ -8792,7 +8766,7 @@
           <a:sym typeface="Arial"/>
         </a:defRPr>
       </a:lvl2pPr>
-      <a:lvl3pPr lvl="2" marR="0" rtl="0" algn="l">
+      <a:lvl3pPr marR="0" lvl="2" algn="l" rtl="0">
         <a:lnSpc>
           <a:spcPct val="100000"/>
         </a:lnSpc>
@@ -8806,7 +8780,7 @@
           <a:srgbClr val="000000"/>
         </a:buClr>
         <a:buFont typeface="Arial"/>
-        <a:defRPr b="0" i="0" sz="1400" u="none" cap="none" strike="noStrike">
+        <a:defRPr sz="1400" b="0" i="0" u="none" strike="noStrike" cap="none">
           <a:solidFill>
             <a:srgbClr val="000000"/>
           </a:solidFill>
@@ -8816,7 +8790,7 @@
           <a:sym typeface="Arial"/>
         </a:defRPr>
       </a:lvl3pPr>
-      <a:lvl4pPr lvl="3" marR="0" rtl="0" algn="l">
+      <a:lvl4pPr marR="0" lvl="3" algn="l" rtl="0">
         <a:lnSpc>
           <a:spcPct val="100000"/>
         </a:lnSpc>
@@ -8830,7 +8804,7 @@
           <a:srgbClr val="000000"/>
         </a:buClr>
         <a:buFont typeface="Arial"/>
-        <a:defRPr b="0" i="0" sz="1400" u="none" cap="none" strike="noStrike">
+        <a:defRPr sz="1400" b="0" i="0" u="none" strike="noStrike" cap="none">
           <a:solidFill>
             <a:srgbClr val="000000"/>
           </a:solidFill>
@@ -8840,7 +8814,7 @@
           <a:sym typeface="Arial"/>
         </a:defRPr>
       </a:lvl4pPr>
-      <a:lvl5pPr lvl="4" marR="0" rtl="0" algn="l">
+      <a:lvl5pPr marR="0" lvl="4" algn="l" rtl="0">
         <a:lnSpc>
           <a:spcPct val="100000"/>
         </a:lnSpc>
@@ -8854,7 +8828,7 @@
           <a:srgbClr val="000000"/>
         </a:buClr>
         <a:buFont typeface="Arial"/>
-        <a:defRPr b="0" i="0" sz="1400" u="none" cap="none" strike="noStrike">
+        <a:defRPr sz="1400" b="0" i="0" u="none" strike="noStrike" cap="none">
           <a:solidFill>
             <a:srgbClr val="000000"/>
           </a:solidFill>
@@ -8864,7 +8838,7 @@
           <a:sym typeface="Arial"/>
         </a:defRPr>
       </a:lvl5pPr>
-      <a:lvl6pPr lvl="5" marR="0" rtl="0" algn="l">
+      <a:lvl6pPr marR="0" lvl="5" algn="l" rtl="0">
         <a:lnSpc>
           <a:spcPct val="100000"/>
         </a:lnSpc>
@@ -8878,7 +8852,7 @@
           <a:srgbClr val="000000"/>
         </a:buClr>
         <a:buFont typeface="Arial"/>
-        <a:defRPr b="0" i="0" sz="1400" u="none" cap="none" strike="noStrike">
+        <a:defRPr sz="1400" b="0" i="0" u="none" strike="noStrike" cap="none">
           <a:solidFill>
             <a:srgbClr val="000000"/>
           </a:solidFill>
@@ -8888,7 +8862,7 @@
           <a:sym typeface="Arial"/>
         </a:defRPr>
       </a:lvl6pPr>
-      <a:lvl7pPr lvl="6" marR="0" rtl="0" algn="l">
+      <a:lvl7pPr marR="0" lvl="6" algn="l" rtl="0">
         <a:lnSpc>
           <a:spcPct val="100000"/>
         </a:lnSpc>
@@ -8902,7 +8876,7 @@
           <a:srgbClr val="000000"/>
         </a:buClr>
         <a:buFont typeface="Arial"/>
-        <a:defRPr b="0" i="0" sz="1400" u="none" cap="none" strike="noStrike">
+        <a:defRPr sz="1400" b="0" i="0" u="none" strike="noStrike" cap="none">
           <a:solidFill>
             <a:srgbClr val="000000"/>
           </a:solidFill>
@@ -8912,7 +8886,7 @@
           <a:sym typeface="Arial"/>
         </a:defRPr>
       </a:lvl7pPr>
-      <a:lvl8pPr lvl="7" marR="0" rtl="0" algn="l">
+      <a:lvl8pPr marR="0" lvl="7" algn="l" rtl="0">
         <a:lnSpc>
           <a:spcPct val="100000"/>
         </a:lnSpc>
@@ -8926,7 +8900,7 @@
           <a:srgbClr val="000000"/>
         </a:buClr>
         <a:buFont typeface="Arial"/>
-        <a:defRPr b="0" i="0" sz="1400" u="none" cap="none" strike="noStrike">
+        <a:defRPr sz="1400" b="0" i="0" u="none" strike="noStrike" cap="none">
           <a:solidFill>
             <a:srgbClr val="000000"/>
           </a:solidFill>
@@ -8936,7 +8910,7 @@
           <a:sym typeface="Arial"/>
         </a:defRPr>
       </a:lvl8pPr>
-      <a:lvl9pPr lvl="8" marR="0" rtl="0" algn="l">
+      <a:lvl9pPr marR="0" lvl="8" algn="l" rtl="0">
         <a:lnSpc>
           <a:spcPct val="100000"/>
         </a:lnSpc>
@@ -8950,7 +8924,7 @@
           <a:srgbClr val="000000"/>
         </a:buClr>
         <a:buFont typeface="Arial"/>
-        <a:defRPr b="0" i="0" sz="1400" u="none" cap="none" strike="noStrike">
+        <a:defRPr sz="1400" b="0" i="0" u="none" strike="noStrike" cap="none">
           <a:solidFill>
             <a:srgbClr val="000000"/>
           </a:solidFill>
@@ -8962,7 +8936,7 @@
       </a:lvl9pPr>
     </p:titleStyle>
     <p:bodyStyle>
-      <a:defPPr lvl="0" marR="0" rtl="0" algn="l">
+      <a:defPPr marR="0" lvl="0" algn="l" rtl="0">
         <a:lnSpc>
           <a:spcPct val="100000"/>
         </a:lnSpc>
@@ -8973,7 +8947,7 @@
           <a:spcPts val="0"/>
         </a:spcAft>
       </a:defPPr>
-      <a:lvl1pPr lvl="0" marR="0" rtl="0" algn="l">
+      <a:lvl1pPr marR="0" lvl="0" algn="l" rtl="0">
         <a:lnSpc>
           <a:spcPct val="100000"/>
         </a:lnSpc>
@@ -8987,7 +8961,7 @@
           <a:srgbClr val="000000"/>
         </a:buClr>
         <a:buFont typeface="Arial"/>
-        <a:defRPr b="0" i="0" sz="1400" u="none" cap="none" strike="noStrike">
+        <a:defRPr sz="1400" b="0" i="0" u="none" strike="noStrike" cap="none">
           <a:solidFill>
             <a:srgbClr val="000000"/>
           </a:solidFill>
@@ -8997,7 +8971,7 @@
           <a:sym typeface="Arial"/>
         </a:defRPr>
       </a:lvl1pPr>
-      <a:lvl2pPr lvl="1" marR="0" rtl="0" algn="l">
+      <a:lvl2pPr marR="0" lvl="1" algn="l" rtl="0">
         <a:lnSpc>
           <a:spcPct val="100000"/>
         </a:lnSpc>
@@ -9011,7 +8985,7 @@
           <a:srgbClr val="000000"/>
         </a:buClr>
         <a:buFont typeface="Arial"/>
-        <a:defRPr b="0" i="0" sz="1400" u="none" cap="none" strike="noStrike">
+        <a:defRPr sz="1400" b="0" i="0" u="none" strike="noStrike" cap="none">
           <a:solidFill>
             <a:srgbClr val="000000"/>
           </a:solidFill>
@@ -9021,7 +8995,7 @@
           <a:sym typeface="Arial"/>
         </a:defRPr>
       </a:lvl2pPr>
-      <a:lvl3pPr lvl="2" marR="0" rtl="0" algn="l">
+      <a:lvl3pPr marR="0" lvl="2" algn="l" rtl="0">
         <a:lnSpc>
           <a:spcPct val="100000"/>
         </a:lnSpc>
@@ -9035,7 +9009,7 @@
           <a:srgbClr val="000000"/>
         </a:buClr>
         <a:buFont typeface="Arial"/>
-        <a:defRPr b="0" i="0" sz="1400" u="none" cap="none" strike="noStrike">
+        <a:defRPr sz="1400" b="0" i="0" u="none" strike="noStrike" cap="none">
           <a:solidFill>
             <a:srgbClr val="000000"/>
           </a:solidFill>
@@ -9045,7 +9019,7 @@
           <a:sym typeface="Arial"/>
         </a:defRPr>
       </a:lvl3pPr>
-      <a:lvl4pPr lvl="3" marR="0" rtl="0" algn="l">
+      <a:lvl4pPr marR="0" lvl="3" algn="l" rtl="0">
         <a:lnSpc>
           <a:spcPct val="100000"/>
         </a:lnSpc>
@@ -9059,7 +9033,7 @@
           <a:srgbClr val="000000"/>
         </a:buClr>
         <a:buFont typeface="Arial"/>
-        <a:defRPr b="0" i="0" sz="1400" u="none" cap="none" strike="noStrike">
+        <a:defRPr sz="1400" b="0" i="0" u="none" strike="noStrike" cap="none">
           <a:solidFill>
             <a:srgbClr val="000000"/>
           </a:solidFill>
@@ -9069,7 +9043,7 @@
           <a:sym typeface="Arial"/>
         </a:defRPr>
       </a:lvl4pPr>
-      <a:lvl5pPr lvl="4" marR="0" rtl="0" algn="l">
+      <a:lvl5pPr marR="0" lvl="4" algn="l" rtl="0">
         <a:lnSpc>
           <a:spcPct val="100000"/>
         </a:lnSpc>
@@ -9083,7 +9057,7 @@
           <a:srgbClr val="000000"/>
         </a:buClr>
         <a:buFont typeface="Arial"/>
-        <a:defRPr b="0" i="0" sz="1400" u="none" cap="none" strike="noStrike">
+        <a:defRPr sz="1400" b="0" i="0" u="none" strike="noStrike" cap="none">
           <a:solidFill>
             <a:srgbClr val="000000"/>
           </a:solidFill>
@@ -9093,7 +9067,7 @@
           <a:sym typeface="Arial"/>
         </a:defRPr>
       </a:lvl5pPr>
-      <a:lvl6pPr lvl="5" marR="0" rtl="0" algn="l">
+      <a:lvl6pPr marR="0" lvl="5" algn="l" rtl="0">
         <a:lnSpc>
           <a:spcPct val="100000"/>
         </a:lnSpc>
@@ -9107,7 +9081,7 @@
           <a:srgbClr val="000000"/>
         </a:buClr>
         <a:buFont typeface="Arial"/>
-        <a:defRPr b="0" i="0" sz="1400" u="none" cap="none" strike="noStrike">
+        <a:defRPr sz="1400" b="0" i="0" u="none" strike="noStrike" cap="none">
           <a:solidFill>
             <a:srgbClr val="000000"/>
           </a:solidFill>
@@ -9117,7 +9091,7 @@
           <a:sym typeface="Arial"/>
         </a:defRPr>
       </a:lvl6pPr>
-      <a:lvl7pPr lvl="6" marR="0" rtl="0" algn="l">
+      <a:lvl7pPr marR="0" lvl="6" algn="l" rtl="0">
         <a:lnSpc>
           <a:spcPct val="100000"/>
         </a:lnSpc>
@@ -9131,7 +9105,7 @@
           <a:srgbClr val="000000"/>
         </a:buClr>
         <a:buFont typeface="Arial"/>
-        <a:defRPr b="0" i="0" sz="1400" u="none" cap="none" strike="noStrike">
+        <a:defRPr sz="1400" b="0" i="0" u="none" strike="noStrike" cap="none">
           <a:solidFill>
             <a:srgbClr val="000000"/>
           </a:solidFill>
@@ -9141,7 +9115,7 @@
           <a:sym typeface="Arial"/>
         </a:defRPr>
       </a:lvl7pPr>
-      <a:lvl8pPr lvl="7" marR="0" rtl="0" algn="l">
+      <a:lvl8pPr marR="0" lvl="7" algn="l" rtl="0">
         <a:lnSpc>
           <a:spcPct val="100000"/>
         </a:lnSpc>
@@ -9155,7 +9129,7 @@
           <a:srgbClr val="000000"/>
         </a:buClr>
         <a:buFont typeface="Arial"/>
-        <a:defRPr b="0" i="0" sz="1400" u="none" cap="none" strike="noStrike">
+        <a:defRPr sz="1400" b="0" i="0" u="none" strike="noStrike" cap="none">
           <a:solidFill>
             <a:srgbClr val="000000"/>
           </a:solidFill>
@@ -9165,7 +9139,7 @@
           <a:sym typeface="Arial"/>
         </a:defRPr>
       </a:lvl8pPr>
-      <a:lvl9pPr lvl="8" marR="0" rtl="0" algn="l">
+      <a:lvl9pPr marR="0" lvl="8" algn="l" rtl="0">
         <a:lnSpc>
           <a:spcPct val="100000"/>
         </a:lnSpc>
@@ -9179,7 +9153,7 @@
           <a:srgbClr val="000000"/>
         </a:buClr>
         <a:buFont typeface="Arial"/>
-        <a:defRPr b="0" i="0" sz="1400" u="none" cap="none" strike="noStrike">
+        <a:defRPr sz="1400" b="0" i="0" u="none" strike="noStrike" cap="none">
           <a:solidFill>
             <a:srgbClr val="000000"/>
           </a:solidFill>
@@ -9191,7 +9165,7 @@
       </a:lvl9pPr>
     </p:bodyStyle>
     <p:otherStyle>
-      <a:defPPr lvl="0" marR="0" rtl="0" algn="l">
+      <a:defPPr marR="0" lvl="0" algn="l" rtl="0">
         <a:lnSpc>
           <a:spcPct val="100000"/>
         </a:lnSpc>
@@ -9202,7 +9176,7 @@
           <a:spcPts val="0"/>
         </a:spcAft>
       </a:defPPr>
-      <a:lvl1pPr lvl="0" marR="0" rtl="0" algn="l">
+      <a:lvl1pPr marR="0" lvl="0" algn="l" rtl="0">
         <a:lnSpc>
           <a:spcPct val="100000"/>
         </a:lnSpc>
@@ -9216,7 +9190,7 @@
           <a:srgbClr val="000000"/>
         </a:buClr>
         <a:buFont typeface="Arial"/>
-        <a:defRPr b="0" i="0" sz="1400" u="none" cap="none" strike="noStrike">
+        <a:defRPr sz="1400" b="0" i="0" u="none" strike="noStrike" cap="none">
           <a:solidFill>
             <a:srgbClr val="000000"/>
           </a:solidFill>
@@ -9226,7 +9200,7 @@
           <a:sym typeface="Arial"/>
         </a:defRPr>
       </a:lvl1pPr>
-      <a:lvl2pPr lvl="1" marR="0" rtl="0" algn="l">
+      <a:lvl2pPr marR="0" lvl="1" algn="l" rtl="0">
         <a:lnSpc>
           <a:spcPct val="100000"/>
         </a:lnSpc>
@@ -9240,7 +9214,7 @@
           <a:srgbClr val="000000"/>
         </a:buClr>
         <a:buFont typeface="Arial"/>
-        <a:defRPr b="0" i="0" sz="1400" u="none" cap="none" strike="noStrike">
+        <a:defRPr sz="1400" b="0" i="0" u="none" strike="noStrike" cap="none">
           <a:solidFill>
             <a:srgbClr val="000000"/>
           </a:solidFill>
@@ -9250,7 +9224,7 @@
           <a:sym typeface="Arial"/>
         </a:defRPr>
       </a:lvl2pPr>
-      <a:lvl3pPr lvl="2" marR="0" rtl="0" algn="l">
+      <a:lvl3pPr marR="0" lvl="2" algn="l" rtl="0">
         <a:lnSpc>
           <a:spcPct val="100000"/>
         </a:lnSpc>
@@ -9264,7 +9238,7 @@
           <a:srgbClr val="000000"/>
         </a:buClr>
         <a:buFont typeface="Arial"/>
-        <a:defRPr b="0" i="0" sz="1400" u="none" cap="none" strike="noStrike">
+        <a:defRPr sz="1400" b="0" i="0" u="none" strike="noStrike" cap="none">
           <a:solidFill>
             <a:srgbClr val="000000"/>
           </a:solidFill>
@@ -9274,7 +9248,7 @@
           <a:sym typeface="Arial"/>
         </a:defRPr>
       </a:lvl3pPr>
-      <a:lvl4pPr lvl="3" marR="0" rtl="0" algn="l">
+      <a:lvl4pPr marR="0" lvl="3" algn="l" rtl="0">
         <a:lnSpc>
           <a:spcPct val="100000"/>
         </a:lnSpc>
@@ -9288,7 +9262,7 @@
           <a:srgbClr val="000000"/>
         </a:buClr>
         <a:buFont typeface="Arial"/>
-        <a:defRPr b="0" i="0" sz="1400" u="none" cap="none" strike="noStrike">
+        <a:defRPr sz="1400" b="0" i="0" u="none" strike="noStrike" cap="none">
           <a:solidFill>
             <a:srgbClr val="000000"/>
           </a:solidFill>
@@ -9298,7 +9272,7 @@
           <a:sym typeface="Arial"/>
         </a:defRPr>
       </a:lvl4pPr>
-      <a:lvl5pPr lvl="4" marR="0" rtl="0" algn="l">
+      <a:lvl5pPr marR="0" lvl="4" algn="l" rtl="0">
         <a:lnSpc>
           <a:spcPct val="100000"/>
         </a:lnSpc>
@@ -9312,7 +9286,7 @@
           <a:srgbClr val="000000"/>
         </a:buClr>
         <a:buFont typeface="Arial"/>
-        <a:defRPr b="0" i="0" sz="1400" u="none" cap="none" strike="noStrike">
+        <a:defRPr sz="1400" b="0" i="0" u="none" strike="noStrike" cap="none">
           <a:solidFill>
             <a:srgbClr val="000000"/>
           </a:solidFill>
@@ -9322,7 +9296,7 @@
           <a:sym typeface="Arial"/>
         </a:defRPr>
       </a:lvl5pPr>
-      <a:lvl6pPr lvl="5" marR="0" rtl="0" algn="l">
+      <a:lvl6pPr marR="0" lvl="5" algn="l" rtl="0">
         <a:lnSpc>
           <a:spcPct val="100000"/>
         </a:lnSpc>
@@ -9336,7 +9310,7 @@
           <a:srgbClr val="000000"/>
         </a:buClr>
         <a:buFont typeface="Arial"/>
-        <a:defRPr b="0" i="0" sz="1400" u="none" cap="none" strike="noStrike">
+        <a:defRPr sz="1400" b="0" i="0" u="none" strike="noStrike" cap="none">
           <a:solidFill>
             <a:srgbClr val="000000"/>
           </a:solidFill>
@@ -9346,7 +9320,7 @@
           <a:sym typeface="Arial"/>
         </a:defRPr>
       </a:lvl6pPr>
-      <a:lvl7pPr lvl="6" marR="0" rtl="0" algn="l">
+      <a:lvl7pPr marR="0" lvl="6" algn="l" rtl="0">
         <a:lnSpc>
           <a:spcPct val="100000"/>
         </a:lnSpc>
@@ -9360,7 +9334,7 @@
           <a:srgbClr val="000000"/>
         </a:buClr>
         <a:buFont typeface="Arial"/>
-        <a:defRPr b="0" i="0" sz="1400" u="none" cap="none" strike="noStrike">
+        <a:defRPr sz="1400" b="0" i="0" u="none" strike="noStrike" cap="none">
           <a:solidFill>
             <a:srgbClr val="000000"/>
           </a:solidFill>
@@ -9370,7 +9344,7 @@
           <a:sym typeface="Arial"/>
         </a:defRPr>
       </a:lvl7pPr>
-      <a:lvl8pPr lvl="7" marR="0" rtl="0" algn="l">
+      <a:lvl8pPr marR="0" lvl="7" algn="l" rtl="0">
         <a:lnSpc>
           <a:spcPct val="100000"/>
         </a:lnSpc>
@@ -9384,7 +9358,7 @@
           <a:srgbClr val="000000"/>
         </a:buClr>
         <a:buFont typeface="Arial"/>
-        <a:defRPr b="0" i="0" sz="1400" u="none" cap="none" strike="noStrike">
+        <a:defRPr sz="1400" b="0" i="0" u="none" strike="noStrike" cap="none">
           <a:solidFill>
             <a:srgbClr val="000000"/>
           </a:solidFill>
@@ -9394,7 +9368,7 @@
           <a:sym typeface="Arial"/>
         </a:defRPr>
       </a:lvl8pPr>
-      <a:lvl9pPr lvl="8" marR="0" rtl="0" algn="l">
+      <a:lvl9pPr marR="0" lvl="8" algn="l" rtl="0">
         <a:lnSpc>
           <a:spcPct val="100000"/>
         </a:lnSpc>
@@ -9408,7 +9382,7 @@
           <a:srgbClr val="000000"/>
         </a:buClr>
         <a:buFont typeface="Arial"/>
-        <a:defRPr b="0" i="0" sz="1400" u="none" cap="none" strike="noStrike">
+        <a:defRPr sz="1400" b="0" i="0" u="none" strike="noStrike" cap="none">
           <a:solidFill>
             <a:srgbClr val="000000"/>
           </a:solidFill>
@@ -9424,11 +9398,11 @@
 </file>
 
 <file path=ppt/slides/slide1.xml><?xml version="1.0" encoding="utf-8"?>
-<p:sld xmlns:a="http://schemas.openxmlformats.org/drawingml/2006/main" xmlns:r="http://schemas.openxmlformats.org/officeDocument/2006/relationships" xmlns:mc="http://schemas.openxmlformats.org/markup-compatibility/2006" xmlns:mv="urn:schemas-microsoft-com:mac:vml" xmlns:p="http://schemas.openxmlformats.org/presentationml/2006/main" xmlns:c="http://schemas.openxmlformats.org/drawingml/2006/chart" xmlns:dgm="http://schemas.openxmlformats.org/drawingml/2006/diagram" xmlns:o="urn:schemas-microsoft-com:office:office" xmlns:v="urn:schemas-microsoft-com:vml" xmlns:pvml="urn:schemas-microsoft-com:office:powerpoint" xmlns:com="http://schemas.openxmlformats.org/drawingml/2006/compatibility" xmlns:p14="http://schemas.microsoft.com/office/powerpoint/2010/main" xmlns:p15="http://schemas.microsoft.com/office/powerpoint/2012/main">
+<p:sld xmlns:a="http://schemas.openxmlformats.org/drawingml/2006/main" xmlns:r="http://schemas.openxmlformats.org/officeDocument/2006/relationships" xmlns:p="http://schemas.openxmlformats.org/presentationml/2006/main">
   <p:cSld>
     <p:spTree>
       <p:nvGrpSpPr>
-        <p:cNvPr id="127" name="Shape 127"/>
+        <p:cNvPr id="1" name="Shape 127"/>
         <p:cNvGrpSpPr/>
         <p:nvPr/>
       </p:nvGrpSpPr>
@@ -9443,7 +9417,9 @@
       <p:sp>
         <p:nvSpPr>
           <p:cNvPr id="128" name="Google Shape;128;p13"/>
-          <p:cNvSpPr txBox="1"/>
+          <p:cNvSpPr txBox="1">
+            <a:spLocks noGrp="1"/>
+          </p:cNvSpPr>
           <p:nvPr>
             <p:ph type="ctrTitle"/>
           </p:nvPr>
@@ -9458,12 +9434,12 @@
           </a:prstGeom>
         </p:spPr>
         <p:txBody>
-          <a:bodyPr anchorCtr="0" anchor="ctr" bIns="91425" lIns="91425" spcFirstLastPara="1" rIns="91425" wrap="square" tIns="91425">
+          <a:bodyPr spcFirstLastPara="1" wrap="square" lIns="91425" tIns="91425" rIns="91425" bIns="91425" anchor="ctr" anchorCtr="0">
             <a:noAutofit/>
           </a:bodyPr>
           <a:lstStyle/>
           <a:p>
-            <a:pPr indent="0" lvl="0" marL="0" rtl="0" algn="ctr">
+            <a:pPr marL="0" lvl="0" indent="0" algn="ctr" rtl="0">
               <a:spcBef>
                 <a:spcPts val="0"/>
               </a:spcBef>
@@ -9483,9 +9459,11 @@
       <p:sp>
         <p:nvSpPr>
           <p:cNvPr id="129" name="Google Shape;129;p13"/>
-          <p:cNvSpPr txBox="1"/>
+          <p:cNvSpPr txBox="1">
+            <a:spLocks noGrp="1"/>
+          </p:cNvSpPr>
           <p:nvPr>
-            <p:ph idx="1" type="subTitle"/>
+            <p:ph type="subTitle" idx="1"/>
           </p:nvPr>
         </p:nvSpPr>
         <p:spPr>
@@ -9498,12 +9476,12 @@
           </a:prstGeom>
         </p:spPr>
         <p:txBody>
-          <a:bodyPr anchorCtr="0" anchor="t" bIns="91425" lIns="91425" spcFirstLastPara="1" rIns="91425" wrap="square" tIns="91425">
+          <a:bodyPr spcFirstLastPara="1" wrap="square" lIns="91425" tIns="91425" rIns="91425" bIns="91425" anchor="t" anchorCtr="0">
             <a:noAutofit/>
           </a:bodyPr>
           <a:lstStyle/>
           <a:p>
-            <a:pPr indent="0" lvl="0" marL="0" rtl="0" algn="r">
+            <a:pPr marL="0" lvl="0" indent="0" algn="r" rtl="0">
               <a:spcBef>
                 <a:spcPts val="0"/>
               </a:spcBef>
@@ -9514,11 +9492,7 @@
             </a:pPr>
             <a:r>
               <a:rPr lang="zh-TW"/>
-              <a:t>Awesome</a:t>
-            </a:r>
-            <a:r>
-              <a:rPr lang="zh-TW"/>
-              <a:t> Project</a:t>
+              <a:t>Awesome Project</a:t>
             </a:r>
             <a:endParaRPr/>
           </a:p>
@@ -9533,11 +9507,11 @@
 </file>
 
 <file path=ppt/slides/slide2.xml><?xml version="1.0" encoding="utf-8"?>
-<p:sld xmlns:a="http://schemas.openxmlformats.org/drawingml/2006/main" xmlns:r="http://schemas.openxmlformats.org/officeDocument/2006/relationships" xmlns:mc="http://schemas.openxmlformats.org/markup-compatibility/2006" xmlns:mv="urn:schemas-microsoft-com:mac:vml" xmlns:p="http://schemas.openxmlformats.org/presentationml/2006/main" xmlns:c="http://schemas.openxmlformats.org/drawingml/2006/chart" xmlns:dgm="http://schemas.openxmlformats.org/drawingml/2006/diagram" xmlns:o="urn:schemas-microsoft-com:office:office" xmlns:v="urn:schemas-microsoft-com:vml" xmlns:pvml="urn:schemas-microsoft-com:office:powerpoint" xmlns:com="http://schemas.openxmlformats.org/drawingml/2006/compatibility" xmlns:p14="http://schemas.microsoft.com/office/powerpoint/2010/main" xmlns:p15="http://schemas.microsoft.com/office/powerpoint/2012/main">
+<p:sld xmlns:a="http://schemas.openxmlformats.org/drawingml/2006/main" xmlns:r="http://schemas.openxmlformats.org/officeDocument/2006/relationships" xmlns:p="http://schemas.openxmlformats.org/presentationml/2006/main">
   <p:cSld>
     <p:spTree>
       <p:nvGrpSpPr>
-        <p:cNvPr id="133" name="Shape 133"/>
+        <p:cNvPr id="1" name="Shape 133"/>
         <p:cNvGrpSpPr/>
         <p:nvPr/>
       </p:nvGrpSpPr>
@@ -9552,7 +9526,9 @@
       <p:sp>
         <p:nvSpPr>
           <p:cNvPr id="134" name="Google Shape;134;p14"/>
-          <p:cNvSpPr txBox="1"/>
+          <p:cNvSpPr txBox="1">
+            <a:spLocks noGrp="1"/>
+          </p:cNvSpPr>
           <p:nvPr>
             <p:ph type="title"/>
           </p:nvPr>
@@ -9567,12 +9543,12 @@
           </a:prstGeom>
         </p:spPr>
         <p:txBody>
-          <a:bodyPr anchorCtr="0" anchor="t" bIns="91425" lIns="91425" spcFirstLastPara="1" rIns="91425" wrap="square" tIns="91425">
+          <a:bodyPr spcFirstLastPara="1" wrap="square" lIns="91425" tIns="91425" rIns="91425" bIns="91425" anchor="t" anchorCtr="0">
             <a:noAutofit/>
           </a:bodyPr>
           <a:lstStyle/>
           <a:p>
-            <a:pPr indent="0" lvl="0" marL="0" rtl="0" algn="l">
+            <a:pPr marL="0" lvl="0" indent="0" algn="l" rtl="0">
               <a:spcBef>
                 <a:spcPts val="0"/>
               </a:spcBef>
@@ -9589,45 +9565,66 @@
           </a:p>
         </p:txBody>
       </p:sp>
-      <p:sp>
-        <p:nvSpPr>
-          <p:cNvPr id="135" name="Google Shape;135;p14"/>
-          <p:cNvSpPr txBox="1"/>
-          <p:nvPr>
-            <p:ph idx="1" type="body"/>
-          </p:nvPr>
-        </p:nvSpPr>
+      <p:pic>
+        <p:nvPicPr>
+          <p:cNvPr id="3" name="Picture 2">
+            <a:extLst>
+              <a:ext uri="{FF2B5EF4-FFF2-40B4-BE49-F238E27FC236}">
+                <a16:creationId xmlns:a16="http://schemas.microsoft.com/office/drawing/2014/main" id="{8DF96BA4-AC30-9B45-823A-1BBEE8071565}"/>
+              </a:ext>
+            </a:extLst>
+          </p:cNvPr>
+          <p:cNvPicPr>
+            <a:picLocks noChangeAspect="1"/>
+          </p:cNvPicPr>
+          <p:nvPr/>
+        </p:nvPicPr>
+        <p:blipFill>
+          <a:blip r:embed="rId3"/>
+          <a:stretch>
+            <a:fillRect/>
+          </a:stretch>
+        </p:blipFill>
         <p:spPr>
           <a:xfrm>
-            <a:off x="819150" y="1990725"/>
-            <a:ext cx="7505700" cy="2448000"/>
+            <a:off x="4788759" y="1493871"/>
+            <a:ext cx="1845712" cy="3264637"/>
           </a:xfrm>
           <a:prstGeom prst="rect">
             <a:avLst/>
           </a:prstGeom>
         </p:spPr>
-        <p:txBody>
-          <a:bodyPr anchorCtr="0" anchor="t" bIns="91425" lIns="91425" spcFirstLastPara="1" rIns="91425" wrap="square" tIns="91425">
-            <a:noAutofit/>
-          </a:bodyPr>
-          <a:lstStyle/>
-          <a:p>
-            <a:pPr indent="0" lvl="0" marL="0" rtl="0" algn="l">
-              <a:spcBef>
-                <a:spcPts val="0"/>
-              </a:spcBef>
-              <a:spcAft>
-                <a:spcPts val="1600"/>
-              </a:spcAft>
-              <a:buNone/>
-            </a:pPr>
-            <a:r>
-              <a:t/>
-            </a:r>
-            <a:endParaRPr/>
-          </a:p>
-        </p:txBody>
-      </p:sp>
+      </p:pic>
+      <p:pic>
+        <p:nvPicPr>
+          <p:cNvPr id="5" name="Picture 4">
+            <a:extLst>
+              <a:ext uri="{FF2B5EF4-FFF2-40B4-BE49-F238E27FC236}">
+                <a16:creationId xmlns:a16="http://schemas.microsoft.com/office/drawing/2014/main" id="{58CA7884-04C5-C241-9DF1-EA7044669596}"/>
+              </a:ext>
+            </a:extLst>
+          </p:cNvPr>
+          <p:cNvPicPr>
+            <a:picLocks noChangeAspect="1"/>
+          </p:cNvPicPr>
+          <p:nvPr/>
+        </p:nvPicPr>
+        <p:blipFill>
+          <a:blip r:embed="rId4"/>
+          <a:stretch>
+            <a:fillRect/>
+          </a:stretch>
+        </p:blipFill>
+        <p:spPr>
+          <a:xfrm>
+            <a:off x="1868382" y="1493871"/>
+            <a:ext cx="1789219" cy="3264637"/>
+          </a:xfrm>
+          <a:prstGeom prst="rect">
+            <a:avLst/>
+          </a:prstGeom>
+        </p:spPr>
+      </p:pic>
     </p:spTree>
   </p:cSld>
   <p:clrMapOvr>
@@ -9637,11 +9634,11 @@
 </file>
 
 <file path=ppt/slides/slide3.xml><?xml version="1.0" encoding="utf-8"?>
-<p:sld xmlns:a="http://schemas.openxmlformats.org/drawingml/2006/main" xmlns:r="http://schemas.openxmlformats.org/officeDocument/2006/relationships" xmlns:mc="http://schemas.openxmlformats.org/markup-compatibility/2006" xmlns:mv="urn:schemas-microsoft-com:mac:vml" xmlns:p="http://schemas.openxmlformats.org/presentationml/2006/main" xmlns:c="http://schemas.openxmlformats.org/drawingml/2006/chart" xmlns:dgm="http://schemas.openxmlformats.org/drawingml/2006/diagram" xmlns:o="urn:schemas-microsoft-com:office:office" xmlns:v="urn:schemas-microsoft-com:vml" xmlns:pvml="urn:schemas-microsoft-com:office:powerpoint" xmlns:com="http://schemas.openxmlformats.org/drawingml/2006/compatibility" xmlns:p14="http://schemas.microsoft.com/office/powerpoint/2010/main" xmlns:p15="http://schemas.microsoft.com/office/powerpoint/2012/main">
+<p:sld xmlns:a="http://schemas.openxmlformats.org/drawingml/2006/main" xmlns:r="http://schemas.openxmlformats.org/officeDocument/2006/relationships" xmlns:p="http://schemas.openxmlformats.org/presentationml/2006/main">
   <p:cSld>
     <p:spTree>
       <p:nvGrpSpPr>
-        <p:cNvPr id="139" name="Shape 139"/>
+        <p:cNvPr id="1" name="Shape 139"/>
         <p:cNvGrpSpPr/>
         <p:nvPr/>
       </p:nvGrpSpPr>
@@ -9656,9 +9653,11 @@
       <p:sp>
         <p:nvSpPr>
           <p:cNvPr id="140" name="Google Shape;140;p15"/>
-          <p:cNvSpPr txBox="1"/>
+          <p:cNvSpPr txBox="1">
+            <a:spLocks noGrp="1"/>
+          </p:cNvSpPr>
           <p:nvPr>
-            <p:ph idx="1" type="body"/>
+            <p:ph type="body" idx="1"/>
           </p:nvPr>
         </p:nvSpPr>
         <p:spPr>
@@ -9671,12 +9670,12 @@
           </a:prstGeom>
         </p:spPr>
         <p:txBody>
-          <a:bodyPr anchorCtr="0" anchor="t" bIns="91425" lIns="91425" spcFirstLastPara="1" rIns="91425" wrap="square" tIns="91425">
+          <a:bodyPr spcFirstLastPara="1" wrap="square" lIns="91425" tIns="91425" rIns="91425" bIns="91425" anchor="t" anchorCtr="0">
             <a:noAutofit/>
           </a:bodyPr>
           <a:lstStyle/>
           <a:p>
-            <a:pPr indent="-355600" lvl="0" marL="457200" rtl="0" algn="l">
+            <a:pPr marL="457200" lvl="0" indent="-355600" algn="l" rtl="0">
               <a:lnSpc>
                 <a:spcPct val="200000"/>
               </a:lnSpc>
@@ -9690,7 +9689,7 @@
               <a:buChar char="●"/>
             </a:pPr>
             <a:r>
-              <a:rPr b="1" lang="zh-TW" sz="2000"/>
+              <a:rPr lang="zh-TW" sz="2000" b="1"/>
               <a:t>Big Data</a:t>
             </a:r>
             <a:br>
@@ -9698,36 +9697,12 @@
             </a:br>
             <a:r>
               <a:rPr lang="zh-TW" sz="2000"/>
-              <a:t>Used the data from </a:t>
-            </a:r>
-            <a:r>
-              <a:rPr lang="zh-TW" sz="2000"/>
-              <a:t>2014/08/23</a:t>
-            </a:r>
-            <a:r>
-              <a:rPr lang="zh-TW" sz="2000"/>
-              <a:t> to </a:t>
-            </a:r>
-            <a:r>
-              <a:rPr lang="zh-TW" sz="2000"/>
-              <a:t>2015/1</a:t>
-            </a:r>
-            <a:r>
-              <a:rPr lang="zh-TW" sz="2000"/>
-              <a:t>1/</a:t>
-            </a:r>
-            <a:r>
-              <a:rPr lang="zh-TW" sz="2000"/>
-              <a:t>27. (365 recoards)</a:t>
-            </a:r>
-            <a:r>
-              <a:rPr lang="zh-TW" sz="2000"/>
-              <a:t> </a:t>
+              <a:t>Used the data from 2014/08/23 to 2015/11/27. (365 recoards) </a:t>
             </a:r>
             <a:endParaRPr sz="2000"/>
           </a:p>
           <a:p>
-            <a:pPr indent="-355600" lvl="0" marL="457200" rtl="0" algn="l">
+            <a:pPr marL="457200" lvl="0" indent="-355600" algn="l" rtl="0">
               <a:lnSpc>
                 <a:spcPct val="200000"/>
               </a:lnSpc>
@@ -9741,7 +9716,7 @@
               <a:buChar char="●"/>
             </a:pPr>
             <a:r>
-              <a:rPr b="1" lang="zh-TW" sz="2000"/>
+              <a:rPr lang="zh-TW" sz="2000" b="1"/>
               <a:t>Machine Learning</a:t>
             </a:r>
             <a:br>
@@ -9758,7 +9733,9 @@
       <p:sp>
         <p:nvSpPr>
           <p:cNvPr id="141" name="Google Shape;141;p15"/>
-          <p:cNvSpPr txBox="1"/>
+          <p:cNvSpPr txBox="1">
+            <a:spLocks noGrp="1"/>
+          </p:cNvSpPr>
           <p:nvPr>
             <p:ph type="title"/>
           </p:nvPr>
@@ -9773,12 +9750,12 @@
           </a:prstGeom>
         </p:spPr>
         <p:txBody>
-          <a:bodyPr anchorCtr="0" anchor="t" bIns="91425" lIns="91425" spcFirstLastPara="1" rIns="91425" wrap="square" tIns="91425">
+          <a:bodyPr spcFirstLastPara="1" wrap="square" lIns="91425" tIns="91425" rIns="91425" bIns="91425" anchor="t" anchorCtr="0">
             <a:noAutofit/>
           </a:bodyPr>
           <a:lstStyle/>
           <a:p>
-            <a:pPr indent="0" lvl="0" marL="0" rtl="0" algn="l">
+            <a:pPr marL="0" lvl="0" indent="0" algn="l" rtl="0">
               <a:spcBef>
                 <a:spcPts val="0"/>
               </a:spcBef>
@@ -9832,11 +9809,11 @@
 </file>
 
 <file path=ppt/slides/slide4.xml><?xml version="1.0" encoding="utf-8"?>
-<p:sld xmlns:a="http://schemas.openxmlformats.org/drawingml/2006/main" xmlns:r="http://schemas.openxmlformats.org/officeDocument/2006/relationships" xmlns:mc="http://schemas.openxmlformats.org/markup-compatibility/2006" xmlns:mv="urn:schemas-microsoft-com:mac:vml" xmlns:p="http://schemas.openxmlformats.org/presentationml/2006/main" xmlns:c="http://schemas.openxmlformats.org/drawingml/2006/chart" xmlns:dgm="http://schemas.openxmlformats.org/drawingml/2006/diagram" xmlns:o="urn:schemas-microsoft-com:office:office" xmlns:v="urn:schemas-microsoft-com:vml" xmlns:pvml="urn:schemas-microsoft-com:office:powerpoint" xmlns:com="http://schemas.openxmlformats.org/drawingml/2006/compatibility" xmlns:p14="http://schemas.microsoft.com/office/powerpoint/2010/main" xmlns:p15="http://schemas.microsoft.com/office/powerpoint/2012/main">
+<p:sld xmlns:a="http://schemas.openxmlformats.org/drawingml/2006/main" xmlns:r="http://schemas.openxmlformats.org/officeDocument/2006/relationships" xmlns:p="http://schemas.openxmlformats.org/presentationml/2006/main">
   <p:cSld>
     <p:spTree>
       <p:nvGrpSpPr>
-        <p:cNvPr id="146" name="Shape 146"/>
+        <p:cNvPr id="1" name="Shape 146"/>
         <p:cNvGrpSpPr/>
         <p:nvPr/>
       </p:nvGrpSpPr>
@@ -9879,7 +9856,9 @@
       <p:sp>
         <p:nvSpPr>
           <p:cNvPr id="148" name="Google Shape;148;p16"/>
-          <p:cNvSpPr txBox="1"/>
+          <p:cNvSpPr txBox="1">
+            <a:spLocks noGrp="1"/>
+          </p:cNvSpPr>
           <p:nvPr>
             <p:ph type="title"/>
           </p:nvPr>
@@ -9894,12 +9873,12 @@
           </a:prstGeom>
         </p:spPr>
         <p:txBody>
-          <a:bodyPr anchorCtr="0" anchor="t" bIns="91425" lIns="91425" spcFirstLastPara="1" rIns="91425" wrap="square" tIns="91425">
+          <a:bodyPr spcFirstLastPara="1" wrap="square" lIns="91425" tIns="91425" rIns="91425" bIns="91425" anchor="t" anchorCtr="0">
             <a:noAutofit/>
           </a:bodyPr>
           <a:lstStyle/>
           <a:p>
-            <a:pPr indent="0" lvl="0" marL="0" rtl="0" algn="l">
+            <a:pPr marL="0" lvl="0" indent="0" algn="l" rtl="0">
               <a:spcBef>
                 <a:spcPts val="0"/>
               </a:spcBef>
@@ -9915,7 +9894,7 @@
             <a:endParaRPr/>
           </a:p>
           <a:p>
-            <a:pPr indent="0" lvl="0" marL="0" rtl="0" algn="l">
+            <a:pPr marL="0" lvl="0" indent="0" algn="l" rtl="0">
               <a:spcBef>
                 <a:spcPts val="0"/>
               </a:spcBef>
@@ -9924,9 +9903,6 @@
               </a:spcAft>
               <a:buNone/>
             </a:pPr>
-            <a:r>
-              <a:t/>
-            </a:r>
             <a:endParaRPr/>
           </a:p>
         </p:txBody>
@@ -9940,11 +9916,11 @@
 </file>
 
 <file path=ppt/slides/slide5.xml><?xml version="1.0" encoding="utf-8"?>
-<p:sld xmlns:a="http://schemas.openxmlformats.org/drawingml/2006/main" xmlns:r="http://schemas.openxmlformats.org/officeDocument/2006/relationships" xmlns:mc="http://schemas.openxmlformats.org/markup-compatibility/2006" xmlns:mv="urn:schemas-microsoft-com:mac:vml" xmlns:p="http://schemas.openxmlformats.org/presentationml/2006/main" xmlns:c="http://schemas.openxmlformats.org/drawingml/2006/chart" xmlns:dgm="http://schemas.openxmlformats.org/drawingml/2006/diagram" xmlns:o="urn:schemas-microsoft-com:office:office" xmlns:v="urn:schemas-microsoft-com:vml" xmlns:pvml="urn:schemas-microsoft-com:office:powerpoint" xmlns:com="http://schemas.openxmlformats.org/drawingml/2006/compatibility" xmlns:p14="http://schemas.microsoft.com/office/powerpoint/2010/main" xmlns:p15="http://schemas.microsoft.com/office/powerpoint/2012/main">
+<p:sld xmlns:a="http://schemas.openxmlformats.org/drawingml/2006/main" xmlns:r="http://schemas.openxmlformats.org/officeDocument/2006/relationships" xmlns:p="http://schemas.openxmlformats.org/presentationml/2006/main">
   <p:cSld>
     <p:spTree>
       <p:nvGrpSpPr>
-        <p:cNvPr id="152" name="Shape 152"/>
+        <p:cNvPr id="1" name="Shape 152"/>
         <p:cNvGrpSpPr/>
         <p:nvPr/>
       </p:nvGrpSpPr>
@@ -9959,7 +9935,9 @@
       <p:sp>
         <p:nvSpPr>
           <p:cNvPr id="153" name="Google Shape;153;p17"/>
-          <p:cNvSpPr txBox="1"/>
+          <p:cNvSpPr txBox="1">
+            <a:spLocks noGrp="1"/>
+          </p:cNvSpPr>
           <p:nvPr>
             <p:ph type="title"/>
           </p:nvPr>
@@ -9974,12 +9952,12 @@
           </a:prstGeom>
         </p:spPr>
         <p:txBody>
-          <a:bodyPr anchorCtr="0" anchor="t" bIns="91425" lIns="91425" spcFirstLastPara="1" rIns="91425" wrap="square" tIns="91425">
+          <a:bodyPr spcFirstLastPara="1" wrap="square" lIns="91425" tIns="91425" rIns="91425" bIns="91425" anchor="t" anchorCtr="0">
             <a:noAutofit/>
           </a:bodyPr>
           <a:lstStyle/>
           <a:p>
-            <a:pPr indent="0" lvl="0" marL="0" rtl="0" algn="l">
+            <a:pPr marL="0" lvl="0" indent="0" algn="l" rtl="0">
               <a:spcBef>
                 <a:spcPts val="0"/>
               </a:spcBef>
@@ -9995,7 +9973,7 @@
             <a:endParaRPr/>
           </a:p>
           <a:p>
-            <a:pPr indent="0" lvl="0" marL="0" rtl="0" algn="l">
+            <a:pPr marL="0" lvl="0" indent="0" algn="l" rtl="0">
               <a:spcBef>
                 <a:spcPts val="0"/>
               </a:spcBef>
@@ -10004,9 +9982,6 @@
               </a:spcAft>
               <a:buNone/>
             </a:pPr>
-            <a:r>
-              <a:t/>
-            </a:r>
             <a:endParaRPr/>
           </a:p>
         </p:txBody>
@@ -10014,9 +9989,11 @@
       <p:sp>
         <p:nvSpPr>
           <p:cNvPr id="154" name="Google Shape;154;p17"/>
-          <p:cNvSpPr txBox="1"/>
+          <p:cNvSpPr txBox="1">
+            <a:spLocks noGrp="1"/>
+          </p:cNvSpPr>
           <p:nvPr>
-            <p:ph idx="1" type="body"/>
+            <p:ph type="body" idx="1"/>
           </p:nvPr>
         </p:nvSpPr>
         <p:spPr>
@@ -10029,12 +10006,12 @@
           </a:prstGeom>
         </p:spPr>
         <p:txBody>
-          <a:bodyPr anchorCtr="0" anchor="t" bIns="91425" lIns="91425" spcFirstLastPara="1" rIns="91425" wrap="square" tIns="91425">
+          <a:bodyPr spcFirstLastPara="1" wrap="square" lIns="91425" tIns="91425" rIns="91425" bIns="91425" anchor="t" anchorCtr="0">
             <a:noAutofit/>
           </a:bodyPr>
           <a:lstStyle/>
           <a:p>
-            <a:pPr indent="-355600" lvl="0" marL="457200" rtl="0" algn="l">
+            <a:pPr marL="457200" lvl="0" indent="-355600" algn="l" rtl="0">
               <a:lnSpc>
                 <a:spcPct val="200000"/>
               </a:lnSpc>
@@ -10048,17 +10025,13 @@
               <a:buChar char="●"/>
             </a:pPr>
             <a:r>
-              <a:rPr b="1" lang="zh-TW" sz="2000"/>
-              <a:t>Used the data from </a:t>
+              <a:rPr lang="zh-TW" sz="2000" b="1"/>
+              <a:t>Used the data from 2014/08/23 to 2015/11/22 to train.  </a:t>
             </a:r>
-            <a:r>
-              <a:rPr b="1" lang="zh-TW" sz="2000"/>
-              <a:t>2014/08/23 to 2015/11/22 to train.  </a:t>
-            </a:r>
-            <a:endParaRPr b="1" sz="2000"/>
+            <a:endParaRPr sz="2000" b="1"/>
           </a:p>
           <a:p>
-            <a:pPr indent="-355600" lvl="0" marL="457200" rtl="0" algn="l">
+            <a:pPr marL="457200" lvl="0" indent="-355600" algn="l" rtl="0">
               <a:lnSpc>
                 <a:spcPct val="200000"/>
               </a:lnSpc>
@@ -10072,7 +10045,7 @@
               <a:buChar char="●"/>
             </a:pPr>
             <a:r>
-              <a:rPr b="1" lang="zh-TW" sz="2000"/>
+              <a:rPr lang="zh-TW" sz="2000" b="1"/>
               <a:t>Predict the data from 2015/11/23 to 2015/11/27. </a:t>
             </a:r>
             <a:endParaRPr sz="2000"/>
@@ -10097,20 +10070,42 @@
                 <a:tableStyleId>{9DE5AAFB-C795-429A-9BB3-28B5A84E54DC}</a:tableStyleId>
               </a:tblPr>
               <a:tblGrid>
-                <a:gridCol w="1605675"/>
-                <a:gridCol w="1605675"/>
-                <a:gridCol w="1605675"/>
-                <a:gridCol w="1605675"/>
+                <a:gridCol w="1605675">
+                  <a:extLst>
+                    <a:ext uri="{9D8B030D-6E8A-4147-A177-3AD203B41FA5}">
+                      <a16:colId xmlns:a16="http://schemas.microsoft.com/office/drawing/2014/main" val="20000"/>
+                    </a:ext>
+                  </a:extLst>
+                </a:gridCol>
+                <a:gridCol w="1605675">
+                  <a:extLst>
+                    <a:ext uri="{9D8B030D-6E8A-4147-A177-3AD203B41FA5}">
+                      <a16:colId xmlns:a16="http://schemas.microsoft.com/office/drawing/2014/main" val="20001"/>
+                    </a:ext>
+                  </a:extLst>
+                </a:gridCol>
+                <a:gridCol w="1605675">
+                  <a:extLst>
+                    <a:ext uri="{9D8B030D-6E8A-4147-A177-3AD203B41FA5}">
+                      <a16:colId xmlns:a16="http://schemas.microsoft.com/office/drawing/2014/main" val="20002"/>
+                    </a:ext>
+                  </a:extLst>
+                </a:gridCol>
+                <a:gridCol w="1605675">
+                  <a:extLst>
+                    <a:ext uri="{9D8B030D-6E8A-4147-A177-3AD203B41FA5}">
+                      <a16:colId xmlns:a16="http://schemas.microsoft.com/office/drawing/2014/main" val="20003"/>
+                    </a:ext>
+                  </a:extLst>
+                </a:gridCol>
               </a:tblGrid>
               <a:tr h="381000">
                 <a:tc>
                   <a:txBody>
-                    <a:bodyPr>
-                      <a:noAutofit/>
-                    </a:bodyPr>
+                    <a:bodyPr/>
                     <a:lstStyle/>
                     <a:p>
-                      <a:pPr indent="0" lvl="0" marL="0" rtl="0" algn="ctr">
+                      <a:pPr marL="0" lvl="0" indent="0" algn="ctr" rtl="0">
                         <a:spcBef>
                           <a:spcPts val="0"/>
                         </a:spcBef>
@@ -10120,22 +10115,20 @@
                         <a:buNone/>
                       </a:pPr>
                       <a:r>
-                        <a:rPr b="1" lang="zh-TW"/>
+                        <a:rPr lang="zh-TW" b="1"/>
                         <a:t>Date</a:t>
                       </a:r>
                       <a:endParaRPr b="1"/>
                     </a:p>
                   </a:txBody>
-                  <a:tcPr marT="91425" marB="91425" marR="91425" marL="91425"/>
+                  <a:tcPr marL="91425" marR="91425" marT="91425" marB="91425"/>
                 </a:tc>
                 <a:tc>
                   <a:txBody>
-                    <a:bodyPr>
-                      <a:noAutofit/>
-                    </a:bodyPr>
+                    <a:bodyPr/>
                     <a:lstStyle/>
                     <a:p>
-                      <a:pPr indent="0" lvl="0" marL="0" rtl="0" algn="ctr">
+                      <a:pPr marL="0" lvl="0" indent="0" algn="ctr" rtl="0">
                         <a:spcBef>
                           <a:spcPts val="0"/>
                         </a:spcBef>
@@ -10145,22 +10138,20 @@
                         <a:buNone/>
                       </a:pPr>
                       <a:r>
-                        <a:rPr b="1" lang="zh-TW"/>
+                        <a:rPr lang="zh-TW" b="1"/>
                         <a:t>Acutal</a:t>
                       </a:r>
                       <a:endParaRPr b="1"/>
                     </a:p>
                   </a:txBody>
-                  <a:tcPr marT="91425" marB="91425" marR="91425" marL="91425"/>
+                  <a:tcPr marL="91425" marR="91425" marT="91425" marB="91425"/>
                 </a:tc>
                 <a:tc>
                   <a:txBody>
-                    <a:bodyPr>
-                      <a:noAutofit/>
-                    </a:bodyPr>
+                    <a:bodyPr/>
                     <a:lstStyle/>
                     <a:p>
-                      <a:pPr indent="0" lvl="0" marL="0" rtl="0" algn="ctr">
+                      <a:pPr marL="0" lvl="0" indent="0" algn="ctr" rtl="0">
                         <a:spcBef>
                           <a:spcPts val="0"/>
                         </a:spcBef>
@@ -10170,22 +10161,20 @@
                         <a:buNone/>
                       </a:pPr>
                       <a:r>
-                        <a:rPr b="1" lang="zh-TW"/>
+                        <a:rPr lang="zh-TW" b="1"/>
                         <a:t>Prediction</a:t>
                       </a:r>
                       <a:endParaRPr b="1"/>
                     </a:p>
                   </a:txBody>
-                  <a:tcPr marT="91425" marB="91425" marR="91425" marL="91425"/>
+                  <a:tcPr marL="91425" marR="91425" marT="91425" marB="91425"/>
                 </a:tc>
                 <a:tc>
                   <a:txBody>
-                    <a:bodyPr>
-                      <a:noAutofit/>
-                    </a:bodyPr>
+                    <a:bodyPr/>
                     <a:lstStyle/>
                     <a:p>
-                      <a:pPr indent="0" lvl="0" marL="0" rtl="0" algn="ctr">
+                      <a:pPr marL="0" lvl="0" indent="0" algn="ctr" rtl="0">
                         <a:spcBef>
                           <a:spcPts val="0"/>
                         </a:spcBef>
@@ -10195,24 +10184,27 @@
                         <a:buNone/>
                       </a:pPr>
                       <a:r>
-                        <a:rPr b="1" lang="zh-TW"/>
+                        <a:rPr lang="zh-TW" b="1"/>
                         <a:t>Difference</a:t>
                       </a:r>
                       <a:endParaRPr b="1"/>
                     </a:p>
                   </a:txBody>
-                  <a:tcPr marT="91425" marB="91425" marR="91425" marL="91425"/>
+                  <a:tcPr marL="91425" marR="91425" marT="91425" marB="91425"/>
                 </a:tc>
+                <a:extLst>
+                  <a:ext uri="{0D108BD9-81ED-4DB2-BD59-A6C34878D82A}">
+                    <a16:rowId xmlns:a16="http://schemas.microsoft.com/office/drawing/2014/main" val="10000"/>
+                  </a:ext>
+                </a:extLst>
               </a:tr>
               <a:tr h="381000">
                 <a:tc>
                   <a:txBody>
-                    <a:bodyPr>
-                      <a:noAutofit/>
-                    </a:bodyPr>
+                    <a:bodyPr/>
                     <a:lstStyle/>
                     <a:p>
-                      <a:pPr indent="0" lvl="0" marL="0" rtl="0" algn="ctr">
+                      <a:pPr marL="0" lvl="0" indent="0" algn="ctr" rtl="0">
                         <a:spcBef>
                           <a:spcPts val="0"/>
                         </a:spcBef>
@@ -10228,16 +10220,14 @@
                       <a:endParaRPr/>
                     </a:p>
                   </a:txBody>
-                  <a:tcPr marT="91425" marB="91425" marR="91425" marL="91425"/>
+                  <a:tcPr marL="91425" marR="91425" marT="91425" marB="91425"/>
                 </a:tc>
                 <a:tc>
                   <a:txBody>
-                    <a:bodyPr>
-                      <a:noAutofit/>
-                    </a:bodyPr>
+                    <a:bodyPr/>
                     <a:lstStyle/>
                     <a:p>
-                      <a:pPr indent="0" lvl="0" marL="0" rtl="0" algn="ctr">
+                      <a:pPr marL="0" lvl="0" indent="0" algn="ctr" rtl="0">
                         <a:spcBef>
                           <a:spcPts val="0"/>
                         </a:spcBef>
@@ -10253,16 +10243,14 @@
                       <a:endParaRPr/>
                     </a:p>
                   </a:txBody>
-                  <a:tcPr marT="91425" marB="91425" marR="91425" marL="91425"/>
+                  <a:tcPr marL="91425" marR="91425" marT="91425" marB="91425"/>
                 </a:tc>
                 <a:tc>
                   <a:txBody>
-                    <a:bodyPr>
-                      <a:noAutofit/>
-                    </a:bodyPr>
+                    <a:bodyPr/>
                     <a:lstStyle/>
                     <a:p>
-                      <a:pPr indent="0" lvl="0" marL="0" rtl="0" algn="ctr">
+                      <a:pPr marL="0" lvl="0" indent="0" algn="ctr" rtl="0">
                         <a:spcBef>
                           <a:spcPts val="0"/>
                         </a:spcBef>
@@ -10278,16 +10266,14 @@
                       <a:endParaRPr/>
                     </a:p>
                   </a:txBody>
-                  <a:tcPr marT="91425" marB="91425" marR="91425" marL="91425"/>
+                  <a:tcPr marL="91425" marR="91425" marT="91425" marB="91425"/>
                 </a:tc>
                 <a:tc>
                   <a:txBody>
-                    <a:bodyPr>
-                      <a:noAutofit/>
-                    </a:bodyPr>
+                    <a:bodyPr/>
                     <a:lstStyle/>
                     <a:p>
-                      <a:pPr indent="0" lvl="0" marL="0" rtl="0" algn="ctr">
+                      <a:pPr marL="0" lvl="0" indent="0" algn="ctr" rtl="0">
                         <a:spcBef>
                           <a:spcPts val="0"/>
                         </a:spcBef>
@@ -10303,18 +10289,21 @@
                       <a:endParaRPr/>
                     </a:p>
                   </a:txBody>
-                  <a:tcPr marT="91425" marB="91425" marR="91425" marL="91425"/>
+                  <a:tcPr marL="91425" marR="91425" marT="91425" marB="91425"/>
                 </a:tc>
+                <a:extLst>
+                  <a:ext uri="{0D108BD9-81ED-4DB2-BD59-A6C34878D82A}">
+                    <a16:rowId xmlns:a16="http://schemas.microsoft.com/office/drawing/2014/main" val="10001"/>
+                  </a:ext>
+                </a:extLst>
               </a:tr>
               <a:tr h="381000">
                 <a:tc>
                   <a:txBody>
-                    <a:bodyPr>
-                      <a:noAutofit/>
-                    </a:bodyPr>
+                    <a:bodyPr/>
                     <a:lstStyle/>
                     <a:p>
-                      <a:pPr indent="0" lvl="0" marL="0" rtl="0" algn="ctr">
+                      <a:pPr marL="0" lvl="0" indent="0" algn="ctr" rtl="0">
                         <a:spcBef>
                           <a:spcPts val="0"/>
                         </a:spcBef>
@@ -10330,16 +10319,14 @@
                       <a:endParaRPr/>
                     </a:p>
                   </a:txBody>
-                  <a:tcPr marT="91425" marB="91425" marR="91425" marL="91425"/>
+                  <a:tcPr marL="91425" marR="91425" marT="91425" marB="91425"/>
                 </a:tc>
                 <a:tc>
                   <a:txBody>
-                    <a:bodyPr>
-                      <a:noAutofit/>
-                    </a:bodyPr>
+                    <a:bodyPr/>
                     <a:lstStyle/>
                     <a:p>
-                      <a:pPr indent="0" lvl="0" marL="0" rtl="0" algn="ctr">
+                      <a:pPr marL="0" lvl="0" indent="0" algn="ctr" rtl="0">
                         <a:spcBef>
                           <a:spcPts val="0"/>
                         </a:spcBef>
@@ -10355,16 +10342,14 @@
                       <a:endParaRPr/>
                     </a:p>
                   </a:txBody>
-                  <a:tcPr marT="91425" marB="91425" marR="91425" marL="91425"/>
+                  <a:tcPr marL="91425" marR="91425" marT="91425" marB="91425"/>
                 </a:tc>
                 <a:tc>
                   <a:txBody>
-                    <a:bodyPr>
-                      <a:noAutofit/>
-                    </a:bodyPr>
+                    <a:bodyPr/>
                     <a:lstStyle/>
                     <a:p>
-                      <a:pPr indent="0" lvl="0" marL="0" rtl="0" algn="ctr">
+                      <a:pPr marL="0" lvl="0" indent="0" algn="ctr" rtl="0">
                         <a:spcBef>
                           <a:spcPts val="0"/>
                         </a:spcBef>
@@ -10380,16 +10365,14 @@
                       <a:endParaRPr/>
                     </a:p>
                   </a:txBody>
-                  <a:tcPr marT="91425" marB="91425" marR="91425" marL="91425"/>
+                  <a:tcPr marL="91425" marR="91425" marT="91425" marB="91425"/>
                 </a:tc>
                 <a:tc>
                   <a:txBody>
-                    <a:bodyPr>
-                      <a:noAutofit/>
-                    </a:bodyPr>
+                    <a:bodyPr/>
                     <a:lstStyle/>
                     <a:p>
-                      <a:pPr indent="0" lvl="0" marL="0" rtl="0" algn="ctr">
+                      <a:pPr marL="0" lvl="0" indent="0" algn="ctr" rtl="0">
                         <a:spcBef>
                           <a:spcPts val="0"/>
                         </a:spcBef>
@@ -10405,18 +10388,21 @@
                       <a:endParaRPr/>
                     </a:p>
                   </a:txBody>
-                  <a:tcPr marT="91425" marB="91425" marR="91425" marL="91425"/>
+                  <a:tcPr marL="91425" marR="91425" marT="91425" marB="91425"/>
                 </a:tc>
+                <a:extLst>
+                  <a:ext uri="{0D108BD9-81ED-4DB2-BD59-A6C34878D82A}">
+                    <a16:rowId xmlns:a16="http://schemas.microsoft.com/office/drawing/2014/main" val="10002"/>
+                  </a:ext>
+                </a:extLst>
               </a:tr>
               <a:tr h="381000">
                 <a:tc>
                   <a:txBody>
-                    <a:bodyPr>
-                      <a:noAutofit/>
-                    </a:bodyPr>
+                    <a:bodyPr/>
                     <a:lstStyle/>
                     <a:p>
-                      <a:pPr indent="0" lvl="0" marL="0" rtl="0" algn="ctr">
+                      <a:pPr marL="0" lvl="0" indent="0" algn="ctr" rtl="0">
                         <a:spcBef>
                           <a:spcPts val="0"/>
                         </a:spcBef>
@@ -10432,16 +10418,14 @@
                       <a:endParaRPr/>
                     </a:p>
                   </a:txBody>
-                  <a:tcPr marT="91425" marB="91425" marR="91425" marL="91425"/>
+                  <a:tcPr marL="91425" marR="91425" marT="91425" marB="91425"/>
                 </a:tc>
                 <a:tc>
                   <a:txBody>
-                    <a:bodyPr>
-                      <a:noAutofit/>
-                    </a:bodyPr>
+                    <a:bodyPr/>
                     <a:lstStyle/>
                     <a:p>
-                      <a:pPr indent="0" lvl="0" marL="0" rtl="0" algn="ctr">
+                      <a:pPr marL="0" lvl="0" indent="0" algn="ctr" rtl="0">
                         <a:spcBef>
                           <a:spcPts val="0"/>
                         </a:spcBef>
@@ -10457,16 +10441,14 @@
                       <a:endParaRPr/>
                     </a:p>
                   </a:txBody>
-                  <a:tcPr marT="91425" marB="91425" marR="91425" marL="91425"/>
+                  <a:tcPr marL="91425" marR="91425" marT="91425" marB="91425"/>
                 </a:tc>
                 <a:tc>
                   <a:txBody>
-                    <a:bodyPr>
-                      <a:noAutofit/>
-                    </a:bodyPr>
+                    <a:bodyPr/>
                     <a:lstStyle/>
                     <a:p>
-                      <a:pPr indent="0" lvl="0" marL="0" rtl="0" algn="ctr">
+                      <a:pPr marL="0" lvl="0" indent="0" algn="ctr" rtl="0">
                         <a:spcBef>
                           <a:spcPts val="0"/>
                         </a:spcBef>
@@ -10482,16 +10464,14 @@
                       <a:endParaRPr/>
                     </a:p>
                   </a:txBody>
-                  <a:tcPr marT="91425" marB="91425" marR="91425" marL="91425"/>
+                  <a:tcPr marL="91425" marR="91425" marT="91425" marB="91425"/>
                 </a:tc>
                 <a:tc>
                   <a:txBody>
-                    <a:bodyPr>
-                      <a:noAutofit/>
-                    </a:bodyPr>
+                    <a:bodyPr/>
                     <a:lstStyle/>
                     <a:p>
-                      <a:pPr indent="0" lvl="0" marL="0" rtl="0" algn="ctr">
+                      <a:pPr marL="0" lvl="0" indent="0" algn="ctr" rtl="0">
                         <a:spcBef>
                           <a:spcPts val="0"/>
                         </a:spcBef>
@@ -10507,18 +10487,21 @@
                       <a:endParaRPr/>
                     </a:p>
                   </a:txBody>
-                  <a:tcPr marT="91425" marB="91425" marR="91425" marL="91425"/>
+                  <a:tcPr marL="91425" marR="91425" marT="91425" marB="91425"/>
                 </a:tc>
+                <a:extLst>
+                  <a:ext uri="{0D108BD9-81ED-4DB2-BD59-A6C34878D82A}">
+                    <a16:rowId xmlns:a16="http://schemas.microsoft.com/office/drawing/2014/main" val="10003"/>
+                  </a:ext>
+                </a:extLst>
               </a:tr>
               <a:tr h="381000">
                 <a:tc>
                   <a:txBody>
-                    <a:bodyPr>
-                      <a:noAutofit/>
-                    </a:bodyPr>
+                    <a:bodyPr/>
                     <a:lstStyle/>
                     <a:p>
-                      <a:pPr indent="0" lvl="0" marL="0" rtl="0" algn="ctr">
+                      <a:pPr marL="0" lvl="0" indent="0" algn="ctr" rtl="0">
                         <a:spcBef>
                           <a:spcPts val="0"/>
                         </a:spcBef>
@@ -10534,16 +10517,14 @@
                       <a:endParaRPr/>
                     </a:p>
                   </a:txBody>
-                  <a:tcPr marT="91425" marB="91425" marR="91425" marL="91425"/>
+                  <a:tcPr marL="91425" marR="91425" marT="91425" marB="91425"/>
                 </a:tc>
                 <a:tc>
                   <a:txBody>
-                    <a:bodyPr>
-                      <a:noAutofit/>
-                    </a:bodyPr>
+                    <a:bodyPr/>
                     <a:lstStyle/>
                     <a:p>
-                      <a:pPr indent="0" lvl="0" marL="0" rtl="0" algn="ctr">
+                      <a:pPr marL="0" lvl="0" indent="0" algn="ctr" rtl="0">
                         <a:spcBef>
                           <a:spcPts val="0"/>
                         </a:spcBef>
@@ -10559,16 +10540,14 @@
                       <a:endParaRPr/>
                     </a:p>
                   </a:txBody>
-                  <a:tcPr marT="91425" marB="91425" marR="91425" marL="91425"/>
+                  <a:tcPr marL="91425" marR="91425" marT="91425" marB="91425"/>
                 </a:tc>
                 <a:tc>
                   <a:txBody>
-                    <a:bodyPr>
-                      <a:noAutofit/>
-                    </a:bodyPr>
+                    <a:bodyPr/>
                     <a:lstStyle/>
                     <a:p>
-                      <a:pPr indent="0" lvl="0" marL="0" rtl="0" algn="ctr">
+                      <a:pPr marL="0" lvl="0" indent="0" algn="ctr" rtl="0">
                         <a:spcBef>
                           <a:spcPts val="0"/>
                         </a:spcBef>
@@ -10584,16 +10563,14 @@
                       <a:endParaRPr/>
                     </a:p>
                   </a:txBody>
-                  <a:tcPr marT="91425" marB="91425" marR="91425" marL="91425"/>
+                  <a:tcPr marL="91425" marR="91425" marT="91425" marB="91425"/>
                 </a:tc>
                 <a:tc>
                   <a:txBody>
-                    <a:bodyPr>
-                      <a:noAutofit/>
-                    </a:bodyPr>
+                    <a:bodyPr/>
                     <a:lstStyle/>
                     <a:p>
-                      <a:pPr indent="0" lvl="0" marL="0" rtl="0" algn="ctr">
+                      <a:pPr marL="0" lvl="0" indent="0" algn="ctr" rtl="0">
                         <a:spcBef>
                           <a:spcPts val="0"/>
                         </a:spcBef>
@@ -10609,18 +10586,21 @@
                       <a:endParaRPr/>
                     </a:p>
                   </a:txBody>
-                  <a:tcPr marT="91425" marB="91425" marR="91425" marL="91425"/>
+                  <a:tcPr marL="91425" marR="91425" marT="91425" marB="91425"/>
                 </a:tc>
+                <a:extLst>
+                  <a:ext uri="{0D108BD9-81ED-4DB2-BD59-A6C34878D82A}">
+                    <a16:rowId xmlns:a16="http://schemas.microsoft.com/office/drawing/2014/main" val="10004"/>
+                  </a:ext>
+                </a:extLst>
               </a:tr>
               <a:tr h="381000">
                 <a:tc>
                   <a:txBody>
-                    <a:bodyPr>
-                      <a:noAutofit/>
-                    </a:bodyPr>
+                    <a:bodyPr/>
                     <a:lstStyle/>
                     <a:p>
-                      <a:pPr indent="0" lvl="0" marL="0" rtl="0" algn="ctr">
+                      <a:pPr marL="0" lvl="0" indent="0" algn="ctr" rtl="0">
                         <a:spcBef>
                           <a:spcPts val="0"/>
                         </a:spcBef>
@@ -10636,16 +10616,14 @@
                       <a:endParaRPr/>
                     </a:p>
                   </a:txBody>
-                  <a:tcPr marT="91425" marB="91425" marR="91425" marL="91425"/>
+                  <a:tcPr marL="91425" marR="91425" marT="91425" marB="91425"/>
                 </a:tc>
                 <a:tc>
                   <a:txBody>
-                    <a:bodyPr>
-                      <a:noAutofit/>
-                    </a:bodyPr>
+                    <a:bodyPr/>
                     <a:lstStyle/>
                     <a:p>
-                      <a:pPr indent="0" lvl="0" marL="0" rtl="0" algn="ctr">
+                      <a:pPr marL="0" lvl="0" indent="0" algn="ctr" rtl="0">
                         <a:spcBef>
                           <a:spcPts val="0"/>
                         </a:spcBef>
@@ -10661,16 +10639,14 @@
                       <a:endParaRPr/>
                     </a:p>
                   </a:txBody>
-                  <a:tcPr marT="91425" marB="91425" marR="91425" marL="91425"/>
+                  <a:tcPr marL="91425" marR="91425" marT="91425" marB="91425"/>
                 </a:tc>
                 <a:tc>
                   <a:txBody>
-                    <a:bodyPr>
-                      <a:noAutofit/>
-                    </a:bodyPr>
+                    <a:bodyPr/>
                     <a:lstStyle/>
                     <a:p>
-                      <a:pPr indent="0" lvl="0" marL="0" rtl="0" algn="ctr">
+                      <a:pPr marL="0" lvl="0" indent="0" algn="ctr" rtl="0">
                         <a:spcBef>
                           <a:spcPts val="0"/>
                         </a:spcBef>
@@ -10686,16 +10662,14 @@
                       <a:endParaRPr/>
                     </a:p>
                   </a:txBody>
-                  <a:tcPr marT="91425" marB="91425" marR="91425" marL="91425"/>
+                  <a:tcPr marL="91425" marR="91425" marT="91425" marB="91425"/>
                 </a:tc>
                 <a:tc>
                   <a:txBody>
-                    <a:bodyPr>
-                      <a:noAutofit/>
-                    </a:bodyPr>
+                    <a:bodyPr/>
                     <a:lstStyle/>
                     <a:p>
-                      <a:pPr indent="0" lvl="0" marL="0" rtl="0" algn="ctr">
+                      <a:pPr marL="0" lvl="0" indent="0" algn="ctr" rtl="0">
                         <a:spcBef>
                           <a:spcPts val="0"/>
                         </a:spcBef>
@@ -10711,8 +10685,13 @@
                       <a:endParaRPr/>
                     </a:p>
                   </a:txBody>
-                  <a:tcPr marT="91425" marB="91425" marR="91425" marL="91425"/>
+                  <a:tcPr marL="91425" marR="91425" marT="91425" marB="91425"/>
                 </a:tc>
+                <a:extLst>
+                  <a:ext uri="{0D108BD9-81ED-4DB2-BD59-A6C34878D82A}">
+                    <a16:rowId xmlns:a16="http://schemas.microsoft.com/office/drawing/2014/main" val="10005"/>
+                  </a:ext>
+                </a:extLst>
               </a:tr>
             </a:tbl>
           </a:graphicData>
@@ -10727,11 +10706,11 @@
 </file>
 
 <file path=ppt/slides/slide6.xml><?xml version="1.0" encoding="utf-8"?>
-<p:sld xmlns:a="http://schemas.openxmlformats.org/drawingml/2006/main" xmlns:r="http://schemas.openxmlformats.org/officeDocument/2006/relationships" xmlns:mc="http://schemas.openxmlformats.org/markup-compatibility/2006" xmlns:mv="urn:schemas-microsoft-com:mac:vml" xmlns:p="http://schemas.openxmlformats.org/presentationml/2006/main" xmlns:c="http://schemas.openxmlformats.org/drawingml/2006/chart" xmlns:dgm="http://schemas.openxmlformats.org/drawingml/2006/diagram" xmlns:o="urn:schemas-microsoft-com:office:office" xmlns:v="urn:schemas-microsoft-com:vml" xmlns:pvml="urn:schemas-microsoft-com:office:powerpoint" xmlns:com="http://schemas.openxmlformats.org/drawingml/2006/compatibility" xmlns:p14="http://schemas.microsoft.com/office/powerpoint/2010/main" xmlns:p15="http://schemas.microsoft.com/office/powerpoint/2012/main">
+<p:sld xmlns:a="http://schemas.openxmlformats.org/drawingml/2006/main" xmlns:r="http://schemas.openxmlformats.org/officeDocument/2006/relationships" xmlns:p="http://schemas.openxmlformats.org/presentationml/2006/main">
   <p:cSld>
     <p:spTree>
       <p:nvGrpSpPr>
-        <p:cNvPr id="159" name="Shape 159"/>
+        <p:cNvPr id="1" name="Shape 159"/>
         <p:cNvGrpSpPr/>
         <p:nvPr/>
       </p:nvGrpSpPr>
@@ -10746,7 +10725,9 @@
       <p:sp>
         <p:nvSpPr>
           <p:cNvPr id="160" name="Google Shape;160;p18"/>
-          <p:cNvSpPr txBox="1"/>
+          <p:cNvSpPr txBox="1">
+            <a:spLocks noGrp="1"/>
+          </p:cNvSpPr>
           <p:nvPr>
             <p:ph type="title"/>
           </p:nvPr>
@@ -10761,12 +10742,12 @@
           </a:prstGeom>
         </p:spPr>
         <p:txBody>
-          <a:bodyPr anchorCtr="0" anchor="t" bIns="91425" lIns="91425" spcFirstLastPara="1" rIns="91425" wrap="square" tIns="91425">
+          <a:bodyPr spcFirstLastPara="1" wrap="square" lIns="91425" tIns="91425" rIns="91425" bIns="91425" anchor="t" anchorCtr="0">
             <a:noAutofit/>
           </a:bodyPr>
           <a:lstStyle/>
           <a:p>
-            <a:pPr indent="0" lvl="0" marL="0" rtl="0" algn="l">
+            <a:pPr marL="0" lvl="0" indent="0" algn="l" rtl="0">
               <a:spcBef>
                 <a:spcPts val="0"/>
               </a:spcBef>
@@ -10786,9 +10767,11 @@
       <p:sp>
         <p:nvSpPr>
           <p:cNvPr id="161" name="Google Shape;161;p18"/>
-          <p:cNvSpPr txBox="1"/>
+          <p:cNvSpPr txBox="1">
+            <a:spLocks noGrp="1"/>
+          </p:cNvSpPr>
           <p:nvPr>
-            <p:ph idx="1" type="body"/>
+            <p:ph type="body" idx="1"/>
           </p:nvPr>
         </p:nvSpPr>
         <p:spPr>
@@ -10801,12 +10784,12 @@
           </a:prstGeom>
         </p:spPr>
         <p:txBody>
-          <a:bodyPr anchorCtr="0" anchor="t" bIns="91425" lIns="91425" spcFirstLastPara="1" rIns="91425" wrap="square" tIns="91425">
+          <a:bodyPr spcFirstLastPara="1" wrap="square" lIns="91425" tIns="91425" rIns="91425" bIns="91425" anchor="t" anchorCtr="0">
             <a:noAutofit/>
           </a:bodyPr>
           <a:lstStyle/>
           <a:p>
-            <a:pPr indent="0" lvl="0" marL="0" rtl="0" algn="l">
+            <a:pPr marL="0" lvl="0" indent="0" algn="l" rtl="0">
               <a:spcBef>
                 <a:spcPts val="0"/>
               </a:spcBef>
@@ -10815,9 +10798,6 @@
               </a:spcAft>
               <a:buNone/>
             </a:pPr>
-            <a:r>
-              <a:t/>
-            </a:r>
             <a:endParaRPr/>
           </a:p>
         </p:txBody>
@@ -10831,11 +10811,11 @@
 </file>
 
 <file path=ppt/slides/slide7.xml><?xml version="1.0" encoding="utf-8"?>
-<p:sld xmlns:a="http://schemas.openxmlformats.org/drawingml/2006/main" xmlns:r="http://schemas.openxmlformats.org/officeDocument/2006/relationships" xmlns:mc="http://schemas.openxmlformats.org/markup-compatibility/2006" xmlns:mv="urn:schemas-microsoft-com:mac:vml" xmlns:p="http://schemas.openxmlformats.org/presentationml/2006/main" xmlns:c="http://schemas.openxmlformats.org/drawingml/2006/chart" xmlns:dgm="http://schemas.openxmlformats.org/drawingml/2006/diagram" xmlns:o="urn:schemas-microsoft-com:office:office" xmlns:v="urn:schemas-microsoft-com:vml" xmlns:pvml="urn:schemas-microsoft-com:office:powerpoint" xmlns:com="http://schemas.openxmlformats.org/drawingml/2006/compatibility" xmlns:p14="http://schemas.microsoft.com/office/powerpoint/2010/main" xmlns:p15="http://schemas.microsoft.com/office/powerpoint/2012/main">
+<p:sld xmlns:a="http://schemas.openxmlformats.org/drawingml/2006/main" xmlns:r="http://schemas.openxmlformats.org/officeDocument/2006/relationships" xmlns:p="http://schemas.openxmlformats.org/presentationml/2006/main">
   <p:cSld>
     <p:spTree>
       <p:nvGrpSpPr>
-        <p:cNvPr id="165" name="Shape 165"/>
+        <p:cNvPr id="1" name="Shape 165"/>
         <p:cNvGrpSpPr/>
         <p:nvPr/>
       </p:nvGrpSpPr>
@@ -10850,7 +10830,9 @@
       <p:sp>
         <p:nvSpPr>
           <p:cNvPr id="166" name="Google Shape;166;p19"/>
-          <p:cNvSpPr txBox="1"/>
+          <p:cNvSpPr txBox="1">
+            <a:spLocks noGrp="1"/>
+          </p:cNvSpPr>
           <p:nvPr>
             <p:ph type="ctrTitle"/>
           </p:nvPr>
@@ -10865,12 +10847,12 @@
           </a:prstGeom>
         </p:spPr>
         <p:txBody>
-          <a:bodyPr anchorCtr="0" anchor="ctr" bIns="91425" lIns="91425" spcFirstLastPara="1" rIns="91425" wrap="square" tIns="91425">
+          <a:bodyPr spcFirstLastPara="1" wrap="square" lIns="91425" tIns="91425" rIns="91425" bIns="91425" anchor="ctr" anchorCtr="0">
             <a:noAutofit/>
           </a:bodyPr>
           <a:lstStyle/>
           <a:p>
-            <a:pPr indent="0" lvl="0" marL="0" rtl="0" algn="ctr">
+            <a:pPr marL="0" lvl="0" indent="0" algn="ctr" rtl="0">
               <a:spcBef>
                 <a:spcPts val="0"/>
               </a:spcBef>
@@ -10896,7 +10878,7 @@
 </file>
 
 <file path=ppt/theme/theme1.xml><?xml version="1.0" encoding="utf-8"?>
-<a:theme xmlns:a="http://schemas.openxmlformats.org/drawingml/2006/main" xmlns:r="http://schemas.openxmlformats.org/officeDocument/2006/relationships" name="Shift">
+<a:theme xmlns:a="http://schemas.openxmlformats.org/drawingml/2006/main" name="Shift">
   <a:themeElements>
     <a:clrScheme name="Shift">
       <a:dk1>
@@ -11171,11 +11153,13 @@
       </a:bgFillStyleLst>
     </a:fmtScheme>
   </a:themeElements>
+  <a:objectDefaults/>
+  <a:extraClrSchemeLst/>
 </a:theme>
 </file>
 
 <file path=ppt/theme/theme2.xml><?xml version="1.0" encoding="utf-8"?>
-<a:theme xmlns:a="http://schemas.openxmlformats.org/drawingml/2006/main" xmlns:r="http://schemas.openxmlformats.org/officeDocument/2006/relationships">
+<a:theme xmlns:a="http://schemas.openxmlformats.org/drawingml/2006/main">
   <a:themeElements>
     <a:clrScheme name="Default">
       <a:dk1>
@@ -11450,5 +11434,7 @@
       </a:bgFillStyleLst>
     </a:fmtScheme>
   </a:themeElements>
+  <a:objectDefaults/>
+  <a:extraClrSchemeLst/>
 </a:theme>
 </file>